--- a/app/Kotlin开发入门_王明明.pptx
+++ b/app/Kotlin开发入门_王明明.pptx
@@ -5,69 +5,80 @@
     <p:sldMasterId id="2147483648" r:id="rId1"/>
   </p:sldMasterIdLst>
   <p:notesMasterIdLst>
-    <p:notesMasterId r:id="rId28"/>
+    <p:notesMasterId r:id="rId33"/>
   </p:notesMasterIdLst>
   <p:sldIdLst>
-    <p:sldId id="257" r:id="rId3"/>
-    <p:sldId id="299" r:id="rId4"/>
-    <p:sldId id="389" r:id="rId5"/>
-    <p:sldId id="435" r:id="rId6"/>
-    <p:sldId id="420" r:id="rId7"/>
-    <p:sldId id="422" r:id="rId8"/>
-    <p:sldId id="436" r:id="rId9"/>
-    <p:sldId id="437" r:id="rId10"/>
-    <p:sldId id="418" r:id="rId11"/>
-    <p:sldId id="445" r:id="rId12"/>
-    <p:sldId id="446" r:id="rId13"/>
-    <p:sldId id="447" r:id="rId14"/>
-    <p:sldId id="448" r:id="rId15"/>
-    <p:sldId id="449" r:id="rId16"/>
-    <p:sldId id="450" r:id="rId17"/>
-    <p:sldId id="451" r:id="rId18"/>
-    <p:sldId id="452" r:id="rId19"/>
-    <p:sldId id="453" r:id="rId20"/>
-    <p:sldId id="454" r:id="rId21"/>
-    <p:sldId id="455" r:id="rId22"/>
-    <p:sldId id="456" r:id="rId23"/>
-    <p:sldId id="457" r:id="rId24"/>
-    <p:sldId id="438" r:id="rId25"/>
-    <p:sldId id="439" r:id="rId26"/>
-    <p:sldId id="296" r:id="rId27"/>
+    <p:sldId id="257" r:id="rId2"/>
+    <p:sldId id="299" r:id="rId3"/>
+    <p:sldId id="389" r:id="rId4"/>
+    <p:sldId id="435" r:id="rId5"/>
+    <p:sldId id="420" r:id="rId6"/>
+    <p:sldId id="422" r:id="rId7"/>
+    <p:sldId id="436" r:id="rId8"/>
+    <p:sldId id="437" r:id="rId9"/>
+    <p:sldId id="418" r:id="rId10"/>
+    <p:sldId id="445" r:id="rId11"/>
+    <p:sldId id="446" r:id="rId12"/>
+    <p:sldId id="447" r:id="rId13"/>
+    <p:sldId id="448" r:id="rId14"/>
+    <p:sldId id="449" r:id="rId15"/>
+    <p:sldId id="450" r:id="rId16"/>
+    <p:sldId id="451" r:id="rId17"/>
+    <p:sldId id="452" r:id="rId18"/>
+    <p:sldId id="453" r:id="rId19"/>
+    <p:sldId id="454" r:id="rId20"/>
+    <p:sldId id="455" r:id="rId21"/>
+    <p:sldId id="456" r:id="rId22"/>
+    <p:sldId id="457" r:id="rId23"/>
+    <p:sldId id="458" r:id="rId24"/>
+    <p:sldId id="459" r:id="rId25"/>
+    <p:sldId id="460" r:id="rId26"/>
+    <p:sldId id="461" r:id="rId27"/>
+    <p:sldId id="462" r:id="rId28"/>
+    <p:sldId id="463" r:id="rId29"/>
+    <p:sldId id="438" r:id="rId30"/>
+    <p:sldId id="439" r:id="rId31"/>
+    <p:sldId id="296" r:id="rId32"/>
   </p:sldIdLst>
   <p:sldSz cx="12192000" cy="6858000"/>
   <p:notesSz cx="6858000" cy="9144000"/>
   <p:embeddedFontLst>
     <p:embeddedFont>
       <p:font typeface="微软雅黑" panose="020B0503020204020204" pitchFamily="34" charset="-122"/>
-      <p:regular r:id="rId32"/>
+      <p:regular r:id="rId34"/>
+      <p:bold r:id="rId35"/>
+    </p:embeddedFont>
+    <p:embeddedFont>
+      <p:font typeface="Impact" panose="020B0806030902050204" pitchFamily="34" charset="0"/>
+      <p:regular r:id="rId36"/>
+    </p:embeddedFont>
+    <p:embeddedFont>
+      <p:font typeface="Arial Black" panose="020B0A04020102020204" pitchFamily="34" charset="0"/>
+      <p:bold r:id="rId37"/>
+    </p:embeddedFont>
+    <p:embeddedFont>
+      <p:font typeface="黑体" panose="02010609060101010101" pitchFamily="49" charset="-122"/>
+      <p:regular r:id="rId38"/>
+    </p:embeddedFont>
+    <p:embeddedFont>
+      <p:font typeface="Franklin Gothic Book" panose="020B0503020102020204" pitchFamily="34" charset="0"/>
+      <p:regular r:id="rId39"/>
+      <p:italic r:id="rId40"/>
+    </p:embeddedFont>
+    <p:embeddedFont>
+      <p:font typeface="Open Sans" panose="020B0606030504020204" pitchFamily="34" charset="0"/>
+      <p:regular r:id="rId41"/>
+    </p:embeddedFont>
+    <p:embeddedFont>
+      <p:font typeface="Cambria Math" panose="02040503050406030204" pitchFamily="18" charset="0"/>
+      <p:regular r:id="rId42"/>
     </p:embeddedFont>
     <p:embeddedFont>
       <p:font typeface="Calibri" panose="020F0502020204030204" pitchFamily="34" charset="0"/>
-      <p:regular r:id="rId33"/>
-      <p:bold r:id="rId34"/>
-      <p:italic r:id="rId35"/>
-      <p:boldItalic r:id="rId36"/>
-    </p:embeddedFont>
-    <p:embeddedFont>
-      <p:font typeface="Franklin Gothic Book" panose="020B0503020102020204" pitchFamily="34" charset="0"/>
-      <p:regular r:id="rId37"/>
-      <p:italic r:id="rId38"/>
-    </p:embeddedFont>
-    <p:embeddedFont>
-      <p:font typeface="Cambria Math" panose="02040503050406030204" pitchFamily="18" charset="0"/>
-      <p:regular r:id="rId39"/>
-    </p:embeddedFont>
-    <p:embeddedFont>
-      <p:font typeface="Impact" panose="020B0806030902050204" pitchFamily="34" charset="0"/>
-      <p:regular r:id="rId40"/>
-    </p:embeddedFont>
-    <p:embeddedFont>
-      <p:font typeface="黑体" panose="02010609060101010101" charset="-122"/>
-      <p:regular r:id="rId41"/>
-    </p:embeddedFont>
-    <p:embeddedFont>
-      <p:font typeface="Arial Black" panose="020B0A04020102020204" charset="0"/>
-      <p:bold r:id="rId42"/>
+      <p:regular r:id="rId43"/>
+      <p:bold r:id="rId44"/>
+      <p:italic r:id="rId45"/>
+      <p:boldItalic r:id="rId46"/>
     </p:embeddedFont>
   </p:embeddedFontLst>
   <p:defaultTextStyle>
@@ -165,6 +176,22 @@
       </a:defRPr>
     </a:lvl9pPr>
   </p:defaultTextStyle>
+  <p:extLst>
+    <p:ext uri="{EFAFB233-063F-42B5-8137-9DF3F51BA10A}">
+      <p15:sldGuideLst xmlns:p15="http://schemas.microsoft.com/office/powerpoint/2012/main">
+        <p15:guide id="1" orient="horz" pos="2148">
+          <p15:clr>
+            <a:srgbClr val="A4A3A4"/>
+          </p15:clr>
+        </p15:guide>
+        <p15:guide id="2" pos="3840">
+          <p15:clr>
+            <a:srgbClr val="A4A3A4"/>
+          </p15:clr>
+        </p15:guide>
+      </p15:sldGuideLst>
+    </p:ext>
+  </p:extLst>
 </p:presentation>
 </file>
 
@@ -250,6 +277,7 @@
           <a:p>
             <a:fld id="{93517030-4D52-459B-B2B9-727B2347FA00}" type="datetimeFigureOut">
               <a:rPr lang="zh-CN" altLang="en-US" smtClean="0"/>
+              <a:t>2018/8/23</a:t>
             </a:fld>
             <a:endParaRPr lang="zh-CN" altLang="en-US"/>
           </a:p>
@@ -316,7 +344,6 @@
               <a:rPr lang="zh-CN" altLang="en-US" smtClean="0"/>
               <a:t>单击此处编辑母版文本样式</a:t>
             </a:r>
-            <a:endParaRPr lang="zh-CN" altLang="en-US" smtClean="0"/>
           </a:p>
           <a:p>
             <a:pPr lvl="1"/>
@@ -324,7 +351,6 @@
               <a:rPr lang="zh-CN" altLang="en-US" smtClean="0"/>
               <a:t>第二级</a:t>
             </a:r>
-            <a:endParaRPr lang="zh-CN" altLang="en-US" smtClean="0"/>
           </a:p>
           <a:p>
             <a:pPr lvl="2"/>
@@ -332,7 +358,6 @@
               <a:rPr lang="zh-CN" altLang="en-US" smtClean="0"/>
               <a:t>第三级</a:t>
             </a:r>
-            <a:endParaRPr lang="zh-CN" altLang="en-US" smtClean="0"/>
           </a:p>
           <a:p>
             <a:pPr lvl="3"/>
@@ -340,7 +365,6 @@
               <a:rPr lang="zh-CN" altLang="en-US" smtClean="0"/>
               <a:t>第四级</a:t>
             </a:r>
-            <a:endParaRPr lang="zh-CN" altLang="en-US" smtClean="0"/>
           </a:p>
           <a:p>
             <a:pPr lvl="4"/>
@@ -412,12 +436,18 @@
           <a:p>
             <a:fld id="{EBB0A99B-9236-4D20-A345-3BC3B29D1BFA}" type="slidenum">
               <a:rPr lang="zh-CN" altLang="en-US" smtClean="0"/>
+              <a:t>‹#›</a:t>
             </a:fld>
             <a:endParaRPr lang="zh-CN" altLang="en-US"/>
           </a:p>
         </p:txBody>
       </p:sp>
     </p:spTree>
+    <p:extLst>
+      <p:ext uri="{BB962C8B-B14F-4D97-AF65-F5344CB8AC3E}">
+        <p14:creationId xmlns:p14="http://schemas.microsoft.com/office/powerpoint/2010/main" val="914611317"/>
+      </p:ext>
+    </p:extLst>
   </p:cSld>
   <p:clrMap bg1="lt1" tx1="dk1" bg2="lt2" tx2="dk2" accent1="accent1" accent2="accent2" accent3="accent3" accent4="accent4" accent5="accent5" accent6="accent6" hlink="hlink" folHlink="folHlink"/>
   <p:notesStyle>
@@ -560,7 +590,6 @@
               <a:rPr lang="zh-CN" altLang="en-US"/>
               <a:t>单击此处编辑母版标题样式</a:t>
             </a:r>
-            <a:endParaRPr lang="zh-CN" altLang="en-US"/>
           </a:p>
         </p:txBody>
       </p:sp>
@@ -625,7 +654,6 @@
               <a:rPr lang="zh-CN" altLang="en-US"/>
               <a:t>单击以编辑母版副标题样式</a:t>
             </a:r>
-            <a:endParaRPr lang="zh-CN" altLang="en-US"/>
           </a:p>
         </p:txBody>
       </p:sp>
@@ -646,6 +674,7 @@
           <a:p>
             <a:fld id="{A26359A5-E321-4104-BAEE-C31C8532CC10}" type="datetimeFigureOut">
               <a:rPr lang="zh-CN" altLang="en-US" smtClean="0"/>
+              <a:t>2018/8/23</a:t>
             </a:fld>
             <a:endParaRPr lang="zh-CN" altLang="en-US"/>
           </a:p>
@@ -687,6 +716,7 @@
           <a:p>
             <a:fld id="{AF245B87-7F7A-4A69-A3A4-DD7739C3C619}" type="slidenum">
               <a:rPr lang="zh-CN" altLang="en-US" smtClean="0"/>
+              <a:t>‹#›</a:t>
             </a:fld>
             <a:endParaRPr lang="zh-CN" altLang="en-US"/>
           </a:p>
@@ -736,7 +766,6 @@
               <a:rPr lang="zh-CN" altLang="en-US"/>
               <a:t>单击此处编辑母版标题样式</a:t>
             </a:r>
-            <a:endParaRPr lang="zh-CN" altLang="en-US"/>
           </a:p>
         </p:txBody>
       </p:sp>
@@ -760,7 +789,6 @@
               <a:rPr lang="zh-CN" altLang="en-US"/>
               <a:t>编辑母版文本样式</a:t>
             </a:r>
-            <a:endParaRPr lang="zh-CN" altLang="en-US"/>
           </a:p>
           <a:p>
             <a:pPr lvl="1"/>
@@ -768,7 +796,6 @@
               <a:rPr lang="zh-CN" altLang="en-US"/>
               <a:t>第二级</a:t>
             </a:r>
-            <a:endParaRPr lang="zh-CN" altLang="en-US"/>
           </a:p>
           <a:p>
             <a:pPr lvl="2"/>
@@ -776,7 +803,6 @@
               <a:rPr lang="zh-CN" altLang="en-US"/>
               <a:t>第三级</a:t>
             </a:r>
-            <a:endParaRPr lang="zh-CN" altLang="en-US"/>
           </a:p>
           <a:p>
             <a:pPr lvl="3"/>
@@ -784,7 +810,6 @@
               <a:rPr lang="zh-CN" altLang="en-US"/>
               <a:t>第四级</a:t>
             </a:r>
-            <a:endParaRPr lang="zh-CN" altLang="en-US"/>
           </a:p>
           <a:p>
             <a:pPr lvl="4"/>
@@ -792,7 +817,6 @@
               <a:rPr lang="zh-CN" altLang="en-US"/>
               <a:t>第五级</a:t>
             </a:r>
-            <a:endParaRPr lang="zh-CN" altLang="en-US"/>
           </a:p>
         </p:txBody>
       </p:sp>
@@ -813,6 +837,7 @@
           <a:p>
             <a:fld id="{A26359A5-E321-4104-BAEE-C31C8532CC10}" type="datetimeFigureOut">
               <a:rPr lang="zh-CN" altLang="en-US" smtClean="0"/>
+              <a:t>2018/8/23</a:t>
             </a:fld>
             <a:endParaRPr lang="zh-CN" altLang="en-US"/>
           </a:p>
@@ -854,6 +879,7 @@
           <a:p>
             <a:fld id="{AF245B87-7F7A-4A69-A3A4-DD7739C3C619}" type="slidenum">
               <a:rPr lang="zh-CN" altLang="en-US" smtClean="0"/>
+              <a:t>‹#›</a:t>
             </a:fld>
             <a:endParaRPr lang="zh-CN" altLang="en-US"/>
           </a:p>
@@ -908,7 +934,6 @@
               <a:rPr lang="zh-CN" altLang="en-US"/>
               <a:t>单击此处编辑母版标题样式</a:t>
             </a:r>
-            <a:endParaRPr lang="zh-CN" altLang="en-US"/>
           </a:p>
         </p:txBody>
       </p:sp>
@@ -937,7 +962,6 @@
               <a:rPr lang="zh-CN" altLang="en-US"/>
               <a:t>编辑母版文本样式</a:t>
             </a:r>
-            <a:endParaRPr lang="zh-CN" altLang="en-US"/>
           </a:p>
           <a:p>
             <a:pPr lvl="1"/>
@@ -945,7 +969,6 @@
               <a:rPr lang="zh-CN" altLang="en-US"/>
               <a:t>第二级</a:t>
             </a:r>
-            <a:endParaRPr lang="zh-CN" altLang="en-US"/>
           </a:p>
           <a:p>
             <a:pPr lvl="2"/>
@@ -953,7 +976,6 @@
               <a:rPr lang="zh-CN" altLang="en-US"/>
               <a:t>第三级</a:t>
             </a:r>
-            <a:endParaRPr lang="zh-CN" altLang="en-US"/>
           </a:p>
           <a:p>
             <a:pPr lvl="3"/>
@@ -961,7 +983,6 @@
               <a:rPr lang="zh-CN" altLang="en-US"/>
               <a:t>第四级</a:t>
             </a:r>
-            <a:endParaRPr lang="zh-CN" altLang="en-US"/>
           </a:p>
           <a:p>
             <a:pPr lvl="4"/>
@@ -969,7 +990,6 @@
               <a:rPr lang="zh-CN" altLang="en-US"/>
               <a:t>第五级</a:t>
             </a:r>
-            <a:endParaRPr lang="zh-CN" altLang="en-US"/>
           </a:p>
         </p:txBody>
       </p:sp>
@@ -990,6 +1010,7 @@
           <a:p>
             <a:fld id="{A26359A5-E321-4104-BAEE-C31C8532CC10}" type="datetimeFigureOut">
               <a:rPr lang="zh-CN" altLang="en-US" smtClean="0"/>
+              <a:t>2018/8/23</a:t>
             </a:fld>
             <a:endParaRPr lang="zh-CN" altLang="en-US"/>
           </a:p>
@@ -1031,6 +1052,7 @@
           <a:p>
             <a:fld id="{AF245B87-7F7A-4A69-A3A4-DD7739C3C619}" type="slidenum">
               <a:rPr lang="zh-CN" altLang="en-US" smtClean="0"/>
+              <a:t>‹#›</a:t>
             </a:fld>
             <a:endParaRPr lang="zh-CN" altLang="en-US"/>
           </a:p>
@@ -1080,7 +1102,6 @@
               <a:rPr lang="zh-CN" altLang="en-US"/>
               <a:t>单击此处编辑母版标题样式</a:t>
             </a:r>
-            <a:endParaRPr lang="zh-CN" altLang="en-US"/>
           </a:p>
         </p:txBody>
       </p:sp>
@@ -1104,7 +1125,6 @@
               <a:rPr lang="zh-CN" altLang="en-US"/>
               <a:t>编辑母版文本样式</a:t>
             </a:r>
-            <a:endParaRPr lang="zh-CN" altLang="en-US"/>
           </a:p>
           <a:p>
             <a:pPr lvl="1"/>
@@ -1112,7 +1132,6 @@
               <a:rPr lang="zh-CN" altLang="en-US"/>
               <a:t>第二级</a:t>
             </a:r>
-            <a:endParaRPr lang="zh-CN" altLang="en-US"/>
           </a:p>
           <a:p>
             <a:pPr lvl="2"/>
@@ -1120,7 +1139,6 @@
               <a:rPr lang="zh-CN" altLang="en-US"/>
               <a:t>第三级</a:t>
             </a:r>
-            <a:endParaRPr lang="zh-CN" altLang="en-US"/>
           </a:p>
           <a:p>
             <a:pPr lvl="3"/>
@@ -1128,7 +1146,6 @@
               <a:rPr lang="zh-CN" altLang="en-US"/>
               <a:t>第四级</a:t>
             </a:r>
-            <a:endParaRPr lang="zh-CN" altLang="en-US"/>
           </a:p>
           <a:p>
             <a:pPr lvl="4"/>
@@ -1136,7 +1153,6 @@
               <a:rPr lang="zh-CN" altLang="en-US"/>
               <a:t>第五级</a:t>
             </a:r>
-            <a:endParaRPr lang="zh-CN" altLang="en-US"/>
           </a:p>
         </p:txBody>
       </p:sp>
@@ -1157,6 +1173,7 @@
           <a:p>
             <a:fld id="{A26359A5-E321-4104-BAEE-C31C8532CC10}" type="datetimeFigureOut">
               <a:rPr lang="zh-CN" altLang="en-US" smtClean="0"/>
+              <a:t>2018/8/23</a:t>
             </a:fld>
             <a:endParaRPr lang="zh-CN" altLang="en-US"/>
           </a:p>
@@ -1198,6 +1215,7 @@
           <a:p>
             <a:fld id="{AF245B87-7F7A-4A69-A3A4-DD7739C3C619}" type="slidenum">
               <a:rPr lang="zh-CN" altLang="en-US" smtClean="0"/>
+              <a:t>‹#›</a:t>
             </a:fld>
             <a:endParaRPr lang="zh-CN" altLang="en-US"/>
           </a:p>
@@ -1256,7 +1274,6 @@
               <a:rPr lang="zh-CN" altLang="en-US"/>
               <a:t>单击此处编辑母版标题样式</a:t>
             </a:r>
-            <a:endParaRPr lang="zh-CN" altLang="en-US"/>
           </a:p>
         </p:txBody>
       </p:sp>
@@ -1376,7 +1393,6 @@
               <a:rPr lang="zh-CN" altLang="en-US"/>
               <a:t>编辑母版文本样式</a:t>
             </a:r>
-            <a:endParaRPr lang="zh-CN" altLang="en-US"/>
           </a:p>
         </p:txBody>
       </p:sp>
@@ -1397,6 +1413,7 @@
           <a:p>
             <a:fld id="{A26359A5-E321-4104-BAEE-C31C8532CC10}" type="datetimeFigureOut">
               <a:rPr lang="zh-CN" altLang="en-US" smtClean="0"/>
+              <a:t>2018/8/23</a:t>
             </a:fld>
             <a:endParaRPr lang="zh-CN" altLang="en-US"/>
           </a:p>
@@ -1438,6 +1455,7 @@
           <a:p>
             <a:fld id="{AF245B87-7F7A-4A69-A3A4-DD7739C3C619}" type="slidenum">
               <a:rPr lang="zh-CN" altLang="en-US" smtClean="0"/>
+              <a:t>‹#›</a:t>
             </a:fld>
             <a:endParaRPr lang="zh-CN" altLang="en-US"/>
           </a:p>
@@ -1487,7 +1505,6 @@
               <a:rPr lang="zh-CN" altLang="en-US"/>
               <a:t>单击此处编辑母版标题样式</a:t>
             </a:r>
-            <a:endParaRPr lang="zh-CN" altLang="en-US"/>
           </a:p>
         </p:txBody>
       </p:sp>
@@ -1516,7 +1533,6 @@
               <a:rPr lang="zh-CN" altLang="en-US"/>
               <a:t>编辑母版文本样式</a:t>
             </a:r>
-            <a:endParaRPr lang="zh-CN" altLang="en-US"/>
           </a:p>
           <a:p>
             <a:pPr lvl="1"/>
@@ -1524,7 +1540,6 @@
               <a:rPr lang="zh-CN" altLang="en-US"/>
               <a:t>第二级</a:t>
             </a:r>
-            <a:endParaRPr lang="zh-CN" altLang="en-US"/>
           </a:p>
           <a:p>
             <a:pPr lvl="2"/>
@@ -1532,7 +1547,6 @@
               <a:rPr lang="zh-CN" altLang="en-US"/>
               <a:t>第三级</a:t>
             </a:r>
-            <a:endParaRPr lang="zh-CN" altLang="en-US"/>
           </a:p>
           <a:p>
             <a:pPr lvl="3"/>
@@ -1540,7 +1554,6 @@
               <a:rPr lang="zh-CN" altLang="en-US"/>
               <a:t>第四级</a:t>
             </a:r>
-            <a:endParaRPr lang="zh-CN" altLang="en-US"/>
           </a:p>
           <a:p>
             <a:pPr lvl="4"/>
@@ -1548,7 +1561,6 @@
               <a:rPr lang="zh-CN" altLang="en-US"/>
               <a:t>第五级</a:t>
             </a:r>
-            <a:endParaRPr lang="zh-CN" altLang="en-US"/>
           </a:p>
         </p:txBody>
       </p:sp>
@@ -1577,7 +1589,6 @@
               <a:rPr lang="zh-CN" altLang="en-US"/>
               <a:t>编辑母版文本样式</a:t>
             </a:r>
-            <a:endParaRPr lang="zh-CN" altLang="en-US"/>
           </a:p>
           <a:p>
             <a:pPr lvl="1"/>
@@ -1585,7 +1596,6 @@
               <a:rPr lang="zh-CN" altLang="en-US"/>
               <a:t>第二级</a:t>
             </a:r>
-            <a:endParaRPr lang="zh-CN" altLang="en-US"/>
           </a:p>
           <a:p>
             <a:pPr lvl="2"/>
@@ -1593,7 +1603,6 @@
               <a:rPr lang="zh-CN" altLang="en-US"/>
               <a:t>第三级</a:t>
             </a:r>
-            <a:endParaRPr lang="zh-CN" altLang="en-US"/>
           </a:p>
           <a:p>
             <a:pPr lvl="3"/>
@@ -1601,7 +1610,6 @@
               <a:rPr lang="zh-CN" altLang="en-US"/>
               <a:t>第四级</a:t>
             </a:r>
-            <a:endParaRPr lang="zh-CN" altLang="en-US"/>
           </a:p>
           <a:p>
             <a:pPr lvl="4"/>
@@ -1609,7 +1617,6 @@
               <a:rPr lang="zh-CN" altLang="en-US"/>
               <a:t>第五级</a:t>
             </a:r>
-            <a:endParaRPr lang="zh-CN" altLang="en-US"/>
           </a:p>
         </p:txBody>
       </p:sp>
@@ -1630,6 +1637,7 @@
           <a:p>
             <a:fld id="{A26359A5-E321-4104-BAEE-C31C8532CC10}" type="datetimeFigureOut">
               <a:rPr lang="zh-CN" altLang="en-US" smtClean="0"/>
+              <a:t>2018/8/23</a:t>
             </a:fld>
             <a:endParaRPr lang="zh-CN" altLang="en-US"/>
           </a:p>
@@ -1671,6 +1679,7 @@
           <a:p>
             <a:fld id="{AF245B87-7F7A-4A69-A3A4-DD7739C3C619}" type="slidenum">
               <a:rPr lang="zh-CN" altLang="en-US" smtClean="0"/>
+              <a:t>‹#›</a:t>
             </a:fld>
             <a:endParaRPr lang="zh-CN" altLang="en-US"/>
           </a:p>
@@ -1725,7 +1734,6 @@
               <a:rPr lang="zh-CN" altLang="en-US"/>
               <a:t>单击此处编辑母版标题样式</a:t>
             </a:r>
-            <a:endParaRPr lang="zh-CN" altLang="en-US"/>
           </a:p>
         </p:txBody>
       </p:sp>
@@ -1791,7 +1799,6 @@
               <a:rPr lang="zh-CN" altLang="en-US"/>
               <a:t>编辑母版文本样式</a:t>
             </a:r>
-            <a:endParaRPr lang="zh-CN" altLang="en-US"/>
           </a:p>
         </p:txBody>
       </p:sp>
@@ -1820,7 +1827,6 @@
               <a:rPr lang="zh-CN" altLang="en-US"/>
               <a:t>编辑母版文本样式</a:t>
             </a:r>
-            <a:endParaRPr lang="zh-CN" altLang="en-US"/>
           </a:p>
           <a:p>
             <a:pPr lvl="1"/>
@@ -1828,7 +1834,6 @@
               <a:rPr lang="zh-CN" altLang="en-US"/>
               <a:t>第二级</a:t>
             </a:r>
-            <a:endParaRPr lang="zh-CN" altLang="en-US"/>
           </a:p>
           <a:p>
             <a:pPr lvl="2"/>
@@ -1836,7 +1841,6 @@
               <a:rPr lang="zh-CN" altLang="en-US"/>
               <a:t>第三级</a:t>
             </a:r>
-            <a:endParaRPr lang="zh-CN" altLang="en-US"/>
           </a:p>
           <a:p>
             <a:pPr lvl="3"/>
@@ -1844,7 +1848,6 @@
               <a:rPr lang="zh-CN" altLang="en-US"/>
               <a:t>第四级</a:t>
             </a:r>
-            <a:endParaRPr lang="zh-CN" altLang="en-US"/>
           </a:p>
           <a:p>
             <a:pPr lvl="4"/>
@@ -1852,7 +1855,6 @@
               <a:rPr lang="zh-CN" altLang="en-US"/>
               <a:t>第五级</a:t>
             </a:r>
-            <a:endParaRPr lang="zh-CN" altLang="en-US"/>
           </a:p>
         </p:txBody>
       </p:sp>
@@ -1918,7 +1920,6 @@
               <a:rPr lang="zh-CN" altLang="en-US"/>
               <a:t>编辑母版文本样式</a:t>
             </a:r>
-            <a:endParaRPr lang="zh-CN" altLang="en-US"/>
           </a:p>
         </p:txBody>
       </p:sp>
@@ -1947,7 +1948,6 @@
               <a:rPr lang="zh-CN" altLang="en-US"/>
               <a:t>编辑母版文本样式</a:t>
             </a:r>
-            <a:endParaRPr lang="zh-CN" altLang="en-US"/>
           </a:p>
           <a:p>
             <a:pPr lvl="1"/>
@@ -1955,7 +1955,6 @@
               <a:rPr lang="zh-CN" altLang="en-US"/>
               <a:t>第二级</a:t>
             </a:r>
-            <a:endParaRPr lang="zh-CN" altLang="en-US"/>
           </a:p>
           <a:p>
             <a:pPr lvl="2"/>
@@ -1963,7 +1962,6 @@
               <a:rPr lang="zh-CN" altLang="en-US"/>
               <a:t>第三级</a:t>
             </a:r>
-            <a:endParaRPr lang="zh-CN" altLang="en-US"/>
           </a:p>
           <a:p>
             <a:pPr lvl="3"/>
@@ -1971,7 +1969,6 @@
               <a:rPr lang="zh-CN" altLang="en-US"/>
               <a:t>第四级</a:t>
             </a:r>
-            <a:endParaRPr lang="zh-CN" altLang="en-US"/>
           </a:p>
           <a:p>
             <a:pPr lvl="4"/>
@@ -1979,7 +1976,6 @@
               <a:rPr lang="zh-CN" altLang="en-US"/>
               <a:t>第五级</a:t>
             </a:r>
-            <a:endParaRPr lang="zh-CN" altLang="en-US"/>
           </a:p>
         </p:txBody>
       </p:sp>
@@ -2000,6 +1996,7 @@
           <a:p>
             <a:fld id="{A26359A5-E321-4104-BAEE-C31C8532CC10}" type="datetimeFigureOut">
               <a:rPr lang="zh-CN" altLang="en-US" smtClean="0"/>
+              <a:t>2018/8/23</a:t>
             </a:fld>
             <a:endParaRPr lang="zh-CN" altLang="en-US"/>
           </a:p>
@@ -2041,6 +2038,7 @@
           <a:p>
             <a:fld id="{AF245B87-7F7A-4A69-A3A4-DD7739C3C619}" type="slidenum">
               <a:rPr lang="zh-CN" altLang="en-US" smtClean="0"/>
+              <a:t>‹#›</a:t>
             </a:fld>
             <a:endParaRPr lang="zh-CN" altLang="en-US"/>
           </a:p>
@@ -2090,7 +2088,6 @@
               <a:rPr lang="zh-CN" altLang="en-US"/>
               <a:t>单击此处编辑母版标题样式</a:t>
             </a:r>
-            <a:endParaRPr lang="zh-CN" altLang="en-US"/>
           </a:p>
         </p:txBody>
       </p:sp>
@@ -2111,6 +2108,7 @@
           <a:p>
             <a:fld id="{A26359A5-E321-4104-BAEE-C31C8532CC10}" type="datetimeFigureOut">
               <a:rPr lang="zh-CN" altLang="en-US" smtClean="0"/>
+              <a:t>2018/8/23</a:t>
             </a:fld>
             <a:endParaRPr lang="zh-CN" altLang="en-US"/>
           </a:p>
@@ -2152,6 +2150,7 @@
           <a:p>
             <a:fld id="{AF245B87-7F7A-4A69-A3A4-DD7739C3C619}" type="slidenum">
               <a:rPr lang="zh-CN" altLang="en-US" smtClean="0"/>
+              <a:t>‹#›</a:t>
             </a:fld>
             <a:endParaRPr lang="zh-CN" altLang="en-US"/>
           </a:p>
@@ -2199,6 +2198,7 @@
           <a:p>
             <a:fld id="{A26359A5-E321-4104-BAEE-C31C8532CC10}" type="datetimeFigureOut">
               <a:rPr lang="zh-CN" altLang="en-US" smtClean="0"/>
+              <a:t>2018/8/23</a:t>
             </a:fld>
             <a:endParaRPr lang="zh-CN" altLang="en-US"/>
           </a:p>
@@ -2240,6 +2240,7 @@
           <a:p>
             <a:fld id="{AF245B87-7F7A-4A69-A3A4-DD7739C3C619}" type="slidenum">
               <a:rPr lang="zh-CN" altLang="en-US" smtClean="0"/>
+              <a:t>‹#›</a:t>
             </a:fld>
             <a:endParaRPr lang="zh-CN" altLang="en-US"/>
           </a:p>
@@ -2298,7 +2299,6 @@
               <a:rPr lang="zh-CN" altLang="en-US"/>
               <a:t>单击此处编辑母版标题样式</a:t>
             </a:r>
-            <a:endParaRPr lang="zh-CN" altLang="en-US"/>
           </a:p>
         </p:txBody>
       </p:sp>
@@ -2355,7 +2355,6 @@
               <a:rPr lang="zh-CN" altLang="en-US"/>
               <a:t>编辑母版文本样式</a:t>
             </a:r>
-            <a:endParaRPr lang="zh-CN" altLang="en-US"/>
           </a:p>
           <a:p>
             <a:pPr lvl="1"/>
@@ -2363,7 +2362,6 @@
               <a:rPr lang="zh-CN" altLang="en-US"/>
               <a:t>第二级</a:t>
             </a:r>
-            <a:endParaRPr lang="zh-CN" altLang="en-US"/>
           </a:p>
           <a:p>
             <a:pPr lvl="2"/>
@@ -2371,7 +2369,6 @@
               <a:rPr lang="zh-CN" altLang="en-US"/>
               <a:t>第三级</a:t>
             </a:r>
-            <a:endParaRPr lang="zh-CN" altLang="en-US"/>
           </a:p>
           <a:p>
             <a:pPr lvl="3"/>
@@ -2379,7 +2376,6 @@
               <a:rPr lang="zh-CN" altLang="en-US"/>
               <a:t>第四级</a:t>
             </a:r>
-            <a:endParaRPr lang="zh-CN" altLang="en-US"/>
           </a:p>
           <a:p>
             <a:pPr lvl="4"/>
@@ -2387,7 +2383,6 @@
               <a:rPr lang="zh-CN" altLang="en-US"/>
               <a:t>第五级</a:t>
             </a:r>
-            <a:endParaRPr lang="zh-CN" altLang="en-US"/>
           </a:p>
         </p:txBody>
       </p:sp>
@@ -2453,7 +2448,6 @@
               <a:rPr lang="zh-CN" altLang="en-US"/>
               <a:t>编辑母版文本样式</a:t>
             </a:r>
-            <a:endParaRPr lang="zh-CN" altLang="en-US"/>
           </a:p>
         </p:txBody>
       </p:sp>
@@ -2474,6 +2468,7 @@
           <a:p>
             <a:fld id="{A26359A5-E321-4104-BAEE-C31C8532CC10}" type="datetimeFigureOut">
               <a:rPr lang="zh-CN" altLang="en-US" smtClean="0"/>
+              <a:t>2018/8/23</a:t>
             </a:fld>
             <a:endParaRPr lang="zh-CN" altLang="en-US"/>
           </a:p>
@@ -2515,6 +2510,7 @@
           <a:p>
             <a:fld id="{AF245B87-7F7A-4A69-A3A4-DD7739C3C619}" type="slidenum">
               <a:rPr lang="zh-CN" altLang="en-US" smtClean="0"/>
+              <a:t>‹#›</a:t>
             </a:fld>
             <a:endParaRPr lang="zh-CN" altLang="en-US"/>
           </a:p>
@@ -2573,7 +2569,6 @@
               <a:rPr lang="zh-CN" altLang="en-US"/>
               <a:t>单击此处编辑母版标题样式</a:t>
             </a:r>
-            <a:endParaRPr lang="zh-CN" altLang="en-US"/>
           </a:p>
         </p:txBody>
       </p:sp>
@@ -2700,7 +2695,6 @@
               <a:rPr lang="zh-CN" altLang="en-US"/>
               <a:t>编辑母版文本样式</a:t>
             </a:r>
-            <a:endParaRPr lang="zh-CN" altLang="en-US"/>
           </a:p>
         </p:txBody>
       </p:sp>
@@ -2721,6 +2715,7 @@
           <a:p>
             <a:fld id="{A26359A5-E321-4104-BAEE-C31C8532CC10}" type="datetimeFigureOut">
               <a:rPr lang="zh-CN" altLang="en-US" smtClean="0"/>
+              <a:t>2018/8/23</a:t>
             </a:fld>
             <a:endParaRPr lang="zh-CN" altLang="en-US"/>
           </a:p>
@@ -2762,6 +2757,7 @@
           <a:p>
             <a:fld id="{AF245B87-7F7A-4A69-A3A4-DD7739C3C619}" type="slidenum">
               <a:rPr lang="zh-CN" altLang="en-US" smtClean="0"/>
+              <a:t>‹#›</a:t>
             </a:fld>
             <a:endParaRPr lang="zh-CN" altLang="en-US"/>
           </a:p>
@@ -2826,7 +2822,6 @@
               <a:rPr lang="zh-CN" altLang="en-US"/>
               <a:t>单击此处编辑母版标题样式</a:t>
             </a:r>
-            <a:endParaRPr lang="zh-CN" altLang="en-US"/>
           </a:p>
         </p:txBody>
       </p:sp>
@@ -2860,7 +2855,6 @@
               <a:rPr lang="zh-CN" altLang="en-US"/>
               <a:t>编辑母版文本样式</a:t>
             </a:r>
-            <a:endParaRPr lang="zh-CN" altLang="en-US"/>
           </a:p>
           <a:p>
             <a:pPr lvl="1"/>
@@ -2868,7 +2862,6 @@
               <a:rPr lang="zh-CN" altLang="en-US"/>
               <a:t>第二级</a:t>
             </a:r>
-            <a:endParaRPr lang="zh-CN" altLang="en-US"/>
           </a:p>
           <a:p>
             <a:pPr lvl="2"/>
@@ -2876,7 +2869,6 @@
               <a:rPr lang="zh-CN" altLang="en-US"/>
               <a:t>第三级</a:t>
             </a:r>
-            <a:endParaRPr lang="zh-CN" altLang="en-US"/>
           </a:p>
           <a:p>
             <a:pPr lvl="3"/>
@@ -2884,7 +2876,6 @@
               <a:rPr lang="zh-CN" altLang="en-US"/>
               <a:t>第四级</a:t>
             </a:r>
-            <a:endParaRPr lang="zh-CN" altLang="en-US"/>
           </a:p>
           <a:p>
             <a:pPr lvl="4"/>
@@ -2892,7 +2883,6 @@
               <a:rPr lang="zh-CN" altLang="en-US"/>
               <a:t>第五级</a:t>
             </a:r>
-            <a:endParaRPr lang="zh-CN" altLang="en-US"/>
           </a:p>
         </p:txBody>
       </p:sp>
@@ -2931,6 +2921,7 @@
           <a:p>
             <a:fld id="{A26359A5-E321-4104-BAEE-C31C8532CC10}" type="datetimeFigureOut">
               <a:rPr lang="zh-CN" altLang="en-US" smtClean="0"/>
+              <a:t>2018/8/23</a:t>
             </a:fld>
             <a:endParaRPr lang="zh-CN" altLang="en-US"/>
           </a:p>
@@ -3008,6 +2999,7 @@
           <a:p>
             <a:fld id="{AF245B87-7F7A-4A69-A3A4-DD7739C3C619}" type="slidenum">
               <a:rPr lang="zh-CN" altLang="en-US" smtClean="0"/>
+              <a:t>‹#›</a:t>
             </a:fld>
             <a:endParaRPr lang="zh-CN" altLang="en-US"/>
           </a:p>
@@ -5445,15 +5437,6 @@
               </a:rPr>
               <a:t>王明明</a:t>
             </a:r>
-            <a:endParaRPr lang="zh-CN" altLang="en-US" sz="2000" cap="all" dirty="0">
-              <a:solidFill>
-                <a:schemeClr val="tx1">
-                  <a:lumMod val="65000"/>
-                  <a:lumOff val="35000"/>
-                </a:schemeClr>
-              </a:solidFill>
-              <a:cs typeface="Arial" panose="020B0604020202020204" pitchFamily="34" charset="0"/>
-            </a:endParaRPr>
           </a:p>
         </p:txBody>
       </p:sp>
@@ -5666,15 +5649,6 @@
               </a:rPr>
               <a:t>Kotlin开发入门</a:t>
             </a:r>
-            <a:endParaRPr lang="zh-CN" altLang="en-US" sz="6000" cap="all" spc="300" dirty="0" smtClean="0">
-              <a:solidFill>
-                <a:schemeClr val="tx1">
-                  <a:lumMod val="75000"/>
-                  <a:lumOff val="25000"/>
-                </a:schemeClr>
-              </a:solidFill>
-              <a:cs typeface="Arial" panose="020B0604020202020204" pitchFamily="34" charset="0"/>
-            </a:endParaRPr>
           </a:p>
         </p:txBody>
       </p:sp>
@@ -5920,7 +5894,7 @@
           <p:nvPr/>
         </p:nvPicPr>
         <p:blipFill>
-          <a:blip r:embed="rId1" cstate="print">
+          <a:blip r:embed="rId2" cstate="print">
             <a:extLst>
               <a:ext uri="{28A0092B-C50C-407E-A947-70E740481C1C}">
                 <a14:useLocalDpi xmlns:a14="http://schemas.microsoft.com/office/drawing/2010/main" val="0"/>
@@ -5946,13 +5920,13 @@
   <p:clrMapOvr>
     <a:masterClrMapping/>
   </p:clrMapOvr>
-  <mc:AlternateContent xmlns:mc="http://schemas.openxmlformats.org/markup-compatibility/2006">
-    <mc:Choice xmlns:p14="http://schemas.microsoft.com/office/powerpoint/2010/main" Requires="p14">
+  <mc:AlternateContent xmlns:mc="http://schemas.openxmlformats.org/markup-compatibility/2006" xmlns:p14="http://schemas.microsoft.com/office/powerpoint/2010/main">
+    <mc:Choice Requires="p14">
       <p:transition spd="med" p14:dur="700">
         <p:fade/>
       </p:transition>
     </mc:Choice>
-    <mc:Fallback>
+    <mc:Fallback xmlns="">
       <p:transition spd="med">
         <p:fade/>
       </p:transition>
@@ -6599,13 +6573,6 @@
                 </a:rPr>
                 <a:t>定义函数</a:t>
               </a:r>
-              <a:endParaRPr lang="zh-CN" altLang="en-US" sz="2400" b="1" dirty="0" smtClean="0">
-                <a:solidFill>
-                  <a:schemeClr val="bg1"/>
-                </a:solidFill>
-                <a:latin typeface="微软雅黑" panose="020B0503020204020204" pitchFamily="34" charset="-122"/>
-                <a:ea typeface="微软雅黑" panose="020B0503020204020204" pitchFamily="34" charset="-122"/>
-              </a:endParaRPr>
             </a:p>
           </p:txBody>
         </p:sp>
@@ -6630,133 +6597,232 @@
           <a:bodyPr wrap="square" rtlCol="0">
             <a:spAutoFit/>
           </a:bodyPr>
+          <a:lstStyle/>
           <a:p>
             <a:pPr algn="l"/>
             <a:r>
-              <a:rPr lang="en-US" altLang="zh-CN"/>
+              <a:rPr lang="en-US" altLang="zh-CN" dirty="0"/>
               <a:t>//</a:t>
             </a:r>
             <a:r>
-              <a:rPr lang="zh-CN" altLang="en-US"/>
+              <a:rPr lang="zh-CN" altLang="en-US" dirty="0"/>
               <a:t>带有两个 Int 参数、返回 Int 的函数：</a:t>
             </a:r>
-            <a:endParaRPr lang="zh-CN" altLang="en-US"/>
           </a:p>
           <a:p>
             <a:pPr algn="l"/>
             <a:r>
-              <a:rPr lang="zh-CN" altLang="en-US"/>
+              <a:rPr lang="zh-CN" altLang="en-US" dirty="0"/>
               <a:t>fun sum(a: Int, b: Int): Int {</a:t>
             </a:r>
-            <a:endParaRPr lang="zh-CN" altLang="en-US"/>
           </a:p>
           <a:p>
             <a:pPr algn="l"/>
             <a:r>
-              <a:rPr lang="zh-CN" altLang="en-US"/>
+              <a:rPr lang="zh-CN" altLang="en-US" dirty="0"/>
               <a:t>    return a + b</a:t>
             </a:r>
-            <a:endParaRPr lang="zh-CN" altLang="en-US"/>
           </a:p>
           <a:p>
             <a:pPr algn="l"/>
             <a:r>
-              <a:rPr lang="zh-CN" altLang="en-US"/>
+              <a:rPr lang="zh-CN" altLang="en-US" dirty="0"/>
               <a:t>}</a:t>
             </a:r>
-            <a:endParaRPr lang="zh-CN" altLang="en-US"/>
           </a:p>
           <a:p>
             <a:pPr algn="l"/>
-            <a:endParaRPr lang="zh-CN" altLang="en-US"/>
+            <a:endParaRPr lang="zh-CN" altLang="en-US" dirty="0"/>
           </a:p>
           <a:p>
             <a:pPr algn="l"/>
             <a:r>
-              <a:rPr lang="en-US" altLang="zh-CN"/>
-              <a:t>//将表达式作为函数体、返回值类型自动推断的函数：</a:t>
-            </a:r>
-            <a:endParaRPr lang="en-US" altLang="zh-CN"/>
+              <a:rPr lang="en-US" altLang="zh-CN" dirty="0"/>
+              <a:t>//</a:t>
+            </a:r>
+            <a:r>
+              <a:rPr lang="en-US" altLang="zh-CN" dirty="0" err="1"/>
+              <a:t>将表达式作为函数体、返回值类型自动推断的函数</a:t>
+            </a:r>
+            <a:r>
+              <a:rPr lang="en-US" altLang="zh-CN" dirty="0"/>
+              <a:t>：</a:t>
+            </a:r>
           </a:p>
           <a:p>
             <a:pPr algn="l"/>
             <a:r>
-              <a:rPr lang="en-US" altLang="zh-CN"/>
-              <a:t>fun maxOf(a: Int, b: Int) = if (a &gt; b) a else b</a:t>
-            </a:r>
-            <a:endParaRPr lang="en-US" altLang="zh-CN"/>
+              <a:rPr lang="en-US" altLang="zh-CN" dirty="0"/>
+              <a:t>fun </a:t>
+            </a:r>
+            <a:r>
+              <a:rPr lang="en-US" altLang="zh-CN" dirty="0" err="1"/>
+              <a:t>maxOf</a:t>
+            </a:r>
+            <a:r>
+              <a:rPr lang="en-US" altLang="zh-CN" dirty="0"/>
+              <a:t>(a: </a:t>
+            </a:r>
+            <a:r>
+              <a:rPr lang="en-US" altLang="zh-CN" dirty="0" err="1"/>
+              <a:t>Int</a:t>
+            </a:r>
+            <a:r>
+              <a:rPr lang="en-US" altLang="zh-CN" dirty="0"/>
+              <a:t>, b: </a:t>
+            </a:r>
+            <a:r>
+              <a:rPr lang="en-US" altLang="zh-CN" dirty="0" err="1"/>
+              <a:t>Int</a:t>
+            </a:r>
+            <a:r>
+              <a:rPr lang="en-US" altLang="zh-CN" dirty="0"/>
+              <a:t>) = if (a &gt; b) a else b</a:t>
+            </a:r>
           </a:p>
           <a:p>
             <a:pPr algn="l"/>
-            <a:endParaRPr lang="en-US" altLang="zh-CN"/>
+            <a:endParaRPr lang="en-US" altLang="zh-CN" dirty="0"/>
           </a:p>
           <a:p>
             <a:pPr algn="l"/>
             <a:r>
-              <a:rPr lang="en-US" altLang="zh-CN"/>
-              <a:t>//函数返回无意义的值：</a:t>
-            </a:r>
-            <a:endParaRPr lang="en-US" altLang="zh-CN"/>
+              <a:rPr lang="en-US" altLang="zh-CN" dirty="0"/>
+              <a:t>//</a:t>
+            </a:r>
+            <a:r>
+              <a:rPr lang="en-US" altLang="zh-CN" dirty="0" err="1"/>
+              <a:t>函数返回无意义的值</a:t>
+            </a:r>
+            <a:r>
+              <a:rPr lang="en-US" altLang="zh-CN" dirty="0"/>
+              <a:t>：</a:t>
+            </a:r>
           </a:p>
           <a:p>
             <a:pPr algn="l"/>
             <a:r>
-              <a:rPr lang="en-US" altLang="zh-CN"/>
-              <a:t>fun printSum(a: Int, b: Int): Unit {</a:t>
-            </a:r>
-            <a:endParaRPr lang="en-US" altLang="zh-CN"/>
+              <a:rPr lang="en-US" altLang="zh-CN" dirty="0"/>
+              <a:t>fun </a:t>
+            </a:r>
+            <a:r>
+              <a:rPr lang="en-US" altLang="zh-CN" dirty="0" err="1"/>
+              <a:t>printSum</a:t>
+            </a:r>
+            <a:r>
+              <a:rPr lang="en-US" altLang="zh-CN" dirty="0"/>
+              <a:t>(a: </a:t>
+            </a:r>
+            <a:r>
+              <a:rPr lang="en-US" altLang="zh-CN" dirty="0" err="1"/>
+              <a:t>Int</a:t>
+            </a:r>
+            <a:r>
+              <a:rPr lang="en-US" altLang="zh-CN" dirty="0"/>
+              <a:t>, b: </a:t>
+            </a:r>
+            <a:r>
+              <a:rPr lang="en-US" altLang="zh-CN" dirty="0" err="1"/>
+              <a:t>Int</a:t>
+            </a:r>
+            <a:r>
+              <a:rPr lang="en-US" altLang="zh-CN" dirty="0"/>
+              <a:t>): Unit {</a:t>
+            </a:r>
           </a:p>
           <a:p>
             <a:pPr algn="l"/>
             <a:r>
-              <a:rPr lang="en-US" altLang="zh-CN"/>
-              <a:t>    println("sum of $a and $b is ${a + b}")</a:t>
-            </a:r>
-            <a:endParaRPr lang="en-US" altLang="zh-CN"/>
+              <a:rPr lang="en-US" altLang="zh-CN" dirty="0"/>
+              <a:t>    </a:t>
+            </a:r>
+            <a:r>
+              <a:rPr lang="en-US" altLang="zh-CN" dirty="0" err="1"/>
+              <a:t>println</a:t>
+            </a:r>
+            <a:r>
+              <a:rPr lang="en-US" altLang="zh-CN" dirty="0"/>
+              <a:t>("sum of $a and $b is ${a + b}")</a:t>
+            </a:r>
           </a:p>
           <a:p>
             <a:pPr algn="l"/>
             <a:r>
-              <a:rPr lang="en-US" altLang="zh-CN"/>
+              <a:rPr lang="en-US" altLang="zh-CN" dirty="0"/>
               <a:t>}</a:t>
             </a:r>
-            <a:endParaRPr lang="en-US" altLang="zh-CN"/>
           </a:p>
           <a:p>
             <a:pPr algn="l"/>
-            <a:endParaRPr lang="en-US" altLang="zh-CN"/>
+            <a:endParaRPr lang="en-US" altLang="zh-CN" dirty="0"/>
           </a:p>
           <a:p>
             <a:pPr algn="l"/>
             <a:r>
-              <a:rPr lang="en-US" altLang="zh-CN"/>
-              <a:t>//Unit 返回类型可以省略：</a:t>
-            </a:r>
-            <a:endParaRPr lang="en-US" altLang="zh-CN"/>
+              <a:rPr lang="en-US" altLang="zh-CN" dirty="0"/>
+              <a:t>//Unit </a:t>
+            </a:r>
+            <a:r>
+              <a:rPr lang="en-US" altLang="zh-CN" dirty="0" err="1"/>
+              <a:t>返回类型可以省略</a:t>
+            </a:r>
+            <a:r>
+              <a:rPr lang="en-US" altLang="zh-CN" dirty="0"/>
+              <a:t>：</a:t>
+            </a:r>
           </a:p>
           <a:p>
             <a:pPr algn="l"/>
             <a:r>
-              <a:rPr lang="en-US" altLang="zh-CN"/>
-              <a:t>fun printSum(a: Int, b: Int) {</a:t>
-            </a:r>
-            <a:endParaRPr lang="en-US" altLang="zh-CN"/>
+              <a:rPr lang="en-US" altLang="zh-CN" dirty="0"/>
+              <a:t>fun </a:t>
+            </a:r>
+            <a:r>
+              <a:rPr lang="en-US" altLang="zh-CN" dirty="0" err="1"/>
+              <a:t>printSum</a:t>
+            </a:r>
+            <a:r>
+              <a:rPr lang="en-US" altLang="zh-CN" dirty="0"/>
+              <a:t>(a: </a:t>
+            </a:r>
+            <a:r>
+              <a:rPr lang="en-US" altLang="zh-CN" dirty="0" err="1"/>
+              <a:t>Int</a:t>
+            </a:r>
+            <a:r>
+              <a:rPr lang="en-US" altLang="zh-CN" dirty="0"/>
+              <a:t>, b: </a:t>
+            </a:r>
+            <a:r>
+              <a:rPr lang="en-US" altLang="zh-CN" dirty="0" err="1"/>
+              <a:t>Int</a:t>
+            </a:r>
+            <a:r>
+              <a:rPr lang="en-US" altLang="zh-CN" dirty="0"/>
+              <a:t>) {</a:t>
+            </a:r>
           </a:p>
           <a:p>
             <a:pPr algn="l"/>
             <a:r>
-              <a:rPr lang="en-US" altLang="zh-CN"/>
-              <a:t>    println("sum of $a and $b is ${a + b}")</a:t>
-            </a:r>
-            <a:endParaRPr lang="en-US" altLang="zh-CN"/>
+              <a:rPr lang="en-US" altLang="zh-CN" dirty="0"/>
+              <a:t>    </a:t>
+            </a:r>
+            <a:r>
+              <a:rPr lang="en-US" altLang="zh-CN" dirty="0" err="1"/>
+              <a:t>println</a:t>
+            </a:r>
+            <a:r>
+              <a:rPr lang="en-US" altLang="zh-CN" dirty="0"/>
+              <a:t>("sum of $a and $b is ${a + b}")</a:t>
+            </a:r>
           </a:p>
           <a:p>
             <a:pPr algn="l"/>
             <a:r>
-              <a:rPr lang="en-US" altLang="zh-CN"/>
+              <a:rPr lang="en-US" altLang="zh-CN" dirty="0"/>
               <a:t>}</a:t>
             </a:r>
-            <a:endParaRPr lang="en-US" altLang="zh-CN"/>
           </a:p>
         </p:txBody>
       </p:sp>
@@ -6891,13 +6957,6 @@
                 </a:rPr>
                 <a:t>定义变量</a:t>
               </a:r>
-              <a:endParaRPr lang="zh-CN" altLang="en-US" sz="2400" b="1" dirty="0" smtClean="0">
-                <a:solidFill>
-                  <a:schemeClr val="bg1"/>
-                </a:solidFill>
-                <a:latin typeface="微软雅黑" panose="020B0503020204020204" pitchFamily="34" charset="-122"/>
-                <a:ea typeface="微软雅黑" panose="020B0503020204020204" pitchFamily="34" charset="-122"/>
-              </a:endParaRPr>
             </a:p>
           </p:txBody>
         </p:sp>
@@ -6922,6 +6981,7 @@
           <a:bodyPr wrap="square" rtlCol="0">
             <a:spAutoFit/>
           </a:bodyPr>
+          <a:lstStyle/>
           <a:p>
             <a:pPr algn="l"/>
             <a:r>
@@ -6932,7 +6992,6 @@
               <a:rPr lang="zh-CN" altLang="en-US"/>
               <a:t>一次赋值（只读）的局部变量:</a:t>
             </a:r>
-            <a:endParaRPr lang="zh-CN" altLang="en-US"/>
           </a:p>
           <a:p>
             <a:pPr algn="l"/>
@@ -6940,7 +6999,6 @@
               <a:rPr lang="zh-CN" altLang="en-US"/>
               <a:t>val a: Int = 1  // 立即赋值</a:t>
             </a:r>
-            <a:endParaRPr lang="zh-CN" altLang="en-US"/>
           </a:p>
           <a:p>
             <a:pPr algn="l"/>
@@ -6948,7 +7006,6 @@
               <a:rPr lang="zh-CN" altLang="en-US"/>
               <a:t>val b = 2   // 自动推断出 `Int` 类型</a:t>
             </a:r>
-            <a:endParaRPr lang="zh-CN" altLang="en-US"/>
           </a:p>
           <a:p>
             <a:pPr algn="l"/>
@@ -6956,7 +7013,6 @@
               <a:rPr lang="zh-CN" altLang="en-US"/>
               <a:t>val c: Int  // 如果没有初始值类型不能省略</a:t>
             </a:r>
-            <a:endParaRPr lang="zh-CN" altLang="en-US"/>
           </a:p>
           <a:p>
             <a:pPr algn="l"/>
@@ -6964,7 +7020,6 @@
               <a:rPr lang="zh-CN" altLang="en-US"/>
               <a:t>c = 3       // 明确赋值</a:t>
             </a:r>
-            <a:endParaRPr lang="zh-CN" altLang="en-US"/>
           </a:p>
           <a:p>
             <a:pPr algn="l"/>
@@ -6980,7 +7035,6 @@
               <a:rPr lang="zh-CN" altLang="en-US"/>
               <a:t>可变变量：</a:t>
             </a:r>
-            <a:endParaRPr lang="zh-CN" altLang="en-US"/>
           </a:p>
           <a:p>
             <a:pPr algn="l"/>
@@ -6988,7 +7042,6 @@
               <a:rPr lang="zh-CN" altLang="en-US"/>
               <a:t>var x = 5 // 自动推断出 `Int` 类型</a:t>
             </a:r>
-            <a:endParaRPr lang="zh-CN" altLang="en-US"/>
           </a:p>
           <a:p>
             <a:pPr algn="l"/>
@@ -6996,7 +7049,6 @@
               <a:rPr lang="zh-CN" altLang="en-US"/>
               <a:t>x += 1</a:t>
             </a:r>
-            <a:endParaRPr lang="zh-CN" altLang="en-US"/>
           </a:p>
           <a:p>
             <a:pPr algn="l"/>
@@ -7008,7 +7060,6 @@
               <a:rPr lang="en-US" altLang="zh-CN"/>
               <a:t>//顶层变量：</a:t>
             </a:r>
-            <a:endParaRPr lang="en-US" altLang="zh-CN"/>
           </a:p>
           <a:p>
             <a:pPr algn="l"/>
@@ -7016,7 +7067,6 @@
               <a:rPr lang="en-US" altLang="zh-CN"/>
               <a:t>val PI = 3.14</a:t>
             </a:r>
-            <a:endParaRPr lang="en-US" altLang="zh-CN"/>
           </a:p>
           <a:p>
             <a:pPr algn="l"/>
@@ -7024,7 +7074,6 @@
               <a:rPr lang="en-US" altLang="zh-CN"/>
               <a:t>var x = 0</a:t>
             </a:r>
-            <a:endParaRPr lang="en-US" altLang="zh-CN"/>
           </a:p>
           <a:p>
             <a:pPr algn="l"/>
@@ -7036,7 +7085,6 @@
               <a:rPr lang="en-US" altLang="zh-CN"/>
               <a:t>fun incrementX() { </a:t>
             </a:r>
-            <a:endParaRPr lang="en-US" altLang="zh-CN"/>
           </a:p>
           <a:p>
             <a:pPr algn="l"/>
@@ -7044,7 +7092,6 @@
               <a:rPr lang="en-US" altLang="zh-CN"/>
               <a:t>    x += 1 </a:t>
             </a:r>
-            <a:endParaRPr lang="en-US" altLang="zh-CN"/>
           </a:p>
           <a:p>
             <a:pPr algn="l"/>
@@ -7052,7 +7099,6 @@
               <a:rPr lang="en-US" altLang="zh-CN"/>
               <a:t>}</a:t>
             </a:r>
-            <a:endParaRPr lang="en-US" altLang="zh-CN"/>
           </a:p>
         </p:txBody>
       </p:sp>
@@ -7187,13 +7233,6 @@
                 </a:rPr>
                 <a:t>使用字符串模板</a:t>
               </a:r>
-              <a:endParaRPr lang="zh-CN" altLang="en-US" sz="2400" b="1" dirty="0" smtClean="0">
-                <a:solidFill>
-                  <a:schemeClr val="bg1"/>
-                </a:solidFill>
-                <a:latin typeface="微软雅黑" panose="020B0503020204020204" pitchFamily="34" charset="-122"/>
-                <a:ea typeface="微软雅黑" panose="020B0503020204020204" pitchFamily="34" charset="-122"/>
-              </a:endParaRPr>
             </a:p>
           </p:txBody>
         </p:sp>
@@ -7218,13 +7257,13 @@
           <a:bodyPr wrap="square" rtlCol="0">
             <a:spAutoFit/>
           </a:bodyPr>
+          <a:lstStyle/>
           <a:p>
             <a:pPr algn="l"/>
             <a:r>
               <a:rPr lang="zh-CN" altLang="en-US"/>
               <a:t>var a = 1</a:t>
             </a:r>
-            <a:endParaRPr lang="zh-CN" altLang="en-US"/>
           </a:p>
           <a:p>
             <a:pPr algn="l"/>
@@ -7232,7 +7271,6 @@
               <a:rPr lang="zh-CN" altLang="en-US"/>
               <a:t>// 模板中的简单名称：</a:t>
             </a:r>
-            <a:endParaRPr lang="zh-CN" altLang="en-US"/>
           </a:p>
           <a:p>
             <a:pPr algn="l"/>
@@ -7240,7 +7278,6 @@
               <a:rPr lang="zh-CN" altLang="en-US"/>
               <a:t>val s1 = "a is $a" </a:t>
             </a:r>
-            <a:endParaRPr lang="zh-CN" altLang="en-US"/>
           </a:p>
           <a:p>
             <a:pPr algn="l"/>
@@ -7252,7 +7289,6 @@
               <a:rPr lang="zh-CN" altLang="en-US"/>
               <a:t>a = 2</a:t>
             </a:r>
-            <a:endParaRPr lang="zh-CN" altLang="en-US"/>
           </a:p>
           <a:p>
             <a:pPr algn="l"/>
@@ -7260,7 +7296,6 @@
               <a:rPr lang="zh-CN" altLang="en-US"/>
               <a:t>// 模板中的任意表达式：</a:t>
             </a:r>
-            <a:endParaRPr lang="zh-CN" altLang="en-US"/>
           </a:p>
           <a:p>
             <a:pPr algn="l"/>
@@ -7268,7 +7303,6 @@
               <a:rPr lang="zh-CN" altLang="en-US"/>
               <a:t>val s2 = "${s1.replace("is", "was")}, but now is $a"</a:t>
             </a:r>
-            <a:endParaRPr lang="zh-CN" altLang="en-US"/>
           </a:p>
         </p:txBody>
       </p:sp>
@@ -7403,13 +7437,6 @@
                 </a:rPr>
                 <a:t>使用可空值及 null 检测</a:t>
               </a:r>
-              <a:endParaRPr lang="zh-CN" altLang="en-US" sz="2400" b="1" dirty="0" smtClean="0">
-                <a:solidFill>
-                  <a:schemeClr val="bg1"/>
-                </a:solidFill>
-                <a:latin typeface="微软雅黑" panose="020B0503020204020204" pitchFamily="34" charset="-122"/>
-                <a:ea typeface="微软雅黑" panose="020B0503020204020204" pitchFamily="34" charset="-122"/>
-              </a:endParaRPr>
             </a:p>
           </p:txBody>
         </p:sp>
@@ -7434,13 +7461,13 @@
           <a:bodyPr wrap="square" rtlCol="0">
             <a:spAutoFit/>
           </a:bodyPr>
+          <a:lstStyle/>
           <a:p>
             <a:pPr algn="l"/>
             <a:r>
               <a:rPr lang="zh-CN" altLang="en-US"/>
               <a:t>当某个变量的值可以为 null 的时候，必须在声明处的类型后添加 ? 来标识该引用可为空。</a:t>
             </a:r>
-            <a:endParaRPr lang="zh-CN" altLang="en-US"/>
           </a:p>
           <a:p>
             <a:pPr algn="l"/>
@@ -7452,7 +7479,6 @@
               <a:rPr lang="zh-CN" altLang="en-US"/>
               <a:t>fun parseInt(str: String): Int? {</a:t>
             </a:r>
-            <a:endParaRPr lang="zh-CN" altLang="en-US"/>
           </a:p>
           <a:p>
             <a:pPr algn="l"/>
@@ -7460,7 +7486,6 @@
               <a:rPr lang="zh-CN" altLang="en-US"/>
               <a:t>    // ……</a:t>
             </a:r>
-            <a:endParaRPr lang="zh-CN" altLang="en-US"/>
           </a:p>
           <a:p>
             <a:pPr algn="l"/>
@@ -7468,7 +7493,6 @@
               <a:rPr lang="zh-CN" altLang="en-US"/>
               <a:t>}</a:t>
             </a:r>
-            <a:endParaRPr lang="zh-CN" altLang="en-US"/>
           </a:p>
           <a:p>
             <a:pPr algn="l"/>
@@ -7494,6 +7518,7 @@
           </a:p>
           <a:p>
             <a:pPr algn="l"/>
+            <a:endParaRPr/>
           </a:p>
           <a:p>
             <a:pPr algn="l"/>
@@ -7682,13 +7707,6 @@
                 </a:rPr>
                 <a:t>使用类型检测及自动类型转换</a:t>
               </a:r>
-              <a:endParaRPr lang="zh-CN" altLang="en-US" sz="2400" b="1" dirty="0" smtClean="0">
-                <a:solidFill>
-                  <a:schemeClr val="bg1"/>
-                </a:solidFill>
-                <a:latin typeface="微软雅黑" panose="020B0503020204020204" pitchFamily="34" charset="-122"/>
-                <a:ea typeface="微软雅黑" panose="020B0503020204020204" pitchFamily="34" charset="-122"/>
-              </a:endParaRPr>
             </a:p>
           </p:txBody>
         </p:sp>
@@ -7713,13 +7731,13 @@
           <a:bodyPr wrap="square" rtlCol="0">
             <a:spAutoFit/>
           </a:bodyPr>
+          <a:lstStyle/>
           <a:p>
             <a:pPr algn="l"/>
             <a:r>
               <a:rPr lang="zh-CN" altLang="en-US"/>
               <a:t>is 运算符检测一个表达式是否某类型的一个实例。 如果一个不可变的局部变量或属性已经判断出为某类型，那么检测后的分支中可以直接当作该类型使用，无需显式转换：</a:t>
             </a:r>
-            <a:endParaRPr lang="zh-CN" altLang="en-US"/>
           </a:p>
           <a:p>
             <a:pPr algn="l"/>
@@ -7731,7 +7749,6 @@
               <a:rPr lang="zh-CN" altLang="en-US"/>
               <a:t>fun getStringLength(obj: Any): Int? {</a:t>
             </a:r>
-            <a:endParaRPr lang="zh-CN" altLang="en-US"/>
           </a:p>
           <a:p>
             <a:pPr algn="l"/>
@@ -7739,7 +7756,6 @@
               <a:rPr lang="zh-CN" altLang="en-US"/>
               <a:t>    // `obj` 在 `&amp;&amp;` 右边自动转换成 `String` 类型</a:t>
             </a:r>
-            <a:endParaRPr lang="zh-CN" altLang="en-US"/>
           </a:p>
           <a:p>
             <a:pPr algn="l"/>
@@ -7747,7 +7763,6 @@
               <a:rPr lang="zh-CN" altLang="en-US"/>
               <a:t>    if (obj is String &amp;&amp; obj.length &gt; 0) {</a:t>
             </a:r>
-            <a:endParaRPr lang="zh-CN" altLang="en-US"/>
           </a:p>
           <a:p>
             <a:pPr algn="l"/>
@@ -7755,7 +7770,6 @@
               <a:rPr lang="zh-CN" altLang="en-US"/>
               <a:t>        return obj.length</a:t>
             </a:r>
-            <a:endParaRPr lang="zh-CN" altLang="en-US"/>
           </a:p>
           <a:p>
             <a:pPr algn="l"/>
@@ -7763,7 +7777,6 @@
               <a:rPr lang="zh-CN" altLang="en-US"/>
               <a:t>    }</a:t>
             </a:r>
-            <a:endParaRPr lang="zh-CN" altLang="en-US"/>
           </a:p>
           <a:p>
             <a:pPr algn="l"/>
@@ -7775,7 +7788,6 @@
               <a:rPr lang="zh-CN" altLang="en-US"/>
               <a:t>    return null</a:t>
             </a:r>
-            <a:endParaRPr lang="zh-CN" altLang="en-US"/>
           </a:p>
           <a:p>
             <a:pPr algn="l"/>
@@ -7783,7 +7795,6 @@
               <a:rPr lang="zh-CN" altLang="en-US"/>
               <a:t>}</a:t>
             </a:r>
-            <a:endParaRPr lang="zh-CN" altLang="en-US"/>
           </a:p>
         </p:txBody>
       </p:sp>
@@ -7918,13 +7929,6 @@
                 </a:rPr>
                 <a:t>使用 when 表达式</a:t>
               </a:r>
-              <a:endParaRPr lang="zh-CN" altLang="en-US" sz="2400" b="1" dirty="0" smtClean="0">
-                <a:solidFill>
-                  <a:schemeClr val="bg1"/>
-                </a:solidFill>
-                <a:latin typeface="微软雅黑" panose="020B0503020204020204" pitchFamily="34" charset="-122"/>
-                <a:ea typeface="微软雅黑" panose="020B0503020204020204" pitchFamily="34" charset="-122"/>
-              </a:endParaRPr>
             </a:p>
           </p:txBody>
         </p:sp>
@@ -7949,13 +7953,13 @@
           <a:bodyPr wrap="square" rtlCol="0">
             <a:spAutoFit/>
           </a:bodyPr>
+          <a:lstStyle/>
           <a:p>
             <a:pPr algn="l"/>
             <a:r>
               <a:rPr lang="zh-CN" altLang="en-US"/>
               <a:t>fun describe(obj: Any): String =</a:t>
             </a:r>
-            <a:endParaRPr lang="zh-CN" altLang="en-US"/>
           </a:p>
           <a:p>
             <a:pPr algn="l"/>
@@ -7963,7 +7967,6 @@
               <a:rPr lang="zh-CN" altLang="en-US"/>
               <a:t>when (obj) {</a:t>
             </a:r>
-            <a:endParaRPr lang="zh-CN" altLang="en-US"/>
           </a:p>
           <a:p>
             <a:pPr algn="l"/>
@@ -7971,7 +7974,6 @@
               <a:rPr lang="zh-CN" altLang="en-US"/>
               <a:t>    1          -&gt; "One"</a:t>
             </a:r>
-            <a:endParaRPr lang="zh-CN" altLang="en-US"/>
           </a:p>
           <a:p>
             <a:pPr algn="l"/>
@@ -7979,7 +7981,6 @@
               <a:rPr lang="zh-CN" altLang="en-US"/>
               <a:t>    "Hello"    -&gt; "Greeting"</a:t>
             </a:r>
-            <a:endParaRPr lang="zh-CN" altLang="en-US"/>
           </a:p>
           <a:p>
             <a:pPr algn="l"/>
@@ -7987,7 +7988,6 @@
               <a:rPr lang="zh-CN" altLang="en-US"/>
               <a:t>    is Long    -&gt; "Long"</a:t>
             </a:r>
-            <a:endParaRPr lang="zh-CN" altLang="en-US"/>
           </a:p>
           <a:p>
             <a:pPr algn="l"/>
@@ -7995,7 +7995,6 @@
               <a:rPr lang="zh-CN" altLang="en-US"/>
               <a:t>    !is String -&gt; "Not a string"</a:t>
             </a:r>
-            <a:endParaRPr lang="zh-CN" altLang="en-US"/>
           </a:p>
           <a:p>
             <a:pPr algn="l"/>
@@ -8003,7 +8002,6 @@
               <a:rPr lang="zh-CN" altLang="en-US"/>
               <a:t>    else       -&gt; "Unknown"</a:t>
             </a:r>
-            <a:endParaRPr lang="zh-CN" altLang="en-US"/>
           </a:p>
           <a:p>
             <a:pPr algn="l"/>
@@ -8011,7 +8009,6 @@
               <a:rPr lang="zh-CN" altLang="en-US"/>
               <a:t>}</a:t>
             </a:r>
-            <a:endParaRPr lang="zh-CN" altLang="en-US"/>
           </a:p>
         </p:txBody>
       </p:sp>
@@ -8146,13 +8143,6 @@
                 </a:rPr>
                 <a:t>使用区间（range）</a:t>
               </a:r>
-              <a:endParaRPr lang="zh-CN" altLang="en-US" sz="2400" b="1" dirty="0" smtClean="0">
-                <a:solidFill>
-                  <a:schemeClr val="bg1"/>
-                </a:solidFill>
-                <a:latin typeface="微软雅黑" panose="020B0503020204020204" pitchFamily="34" charset="-122"/>
-                <a:ea typeface="微软雅黑" panose="020B0503020204020204" pitchFamily="34" charset="-122"/>
-              </a:endParaRPr>
             </a:p>
           </p:txBody>
         </p:sp>
@@ -8177,13 +8167,13 @@
           <a:bodyPr wrap="square" rtlCol="0">
             <a:spAutoFit/>
           </a:bodyPr>
+          <a:lstStyle/>
           <a:p>
             <a:pPr algn="l"/>
             <a:r>
               <a:rPr lang="zh-CN" altLang="en-US"/>
               <a:t>使用 in 运算符来检测某个数字是否在指定区间内：</a:t>
             </a:r>
-            <a:endParaRPr lang="zh-CN" altLang="en-US"/>
           </a:p>
           <a:p>
             <a:pPr algn="l"/>
@@ -8191,7 +8181,6 @@
               <a:rPr lang="zh-CN" altLang="en-US"/>
               <a:t>val x = 10</a:t>
             </a:r>
-            <a:endParaRPr lang="zh-CN" altLang="en-US"/>
           </a:p>
           <a:p>
             <a:pPr algn="l"/>
@@ -8199,7 +8188,6 @@
               <a:rPr lang="zh-CN" altLang="en-US"/>
               <a:t>val y = 9</a:t>
             </a:r>
-            <a:endParaRPr lang="zh-CN" altLang="en-US"/>
           </a:p>
           <a:p>
             <a:pPr algn="l"/>
@@ -8207,7 +8195,6 @@
               <a:rPr lang="zh-CN" altLang="en-US"/>
               <a:t>if (x in 1..y+1) {</a:t>
             </a:r>
-            <a:endParaRPr lang="zh-CN" altLang="en-US"/>
           </a:p>
           <a:p>
             <a:pPr algn="l"/>
@@ -8215,7 +8202,6 @@
               <a:rPr lang="zh-CN" altLang="en-US"/>
               <a:t>    println("fits in range")</a:t>
             </a:r>
-            <a:endParaRPr lang="zh-CN" altLang="en-US"/>
           </a:p>
           <a:p>
             <a:pPr algn="l"/>
@@ -8223,7 +8209,6 @@
               <a:rPr lang="zh-CN" altLang="en-US"/>
               <a:t>}</a:t>
             </a:r>
-            <a:endParaRPr lang="zh-CN" altLang="en-US"/>
           </a:p>
           <a:p>
             <a:pPr algn="l"/>
@@ -8235,7 +8220,6 @@
               <a:rPr lang="zh-CN" altLang="en-US"/>
               <a:t>数列迭代</a:t>
             </a:r>
-            <a:endParaRPr lang="zh-CN" altLang="en-US"/>
           </a:p>
           <a:p>
             <a:pPr algn="l"/>
@@ -8243,7 +8227,6 @@
               <a:rPr lang="zh-CN" altLang="en-US"/>
               <a:t>for (x in 1..10 step 2) {</a:t>
             </a:r>
-            <a:endParaRPr lang="zh-CN" altLang="en-US"/>
           </a:p>
           <a:p>
             <a:pPr algn="l"/>
@@ -8251,7 +8234,6 @@
               <a:rPr lang="zh-CN" altLang="en-US"/>
               <a:t>    print(x)</a:t>
             </a:r>
-            <a:endParaRPr lang="zh-CN" altLang="en-US"/>
           </a:p>
           <a:p>
             <a:pPr algn="l"/>
@@ -8259,7 +8241,6 @@
               <a:rPr lang="zh-CN" altLang="en-US"/>
               <a:t>}</a:t>
             </a:r>
-            <a:endParaRPr lang="zh-CN" altLang="en-US"/>
           </a:p>
           <a:p>
             <a:pPr algn="l"/>
@@ -8271,7 +8252,6 @@
               <a:rPr lang="zh-CN" altLang="en-US"/>
               <a:t>for (x in 9 downTo 0 step 3) {</a:t>
             </a:r>
-            <a:endParaRPr lang="zh-CN" altLang="en-US"/>
           </a:p>
           <a:p>
             <a:pPr algn="l"/>
@@ -8279,7 +8259,6 @@
               <a:rPr lang="zh-CN" altLang="en-US"/>
               <a:t>    print(x)</a:t>
             </a:r>
-            <a:endParaRPr lang="zh-CN" altLang="en-US"/>
           </a:p>
           <a:p>
             <a:pPr algn="l"/>
@@ -8287,7 +8266,6 @@
               <a:rPr lang="zh-CN" altLang="en-US"/>
               <a:t>}</a:t>
             </a:r>
-            <a:endParaRPr lang="zh-CN" altLang="en-US"/>
           </a:p>
           <a:p>
             <a:pPr algn="l"/>
@@ -8426,13 +8404,6 @@
                 </a:rPr>
                 <a:t>习惯用法</a:t>
               </a:r>
-              <a:endParaRPr lang="zh-CN" altLang="en-US" sz="2400" b="1" dirty="0" smtClean="0">
-                <a:solidFill>
-                  <a:schemeClr val="bg1"/>
-                </a:solidFill>
-                <a:latin typeface="微软雅黑" panose="020B0503020204020204" pitchFamily="34" charset="-122"/>
-                <a:ea typeface="微软雅黑" panose="020B0503020204020204" pitchFamily="34" charset="-122"/>
-              </a:endParaRPr>
             </a:p>
           </p:txBody>
         </p:sp>
@@ -8457,133 +8428,120 @@
           <a:bodyPr wrap="square" rtlCol="0">
             <a:spAutoFit/>
           </a:bodyPr>
+          <a:lstStyle/>
           <a:p>
             <a:pPr algn="l"/>
             <a:r>
-              <a:rPr lang="zh-CN" altLang="en-US"/>
+              <a:rPr lang="zh-CN" altLang="en-US" dirty="0"/>
               <a:t>创建 DTOs（POJOs/POCOs）</a:t>
             </a:r>
-            <a:endParaRPr lang="zh-CN" altLang="en-US"/>
           </a:p>
           <a:p>
             <a:pPr algn="l"/>
             <a:r>
-              <a:rPr lang="zh-CN" altLang="en-US"/>
+              <a:rPr lang="zh-CN" altLang="en-US" dirty="0"/>
               <a:t>data class Customer(val name: String, val email: String)</a:t>
             </a:r>
-            <a:endParaRPr lang="zh-CN" altLang="en-US"/>
           </a:p>
           <a:p>
             <a:pPr algn="l"/>
-            <a:endParaRPr lang="zh-CN" altLang="en-US"/>
+            <a:endParaRPr lang="zh-CN" altLang="en-US" dirty="0"/>
           </a:p>
           <a:p>
             <a:pPr algn="l"/>
             <a:r>
-              <a:rPr lang="zh-CN" altLang="en-US"/>
+              <a:rPr lang="zh-CN" altLang="en-US" dirty="0"/>
               <a:t>函数的默认参数</a:t>
             </a:r>
-            <a:endParaRPr lang="zh-CN" altLang="en-US"/>
           </a:p>
           <a:p>
             <a:pPr algn="l"/>
             <a:r>
-              <a:rPr lang="zh-CN" altLang="en-US"/>
+              <a:rPr lang="zh-CN" altLang="en-US" dirty="0"/>
               <a:t>fun foo(a: Int = 0, b: String = "") { …… }</a:t>
             </a:r>
-            <a:endParaRPr lang="zh-CN" altLang="en-US"/>
           </a:p>
           <a:p>
             <a:pPr algn="l"/>
-            <a:endParaRPr lang="zh-CN" altLang="en-US"/>
+            <a:endParaRPr lang="zh-CN" altLang="en-US" dirty="0"/>
           </a:p>
           <a:p>
             <a:pPr algn="l"/>
             <a:r>
-              <a:rPr lang="zh-CN" altLang="en-US"/>
+              <a:rPr lang="zh-CN" altLang="en-US" dirty="0"/>
               <a:t>过滤 list</a:t>
             </a:r>
-            <a:endParaRPr lang="zh-CN" altLang="en-US"/>
           </a:p>
           <a:p>
             <a:pPr algn="l"/>
             <a:r>
-              <a:rPr lang="zh-CN" altLang="en-US"/>
+              <a:rPr lang="zh-CN" altLang="en-US" dirty="0"/>
               <a:t>val positives = list.filter { it &gt; 0 }</a:t>
             </a:r>
-            <a:endParaRPr lang="zh-CN" altLang="en-US"/>
           </a:p>
           <a:p>
             <a:pPr algn="l"/>
-            <a:endParaRPr lang="zh-CN" altLang="en-US"/>
+            <a:endParaRPr lang="zh-CN" altLang="en-US" dirty="0"/>
           </a:p>
           <a:p>
             <a:pPr algn="l"/>
             <a:r>
-              <a:rPr lang="zh-CN" altLang="en-US"/>
+              <a:rPr lang="zh-CN" altLang="en-US" dirty="0"/>
               <a:t>String 内插</a:t>
             </a:r>
-            <a:endParaRPr lang="zh-CN" altLang="en-US"/>
           </a:p>
           <a:p>
             <a:pPr algn="l"/>
             <a:r>
-              <a:rPr lang="zh-CN" altLang="en-US"/>
+              <a:rPr lang="zh-CN" altLang="en-US" dirty="0"/>
               <a:t>println("Name $name")</a:t>
             </a:r>
-            <a:endParaRPr lang="zh-CN" altLang="en-US"/>
           </a:p>
           <a:p>
             <a:pPr algn="l"/>
-            <a:endParaRPr lang="zh-CN" altLang="en-US"/>
+            <a:endParaRPr lang="zh-CN" altLang="en-US" dirty="0"/>
           </a:p>
           <a:p>
             <a:pPr algn="l"/>
             <a:r>
-              <a:rPr lang="zh-CN" altLang="en-US"/>
+              <a:rPr lang="zh-CN" altLang="en-US" dirty="0"/>
               <a:t>类型判断</a:t>
             </a:r>
-            <a:endParaRPr lang="zh-CN" altLang="en-US"/>
           </a:p>
           <a:p>
             <a:pPr algn="l"/>
             <a:r>
-              <a:rPr lang="zh-CN" altLang="en-US"/>
+              <a:rPr lang="zh-CN" altLang="en-US" dirty="0"/>
               <a:t>when (x) {</a:t>
             </a:r>
-            <a:endParaRPr lang="zh-CN" altLang="en-US"/>
           </a:p>
           <a:p>
             <a:pPr algn="l"/>
             <a:r>
-              <a:rPr lang="zh-CN" altLang="en-US"/>
+              <a:rPr lang="zh-CN" altLang="en-US" dirty="0"/>
               <a:t>    is Foo //-&gt; ……</a:t>
             </a:r>
-            <a:endParaRPr lang="zh-CN" altLang="en-US"/>
           </a:p>
           <a:p>
             <a:pPr algn="l"/>
             <a:r>
-              <a:rPr lang="zh-CN" altLang="en-US"/>
+              <a:rPr lang="zh-CN" altLang="en-US" dirty="0"/>
               <a:t>    is Bar //-&gt; ……</a:t>
             </a:r>
-            <a:endParaRPr lang="zh-CN" altLang="en-US"/>
           </a:p>
           <a:p>
             <a:pPr algn="l"/>
             <a:r>
-              <a:rPr lang="zh-CN" altLang="en-US"/>
+              <a:rPr lang="zh-CN" altLang="en-US" dirty="0"/>
               <a:t>    else   //-&gt; ……</a:t>
             </a:r>
-            <a:endParaRPr lang="zh-CN" altLang="en-US"/>
           </a:p>
           <a:p>
             <a:pPr algn="l"/>
             <a:r>
-              <a:rPr lang="zh-CN" altLang="en-US"/>
+              <a:rPr lang="zh-CN" altLang="en-US" dirty="0"/>
               <a:t>}</a:t>
             </a:r>
-            <a:endParaRPr lang="zh-CN" altLang="en-US"/>
           </a:p>
         </p:txBody>
       </p:sp>
@@ -8750,6 +8708,7 @@
           <a:bodyPr wrap="square" rtlCol="0">
             <a:spAutoFit/>
           </a:bodyPr>
+          <a:lstStyle/>
           <a:p>
             <a:pPr algn="l"/>
             <a:r>
@@ -8776,6 +8735,7 @@
           </a:p>
           <a:p>
             <a:pPr algn="l"/>
+            <a:endParaRPr/>
           </a:p>
           <a:p>
             <a:pPr algn="l"/>
@@ -8815,6 +8775,7 @@
           </a:p>
           <a:p>
             <a:pPr algn="l"/>
+            <a:endParaRPr/>
           </a:p>
           <a:p>
             <a:pPr algn="l"/>
@@ -8830,6 +8791,7 @@
           </a:p>
           <a:p>
             <a:pPr algn="l"/>
+            <a:endParaRPr/>
           </a:p>
           <a:p>
             <a:pPr algn="l"/>
@@ -9008,133 +8970,120 @@
           <a:bodyPr wrap="square" rtlCol="0">
             <a:spAutoFit/>
           </a:bodyPr>
+          <a:lstStyle/>
           <a:p>
             <a:pPr algn="l"/>
             <a:r>
-              <a:rPr lang="zh-CN" altLang="en-US"/>
+              <a:rPr lang="zh-CN" altLang="en-US" dirty="0"/>
               <a:t>访问 map</a:t>
             </a:r>
-            <a:endParaRPr lang="zh-CN" altLang="en-US"/>
           </a:p>
           <a:p>
             <a:pPr algn="l"/>
             <a:r>
-              <a:rPr lang="zh-CN" altLang="en-US"/>
+              <a:rPr lang="zh-CN" altLang="en-US" dirty="0"/>
               <a:t>println(map["key"])</a:t>
             </a:r>
-            <a:endParaRPr lang="zh-CN" altLang="en-US"/>
           </a:p>
           <a:p>
             <a:pPr algn="l"/>
             <a:r>
-              <a:rPr lang="zh-CN" altLang="en-US"/>
+              <a:rPr lang="zh-CN" altLang="en-US" dirty="0"/>
               <a:t>map["key"] = value</a:t>
             </a:r>
-            <a:endParaRPr lang="zh-CN" altLang="en-US"/>
           </a:p>
           <a:p>
             <a:pPr algn="l"/>
-            <a:endParaRPr lang="zh-CN" altLang="en-US"/>
+            <a:endParaRPr lang="zh-CN" altLang="en-US" dirty="0"/>
           </a:p>
           <a:p>
             <a:pPr algn="l"/>
             <a:r>
-              <a:rPr lang="zh-CN" altLang="en-US"/>
+              <a:rPr lang="zh-CN" altLang="en-US" dirty="0"/>
               <a:t>延迟属性</a:t>
             </a:r>
-            <a:endParaRPr lang="zh-CN" altLang="en-US"/>
           </a:p>
           <a:p>
             <a:pPr algn="l"/>
             <a:r>
-              <a:rPr lang="zh-CN" altLang="en-US"/>
+              <a:rPr lang="zh-CN" altLang="en-US" dirty="0"/>
               <a:t>val p: String by lazy {</a:t>
             </a:r>
-            <a:endParaRPr lang="zh-CN" altLang="en-US"/>
           </a:p>
           <a:p>
             <a:pPr algn="l"/>
             <a:r>
-              <a:rPr lang="zh-CN" altLang="en-US"/>
+              <a:rPr lang="zh-CN" altLang="en-US" dirty="0"/>
               <a:t>    // 计算该字符串</a:t>
             </a:r>
-            <a:endParaRPr lang="zh-CN" altLang="en-US"/>
           </a:p>
           <a:p>
             <a:pPr algn="l"/>
             <a:r>
-              <a:rPr lang="zh-CN" altLang="en-US"/>
+              <a:rPr lang="zh-CN" altLang="en-US" dirty="0"/>
               <a:t>}</a:t>
             </a:r>
-            <a:endParaRPr lang="zh-CN" altLang="en-US"/>
           </a:p>
           <a:p>
             <a:pPr algn="l"/>
-            <a:endParaRPr lang="zh-CN" altLang="en-US"/>
+            <a:endParaRPr lang="zh-CN" altLang="en-US" dirty="0"/>
           </a:p>
           <a:p>
             <a:pPr algn="l"/>
             <a:r>
-              <a:rPr lang="zh-CN" altLang="en-US"/>
+              <a:rPr lang="zh-CN" altLang="en-US" dirty="0"/>
               <a:t>扩展函数</a:t>
             </a:r>
-            <a:endParaRPr lang="zh-CN" altLang="en-US"/>
           </a:p>
           <a:p>
             <a:pPr algn="l"/>
             <a:r>
-              <a:rPr lang="zh-CN" altLang="en-US"/>
+              <a:rPr lang="zh-CN" altLang="en-US" dirty="0"/>
               <a:t>fun String.spaceToCamelCase() { …… }</a:t>
             </a:r>
-            <a:endParaRPr lang="zh-CN" altLang="en-US"/>
           </a:p>
           <a:p>
             <a:pPr algn="l"/>
-            <a:endParaRPr lang="zh-CN" altLang="en-US"/>
+            <a:endParaRPr lang="zh-CN" altLang="en-US" dirty="0"/>
           </a:p>
           <a:p>
             <a:pPr algn="l"/>
             <a:r>
-              <a:rPr lang="zh-CN" altLang="en-US"/>
+              <a:rPr lang="zh-CN" altLang="en-US" dirty="0"/>
               <a:t>"Convert this to camelcase".spaceToCamelCase()</a:t>
             </a:r>
-            <a:endParaRPr lang="zh-CN" altLang="en-US"/>
           </a:p>
           <a:p>
             <a:pPr algn="l"/>
-            <a:endParaRPr lang="zh-CN" altLang="en-US"/>
+            <a:endParaRPr lang="zh-CN" altLang="en-US" dirty="0"/>
           </a:p>
           <a:p>
             <a:pPr algn="l"/>
             <a:r>
-              <a:rPr lang="zh-CN" altLang="en-US"/>
+              <a:rPr lang="zh-CN" altLang="en-US" dirty="0"/>
               <a:t>创建单例</a:t>
             </a:r>
-            <a:endParaRPr lang="zh-CN" altLang="en-US"/>
           </a:p>
           <a:p>
             <a:pPr algn="l"/>
             <a:r>
-              <a:rPr lang="zh-CN" altLang="en-US"/>
+              <a:rPr lang="zh-CN" altLang="en-US" dirty="0"/>
               <a:t>object Resource {</a:t>
             </a:r>
-            <a:endParaRPr lang="zh-CN" altLang="en-US"/>
           </a:p>
           <a:p>
             <a:pPr algn="l"/>
             <a:r>
-              <a:rPr lang="zh-CN" altLang="en-US"/>
+              <a:rPr lang="zh-CN" altLang="en-US" dirty="0"/>
               <a:t>    val name = "Name"</a:t>
             </a:r>
-            <a:endParaRPr lang="zh-CN" altLang="en-US"/>
           </a:p>
           <a:p>
             <a:pPr algn="l"/>
             <a:r>
-              <a:rPr lang="zh-CN" altLang="en-US"/>
+              <a:rPr lang="zh-CN" altLang="en-US" dirty="0"/>
               <a:t>}</a:t>
             </a:r>
-            <a:endParaRPr lang="zh-CN" altLang="en-US"/>
           </a:p>
         </p:txBody>
       </p:sp>
@@ -9515,15 +9464,6 @@
               </a:rPr>
               <a:t>前世今生</a:t>
             </a:r>
-            <a:endParaRPr sz="2000" b="1" dirty="0" smtClean="0">
-              <a:solidFill>
-                <a:schemeClr val="bg1"/>
-              </a:solidFill>
-              <a:latin typeface="微软雅黑" panose="020B0503020204020204" pitchFamily="34" charset="-122"/>
-              <a:ea typeface="微软雅黑" panose="020B0503020204020204" pitchFamily="34" charset="-122"/>
-              <a:cs typeface="+mn-ea"/>
-              <a:sym typeface="+mn-lt"/>
-            </a:endParaRPr>
           </a:p>
         </p:txBody>
       </p:sp>
@@ -9736,15 +9676,6 @@
               </a:rPr>
               <a:t>特色 </a:t>
             </a:r>
-            <a:endParaRPr sz="2000" b="1" dirty="0">
-              <a:solidFill>
-                <a:schemeClr val="bg1"/>
-              </a:solidFill>
-              <a:latin typeface="微软雅黑" panose="020B0503020204020204" pitchFamily="34" charset="-122"/>
-              <a:ea typeface="微软雅黑" panose="020B0503020204020204" pitchFamily="34" charset="-122"/>
-              <a:cs typeface="+mn-ea"/>
-              <a:sym typeface="+mn-lt"/>
-            </a:endParaRPr>
           </a:p>
         </p:txBody>
       </p:sp>
@@ -9915,6 +9846,7 @@
         </p:style>
         <p:txBody>
           <a:bodyPr rtlCol="0" anchor="ctr"/>
+          <a:lstStyle/>
           <a:p>
             <a:pPr algn="ctr"/>
             <a:endParaRPr lang="zh-CN" altLang="en-US" sz="1400">
@@ -9945,6 +9877,7 @@
           <a:bodyPr wrap="none">
             <a:spAutoFit/>
           </a:bodyPr>
+          <a:lstStyle/>
           <a:p>
             <a:pPr algn="ctr">
               <a:lnSpc>
@@ -10021,6 +9954,7 @@
         </p:style>
         <p:txBody>
           <a:bodyPr anchor="ctr"/>
+          <a:lstStyle/>
           <a:p>
             <a:pPr algn="ctr" fontAlgn="auto">
               <a:spcBef>
@@ -10052,13 +9986,13 @@
   <p:clrMapOvr>
     <a:masterClrMapping/>
   </p:clrMapOvr>
-  <mc:AlternateContent xmlns:mc="http://schemas.openxmlformats.org/markup-compatibility/2006">
-    <mc:Choice xmlns:p14="http://schemas.microsoft.com/office/powerpoint/2010/main" Requires="p14">
+  <mc:AlternateContent xmlns:mc="http://schemas.openxmlformats.org/markup-compatibility/2006" xmlns:p14="http://schemas.microsoft.com/office/powerpoint/2010/main">
+    <mc:Choice Requires="p14">
       <p:transition spd="med" p14:dur="700">
         <p:fade/>
       </p:transition>
     </mc:Choice>
-    <mc:Fallback>
+    <mc:Fallback xmlns="">
       <p:transition spd="med">
         <p:fade/>
       </p:transition>
@@ -10443,93 +10377,85 @@
           <a:bodyPr wrap="square" rtlCol="0">
             <a:spAutoFit/>
           </a:bodyPr>
+          <a:lstStyle/>
           <a:p>
             <a:pPr algn="l"/>
             <a:r>
-              <a:rPr lang="zh-CN" altLang="en-US"/>
+              <a:rPr lang="zh-CN" altLang="en-US" dirty="0"/>
               <a:t>If not null 缩写</a:t>
             </a:r>
-            <a:endParaRPr lang="zh-CN" altLang="en-US"/>
           </a:p>
           <a:p>
             <a:pPr algn="l"/>
             <a:r>
-              <a:rPr lang="zh-CN" altLang="en-US"/>
+              <a:rPr lang="zh-CN" altLang="en-US" dirty="0"/>
               <a:t>val files = File("Test").listFiles()</a:t>
             </a:r>
-            <a:endParaRPr lang="zh-CN" altLang="en-US"/>
           </a:p>
           <a:p>
             <a:pPr algn="l"/>
             <a:r>
-              <a:rPr lang="zh-CN" altLang="en-US"/>
+              <a:rPr lang="zh-CN" altLang="en-US" dirty="0"/>
               <a:t>println(files?.size)</a:t>
             </a:r>
-            <a:endParaRPr lang="zh-CN" altLang="en-US"/>
           </a:p>
           <a:p>
             <a:pPr algn="l"/>
-            <a:endParaRPr lang="zh-CN" altLang="en-US"/>
+            <a:endParaRPr lang="zh-CN" altLang="en-US" dirty="0"/>
           </a:p>
           <a:p>
             <a:pPr algn="l"/>
             <a:r>
-              <a:rPr lang="zh-CN" altLang="en-US"/>
+              <a:rPr lang="zh-CN" altLang="en-US" dirty="0"/>
               <a:t>If not null and else 缩写</a:t>
             </a:r>
-            <a:endParaRPr lang="zh-CN" altLang="en-US"/>
           </a:p>
           <a:p>
             <a:pPr algn="l"/>
             <a:r>
-              <a:rPr lang="zh-CN" altLang="en-US"/>
+              <a:rPr lang="zh-CN" altLang="en-US" dirty="0"/>
               <a:t>val files = File("Test").listFiles()</a:t>
             </a:r>
-            <a:endParaRPr lang="zh-CN" altLang="en-US"/>
           </a:p>
           <a:p>
             <a:pPr algn="l"/>
             <a:r>
-              <a:rPr lang="zh-CN" altLang="en-US"/>
+              <a:rPr lang="zh-CN" altLang="en-US" dirty="0"/>
               <a:t>println(files?.size ?: "empty")</a:t>
             </a:r>
-            <a:endParaRPr lang="zh-CN" altLang="en-US"/>
           </a:p>
           <a:p>
             <a:pPr algn="l"/>
-            <a:endParaRPr lang="zh-CN" altLang="en-US"/>
+            <a:endParaRPr lang="zh-CN" altLang="en-US" dirty="0"/>
           </a:p>
           <a:p>
             <a:pPr algn="l"/>
             <a:r>
-              <a:rPr lang="zh-CN" altLang="en-US"/>
+              <a:rPr lang="zh-CN" altLang="en-US" dirty="0"/>
               <a:t>if null 执行一个语句</a:t>
             </a:r>
-            <a:endParaRPr lang="zh-CN" altLang="en-US"/>
           </a:p>
           <a:p>
             <a:pPr algn="l"/>
             <a:r>
-              <a:rPr lang="zh-CN" altLang="en-US"/>
+              <a:rPr lang="zh-CN" altLang="en-US" dirty="0"/>
               <a:t>val values = ……</a:t>
             </a:r>
-            <a:endParaRPr lang="zh-CN" altLang="en-US"/>
           </a:p>
           <a:p>
             <a:pPr algn="l"/>
             <a:r>
-              <a:rPr lang="zh-CN" altLang="en-US"/>
+              <a:rPr lang="zh-CN" altLang="en-US" dirty="0"/>
               <a:t>val email = values["email"] ?: throw IllegalStateException("Email is missing!")</a:t>
             </a:r>
-            <a:endParaRPr lang="zh-CN" altLang="en-US"/>
           </a:p>
           <a:p>
             <a:pPr algn="l"/>
-            <a:endParaRPr lang="zh-CN" altLang="en-US"/>
+            <a:endParaRPr lang="zh-CN" altLang="en-US" dirty="0"/>
           </a:p>
           <a:p>
             <a:pPr algn="l"/>
-            <a:endParaRPr lang="zh-CN" altLang="en-US"/>
+            <a:endParaRPr lang="zh-CN" altLang="en-US" dirty="0"/>
           </a:p>
         </p:txBody>
       </p:sp>
@@ -10640,8 +10566,8 @@
           </p:nvSpPr>
           <p:spPr>
             <a:xfrm>
-              <a:off x="41088" y="360618"/>
-              <a:ext cx="2109786" cy="483235"/>
+              <a:off x="41088" y="371403"/>
+              <a:ext cx="2109786" cy="461665"/>
             </a:xfrm>
             <a:prstGeom prst="rect">
               <a:avLst/>
@@ -10655,16 +10581,17 @@
             <a:lstStyle/>
             <a:p>
               <a:r>
-                <a:rPr lang="zh-CN" altLang="en-US" sz="2400" b="1" dirty="0" smtClean="0">
+                <a:rPr lang="zh-CN" altLang="en-US" sz="2400" b="1" dirty="0">
                   <a:solidFill>
                     <a:schemeClr val="bg1"/>
                   </a:solidFill>
                   <a:latin typeface="微软雅黑" panose="020B0503020204020204" pitchFamily="34" charset="-122"/>
                   <a:ea typeface="微软雅黑" panose="020B0503020204020204" pitchFamily="34" charset="-122"/>
+                  <a:sym typeface="+mn-ea"/>
                 </a:rPr>
-                <a:t>定义包</a:t>
+                <a:t>习惯用法</a:t>
               </a:r>
-              <a:endParaRPr lang="zh-CN" altLang="en-US" sz="2400" b="1" dirty="0" smtClean="0">
+              <a:endParaRPr lang="zh-CN" altLang="en-US" sz="2400" b="1" dirty="0">
                 <a:solidFill>
                   <a:schemeClr val="bg1"/>
                 </a:solidFill>
@@ -10684,7 +10611,7 @@
         <p:spPr>
           <a:xfrm>
             <a:off x="1628775" y="2129790"/>
-            <a:ext cx="9109710" cy="2011680"/>
+            <a:ext cx="9109710" cy="3693319"/>
           </a:xfrm>
           <a:prstGeom prst="rect">
             <a:avLst/>
@@ -10695,49 +10622,194 @@
           <a:bodyPr wrap="square" rtlCol="0">
             <a:spAutoFit/>
           </a:bodyPr>
-          <a:p>
-            <a:pPr algn="l"/>
-            <a:r>
-              <a:rPr lang="zh-CN" altLang="en-US"/>
-              <a:t>package my.demo</a:t>
-            </a:r>
-            <a:endParaRPr lang="zh-CN" altLang="en-US"/>
-          </a:p>
-          <a:p>
-            <a:pPr algn="l"/>
-            <a:endParaRPr lang="zh-CN" altLang="en-US"/>
-          </a:p>
-          <a:p>
-            <a:pPr algn="l"/>
-            <a:r>
-              <a:rPr lang="zh-CN" altLang="en-US"/>
-              <a:t>import java.util.*</a:t>
-            </a:r>
-            <a:endParaRPr lang="zh-CN" altLang="en-US"/>
-          </a:p>
-          <a:p>
-            <a:pPr algn="l"/>
-            <a:endParaRPr lang="zh-CN" altLang="en-US"/>
-          </a:p>
-          <a:p>
-            <a:pPr algn="l"/>
-            <a:r>
-              <a:rPr lang="zh-CN" altLang="en-US"/>
-              <a:t>// ……</a:t>
-            </a:r>
-            <a:endParaRPr lang="zh-CN" altLang="en-US"/>
-          </a:p>
-          <a:p>
-            <a:pPr algn="l"/>
-            <a:endParaRPr lang="zh-CN" altLang="en-US"/>
-          </a:p>
-          <a:p>
-            <a:pPr algn="l"/>
-            <a:r>
-              <a:rPr lang="zh-CN" altLang="en-US"/>
-              <a:t>目录与包的结构无需匹配：源代码可以在文件系统的任意位置。</a:t>
-            </a:r>
-            <a:endParaRPr lang="zh-CN" altLang="en-US"/>
+          <a:lstStyle/>
+          <a:p>
+            <a:r>
+              <a:rPr lang="zh-CN" altLang="en-US" dirty="0"/>
+              <a:t>在可能会空的集合中取第一</a:t>
+            </a:r>
+            <a:r>
+              <a:rPr lang="zh-CN" altLang="en-US" dirty="0" smtClean="0"/>
+              <a:t>元素</a:t>
+            </a:r>
+            <a:endParaRPr lang="en-US" altLang="zh-CN" dirty="0" smtClean="0"/>
+          </a:p>
+          <a:p>
+            <a:r>
+              <a:rPr lang="en-US" altLang="zh-CN" dirty="0" err="1" smtClean="0"/>
+              <a:t>val</a:t>
+            </a:r>
+            <a:r>
+              <a:rPr lang="en-US" altLang="zh-CN" dirty="0" smtClean="0"/>
+              <a:t> </a:t>
+            </a:r>
+            <a:r>
+              <a:rPr lang="en-US" altLang="zh-CN" dirty="0"/>
+              <a:t>emails = ... // </a:t>
+            </a:r>
+            <a:r>
+              <a:rPr lang="zh-CN" altLang="en-US" dirty="0"/>
+              <a:t>可能会是空集合</a:t>
+            </a:r>
+          </a:p>
+          <a:p>
+            <a:r>
+              <a:rPr lang="en-US" altLang="zh-CN" dirty="0" err="1"/>
+              <a:t>val</a:t>
+            </a:r>
+            <a:r>
+              <a:rPr lang="en-US" altLang="zh-CN" dirty="0"/>
+              <a:t> </a:t>
+            </a:r>
+            <a:r>
+              <a:rPr lang="en-US" altLang="zh-CN" dirty="0" err="1"/>
+              <a:t>mainEmail</a:t>
+            </a:r>
+            <a:r>
+              <a:rPr lang="en-US" altLang="zh-CN" dirty="0"/>
+              <a:t> = </a:t>
+            </a:r>
+            <a:r>
+              <a:rPr lang="en-US" altLang="zh-CN" dirty="0" err="1"/>
+              <a:t>emails.firstOrNull</a:t>
+            </a:r>
+            <a:r>
+              <a:rPr lang="en-US" altLang="zh-CN" dirty="0"/>
+              <a:t>() ?: </a:t>
+            </a:r>
+            <a:r>
+              <a:rPr lang="en-US" altLang="zh-CN" dirty="0" smtClean="0"/>
+              <a:t>"“</a:t>
+            </a:r>
+          </a:p>
+          <a:p>
+            <a:endParaRPr lang="en-US" altLang="zh-CN" dirty="0"/>
+          </a:p>
+          <a:p>
+            <a:r>
+              <a:rPr lang="en-US" altLang="zh-CN" dirty="0"/>
+              <a:t>if not null </a:t>
+            </a:r>
+            <a:r>
+              <a:rPr lang="zh-CN" altLang="en-US" dirty="0"/>
+              <a:t>执行代码</a:t>
+            </a:r>
+          </a:p>
+          <a:p>
+            <a:r>
+              <a:rPr lang="en-US" altLang="zh-CN" dirty="0" err="1"/>
+              <a:t>val</a:t>
+            </a:r>
+            <a:r>
+              <a:rPr lang="en-US" altLang="zh-CN" dirty="0"/>
+              <a:t> value = </a:t>
+            </a:r>
+            <a:r>
+              <a:rPr lang="en-US" altLang="zh-CN" dirty="0" smtClean="0"/>
+              <a:t>……</a:t>
+            </a:r>
+            <a:endParaRPr lang="en-US" altLang="zh-CN" dirty="0"/>
+          </a:p>
+          <a:p>
+            <a:r>
+              <a:rPr lang="en-US" altLang="zh-CN" dirty="0" err="1"/>
+              <a:t>value?.let</a:t>
+            </a:r>
+            <a:r>
+              <a:rPr lang="en-US" altLang="zh-CN" dirty="0"/>
+              <a:t> {</a:t>
+            </a:r>
+          </a:p>
+          <a:p>
+            <a:r>
+              <a:rPr lang="en-US" altLang="zh-CN" dirty="0"/>
+              <a:t>    …… // </a:t>
+            </a:r>
+            <a:r>
+              <a:rPr lang="zh-CN" altLang="en-US" dirty="0"/>
+              <a:t>代码会执行到此处</a:t>
+            </a:r>
+            <a:r>
+              <a:rPr lang="en-US" altLang="zh-CN" dirty="0"/>
+              <a:t>, </a:t>
+            </a:r>
+            <a:r>
+              <a:rPr lang="zh-CN" altLang="en-US" dirty="0"/>
+              <a:t>假如</a:t>
+            </a:r>
+            <a:r>
+              <a:rPr lang="en-US" altLang="zh-CN" dirty="0"/>
+              <a:t>data</a:t>
+            </a:r>
+            <a:r>
+              <a:rPr lang="zh-CN" altLang="en-US" dirty="0"/>
+              <a:t>不为</a:t>
+            </a:r>
+            <a:r>
+              <a:rPr lang="en-US" altLang="zh-CN" dirty="0"/>
+              <a:t>null</a:t>
+            </a:r>
+          </a:p>
+          <a:p>
+            <a:r>
+              <a:rPr lang="en-US" altLang="zh-CN" dirty="0" smtClean="0"/>
+              <a:t>}</a:t>
+            </a:r>
+          </a:p>
+          <a:p>
+            <a:endParaRPr lang="en-US" altLang="zh-CN" dirty="0"/>
+          </a:p>
+          <a:p>
+            <a:r>
+              <a:rPr lang="zh-CN" altLang="en-US" dirty="0"/>
+              <a:t>映射可空值（如果非空的话）</a:t>
+            </a:r>
+          </a:p>
+          <a:p>
+            <a:r>
+              <a:rPr lang="en-US" altLang="zh-CN" dirty="0" err="1"/>
+              <a:t>val</a:t>
+            </a:r>
+            <a:r>
+              <a:rPr lang="en-US" altLang="zh-CN" dirty="0"/>
+              <a:t> value = </a:t>
+            </a:r>
+            <a:r>
+              <a:rPr lang="en-US" altLang="zh-CN" dirty="0" smtClean="0"/>
+              <a:t>……</a:t>
+            </a:r>
+            <a:endParaRPr lang="en-US" altLang="zh-CN" dirty="0"/>
+          </a:p>
+          <a:p>
+            <a:r>
+              <a:rPr lang="en-US" altLang="zh-CN" dirty="0" err="1"/>
+              <a:t>val</a:t>
+            </a:r>
+            <a:r>
+              <a:rPr lang="en-US" altLang="zh-CN" dirty="0"/>
+              <a:t> mapped = </a:t>
+            </a:r>
+            <a:r>
+              <a:rPr lang="en-US" altLang="zh-CN" dirty="0" err="1"/>
+              <a:t>value?.let</a:t>
+            </a:r>
+            <a:r>
+              <a:rPr lang="en-US" altLang="zh-CN" dirty="0"/>
+              <a:t> { </a:t>
+            </a:r>
+            <a:r>
+              <a:rPr lang="en-US" altLang="zh-CN" dirty="0" err="1"/>
+              <a:t>transformValue</a:t>
+            </a:r>
+            <a:r>
+              <a:rPr lang="en-US" altLang="zh-CN" dirty="0"/>
+              <a:t>(it) } ?: </a:t>
+            </a:r>
+            <a:r>
+              <a:rPr lang="en-US" altLang="zh-CN" dirty="0" err="1"/>
+              <a:t>defaultValueIfValueIsNull</a:t>
+            </a:r>
+            <a:endParaRPr lang="zh-CN" altLang="en-US" dirty="0"/>
           </a:p>
         </p:txBody>
       </p:sp>
@@ -10848,8 +10920,8 @@
           </p:nvSpPr>
           <p:spPr>
             <a:xfrm>
-              <a:off x="41088" y="360618"/>
-              <a:ext cx="2109786" cy="483235"/>
+              <a:off x="41088" y="371403"/>
+              <a:ext cx="2109786" cy="461665"/>
             </a:xfrm>
             <a:prstGeom prst="rect">
               <a:avLst/>
@@ -10863,16 +10935,17 @@
             <a:lstStyle/>
             <a:p>
               <a:r>
-                <a:rPr lang="zh-CN" altLang="en-US" sz="2400" b="1" dirty="0" smtClean="0">
+                <a:rPr lang="zh-CN" altLang="en-US" sz="2400" b="1" dirty="0">
                   <a:solidFill>
                     <a:schemeClr val="bg1"/>
                   </a:solidFill>
                   <a:latin typeface="微软雅黑" panose="020B0503020204020204" pitchFamily="34" charset="-122"/>
                   <a:ea typeface="微软雅黑" panose="020B0503020204020204" pitchFamily="34" charset="-122"/>
+                  <a:sym typeface="+mn-ea"/>
                 </a:rPr>
-                <a:t>定义包</a:t>
+                <a:t>习惯用法</a:t>
               </a:r>
-              <a:endParaRPr lang="zh-CN" altLang="en-US" sz="2400" b="1" dirty="0" smtClean="0">
+              <a:endParaRPr lang="zh-CN" altLang="en-US" sz="2400" b="1" dirty="0">
                 <a:solidFill>
                   <a:schemeClr val="bg1"/>
                 </a:solidFill>
@@ -10885,67 +10958,207 @@
       </p:grpSp>
       <p:sp>
         <p:nvSpPr>
-          <p:cNvPr id="2" name="文本框 1"/>
-          <p:cNvSpPr txBox="1"/>
+          <p:cNvPr id="3" name="矩形 2"/>
+          <p:cNvSpPr/>
           <p:nvPr/>
         </p:nvSpPr>
         <p:spPr>
           <a:xfrm>
-            <a:off x="1628775" y="2129790"/>
-            <a:ext cx="9109710" cy="2011680"/>
+            <a:off x="1722990" y="2296683"/>
+            <a:ext cx="7859331" cy="2585323"/>
           </a:xfrm>
           <a:prstGeom prst="rect">
             <a:avLst/>
           </a:prstGeom>
-          <a:noFill/>
         </p:spPr>
         <p:txBody>
-          <a:bodyPr wrap="square" rtlCol="0">
+          <a:bodyPr wrap="none">
             <a:spAutoFit/>
           </a:bodyPr>
-          <a:p>
-            <a:pPr algn="l"/>
-            <a:r>
-              <a:rPr lang="zh-CN" altLang="en-US"/>
-              <a:t>package my.demo</a:t>
-            </a:r>
-            <a:endParaRPr lang="zh-CN" altLang="en-US"/>
-          </a:p>
-          <a:p>
-            <a:pPr algn="l"/>
-            <a:endParaRPr lang="zh-CN" altLang="en-US"/>
-          </a:p>
-          <a:p>
-            <a:pPr algn="l"/>
-            <a:r>
-              <a:rPr lang="zh-CN" altLang="en-US"/>
-              <a:t>import java.util.*</a:t>
-            </a:r>
-            <a:endParaRPr lang="zh-CN" altLang="en-US"/>
-          </a:p>
-          <a:p>
-            <a:pPr algn="l"/>
-            <a:endParaRPr lang="zh-CN" altLang="en-US"/>
-          </a:p>
-          <a:p>
-            <a:pPr algn="l"/>
-            <a:r>
-              <a:rPr lang="zh-CN" altLang="en-US"/>
-              <a:t>// ……</a:t>
-            </a:r>
-            <a:endParaRPr lang="zh-CN" altLang="en-US"/>
-          </a:p>
-          <a:p>
-            <a:pPr algn="l"/>
-            <a:endParaRPr lang="zh-CN" altLang="en-US"/>
-          </a:p>
-          <a:p>
-            <a:pPr algn="l"/>
-            <a:r>
-              <a:rPr lang="zh-CN" altLang="en-US"/>
-              <a:t>目录与包的结构无需匹配：源代码可以在文件系统的任意位置。</a:t>
-            </a:r>
-            <a:endParaRPr lang="zh-CN" altLang="en-US"/>
+          <a:lstStyle/>
+          <a:p>
+            <a:r>
+              <a:rPr lang="zh-CN" altLang="en-US" dirty="0">
+                <a:solidFill>
+                  <a:srgbClr val="333333"/>
+                </a:solidFill>
+                <a:latin typeface="Open Sans" panose="020B0606030504020204" pitchFamily="34" charset="0"/>
+              </a:rPr>
+              <a:t>返回 </a:t>
+            </a:r>
+            <a:r>
+              <a:rPr lang="en-US" altLang="zh-CN" dirty="0">
+                <a:solidFill>
+                  <a:srgbClr val="333333"/>
+                </a:solidFill>
+                <a:latin typeface="Open Sans" panose="020B0606030504020204" pitchFamily="34" charset="0"/>
+              </a:rPr>
+              <a:t>when </a:t>
+            </a:r>
+            <a:r>
+              <a:rPr lang="zh-CN" altLang="en-US" dirty="0" smtClean="0">
+                <a:solidFill>
+                  <a:srgbClr val="333333"/>
+                </a:solidFill>
+                <a:latin typeface="Open Sans" panose="020B0606030504020204" pitchFamily="34" charset="0"/>
+              </a:rPr>
+              <a:t>表达式</a:t>
+            </a:r>
+            <a:endParaRPr lang="en-US" altLang="zh-CN" dirty="0" smtClean="0">
+              <a:solidFill>
+                <a:srgbClr val="333333"/>
+              </a:solidFill>
+              <a:latin typeface="Open Sans" panose="020B0606030504020204" pitchFamily="34" charset="0"/>
+            </a:endParaRPr>
+          </a:p>
+          <a:p>
+            <a:r>
+              <a:rPr lang="en-US" altLang="zh-CN" dirty="0">
+                <a:solidFill>
+                  <a:srgbClr val="333333"/>
+                </a:solidFill>
+                <a:latin typeface="Open Sans" panose="020B0606030504020204" pitchFamily="34" charset="0"/>
+              </a:rPr>
+              <a:t>fun transform(color: String): </a:t>
+            </a:r>
+            <a:r>
+              <a:rPr lang="en-US" altLang="zh-CN" dirty="0" err="1">
+                <a:solidFill>
+                  <a:srgbClr val="333333"/>
+                </a:solidFill>
+                <a:latin typeface="Open Sans" panose="020B0606030504020204" pitchFamily="34" charset="0"/>
+              </a:rPr>
+              <a:t>Int</a:t>
+            </a:r>
+            <a:r>
+              <a:rPr lang="en-US" altLang="zh-CN" dirty="0">
+                <a:solidFill>
+                  <a:srgbClr val="333333"/>
+                </a:solidFill>
+                <a:latin typeface="Open Sans" panose="020B0606030504020204" pitchFamily="34" charset="0"/>
+              </a:rPr>
+              <a:t> {</a:t>
+            </a:r>
+          </a:p>
+          <a:p>
+            <a:r>
+              <a:rPr lang="en-US" altLang="zh-CN" dirty="0">
+                <a:solidFill>
+                  <a:srgbClr val="333333"/>
+                </a:solidFill>
+                <a:latin typeface="Open Sans" panose="020B0606030504020204" pitchFamily="34" charset="0"/>
+              </a:rPr>
+              <a:t>    return when (color) {</a:t>
+            </a:r>
+          </a:p>
+          <a:p>
+            <a:r>
+              <a:rPr lang="en-US" altLang="zh-CN" dirty="0">
+                <a:solidFill>
+                  <a:srgbClr val="333333"/>
+                </a:solidFill>
+                <a:latin typeface="Open Sans" panose="020B0606030504020204" pitchFamily="34" charset="0"/>
+              </a:rPr>
+              <a:t>        "Red" -&gt; 0</a:t>
+            </a:r>
+          </a:p>
+          <a:p>
+            <a:r>
+              <a:rPr lang="en-US" altLang="zh-CN" dirty="0">
+                <a:solidFill>
+                  <a:srgbClr val="333333"/>
+                </a:solidFill>
+                <a:latin typeface="Open Sans" panose="020B0606030504020204" pitchFamily="34" charset="0"/>
+              </a:rPr>
+              <a:t>        "Green" -&gt; 1</a:t>
+            </a:r>
+          </a:p>
+          <a:p>
+            <a:r>
+              <a:rPr lang="en-US" altLang="zh-CN" dirty="0">
+                <a:solidFill>
+                  <a:srgbClr val="333333"/>
+                </a:solidFill>
+                <a:latin typeface="Open Sans" panose="020B0606030504020204" pitchFamily="34" charset="0"/>
+              </a:rPr>
+              <a:t>        "Blue" -&gt; 2</a:t>
+            </a:r>
+          </a:p>
+          <a:p>
+            <a:r>
+              <a:rPr lang="en-US" altLang="zh-CN" dirty="0">
+                <a:solidFill>
+                  <a:srgbClr val="333333"/>
+                </a:solidFill>
+                <a:latin typeface="Open Sans" panose="020B0606030504020204" pitchFamily="34" charset="0"/>
+              </a:rPr>
+              <a:t>        else -&gt; throw </a:t>
+            </a:r>
+            <a:r>
+              <a:rPr lang="en-US" altLang="zh-CN" dirty="0" err="1">
+                <a:solidFill>
+                  <a:srgbClr val="333333"/>
+                </a:solidFill>
+                <a:latin typeface="Open Sans" panose="020B0606030504020204" pitchFamily="34" charset="0"/>
+              </a:rPr>
+              <a:t>IllegalArgumentException</a:t>
+            </a:r>
+            <a:r>
+              <a:rPr lang="en-US" altLang="zh-CN" dirty="0">
+                <a:solidFill>
+                  <a:srgbClr val="333333"/>
+                </a:solidFill>
+                <a:latin typeface="Open Sans" panose="020B0606030504020204" pitchFamily="34" charset="0"/>
+              </a:rPr>
+              <a:t>("Invalid color </a:t>
+            </a:r>
+            <a:r>
+              <a:rPr lang="en-US" altLang="zh-CN" dirty="0" err="1">
+                <a:solidFill>
+                  <a:srgbClr val="333333"/>
+                </a:solidFill>
+                <a:latin typeface="Open Sans" panose="020B0606030504020204" pitchFamily="34" charset="0"/>
+              </a:rPr>
+              <a:t>param</a:t>
+            </a:r>
+            <a:r>
+              <a:rPr lang="en-US" altLang="zh-CN" dirty="0">
+                <a:solidFill>
+                  <a:srgbClr val="333333"/>
+                </a:solidFill>
+                <a:latin typeface="Open Sans" panose="020B0606030504020204" pitchFamily="34" charset="0"/>
+              </a:rPr>
+              <a:t> value")</a:t>
+            </a:r>
+          </a:p>
+          <a:p>
+            <a:r>
+              <a:rPr lang="en-US" altLang="zh-CN" dirty="0">
+                <a:solidFill>
+                  <a:srgbClr val="333333"/>
+                </a:solidFill>
+                <a:latin typeface="Open Sans" panose="020B0606030504020204" pitchFamily="34" charset="0"/>
+              </a:rPr>
+              <a:t>    }</a:t>
+            </a:r>
+          </a:p>
+          <a:p>
+            <a:r>
+              <a:rPr lang="en-US" altLang="zh-CN" dirty="0">
+                <a:solidFill>
+                  <a:srgbClr val="333333"/>
+                </a:solidFill>
+                <a:latin typeface="Open Sans" panose="020B0606030504020204" pitchFamily="34" charset="0"/>
+              </a:rPr>
+              <a:t>}</a:t>
+            </a:r>
+            <a:endParaRPr lang="zh-CN" altLang="en-US" b="0" i="0" dirty="0">
+              <a:solidFill>
+                <a:srgbClr val="333333"/>
+              </a:solidFill>
+              <a:effectLst/>
+              <a:latin typeface="Open Sans" panose="020B0606030504020204" pitchFamily="34" charset="0"/>
+            </a:endParaRPr>
           </a:p>
         </p:txBody>
       </p:sp>
@@ -10968,6 +11181,1801 @@
 </file>
 
 <file path=ppt/slides/slide23.xml><?xml version="1.0" encoding="utf-8"?>
+<p:sld xmlns:a="http://schemas.openxmlformats.org/drawingml/2006/main" xmlns:r="http://schemas.openxmlformats.org/officeDocument/2006/relationships" xmlns:p="http://schemas.openxmlformats.org/presentationml/2006/main">
+  <p:cSld>
+    <p:spTree>
+      <p:nvGrpSpPr>
+        <p:cNvPr id="1" name=""/>
+        <p:cNvGrpSpPr/>
+        <p:nvPr/>
+      </p:nvGrpSpPr>
+      <p:grpSpPr>
+        <a:xfrm>
+          <a:off x="0" y="0"/>
+          <a:ext cx="0" cy="0"/>
+          <a:chOff x="0" y="0"/>
+          <a:chExt cx="0" cy="0"/>
+        </a:xfrm>
+      </p:grpSpPr>
+      <p:grpSp>
+        <p:nvGrpSpPr>
+          <p:cNvPr id="178" name="组合 177"/>
+          <p:cNvGrpSpPr/>
+          <p:nvPr/>
+        </p:nvGrpSpPr>
+        <p:grpSpPr>
+          <a:xfrm>
+            <a:off x="-1" y="161856"/>
+            <a:ext cx="5652656" cy="923996"/>
+            <a:chOff x="-1" y="161856"/>
+            <a:chExt cx="2466975" cy="923996"/>
+          </a:xfrm>
+          <a:solidFill>
+            <a:srgbClr val="339966"/>
+          </a:solidFill>
+        </p:grpSpPr>
+        <p:sp>
+          <p:nvSpPr>
+            <p:cNvPr id="4" name="矩形: 圆顶角 3"/>
+            <p:cNvSpPr/>
+            <p:nvPr/>
+          </p:nvSpPr>
+          <p:spPr>
+            <a:xfrm rot="5400000">
+              <a:off x="771489" y="-609634"/>
+              <a:ext cx="923996" cy="2466975"/>
+            </a:xfrm>
+            <a:prstGeom prst="round2SameRect">
+              <a:avLst>
+                <a:gd name="adj1" fmla="val 50000"/>
+                <a:gd name="adj2" fmla="val 0"/>
+              </a:avLst>
+            </a:prstGeom>
+            <a:grpFill/>
+            <a:ln>
+              <a:noFill/>
+            </a:ln>
+          </p:spPr>
+          <p:style>
+            <a:lnRef idx="2">
+              <a:schemeClr val="accent1">
+                <a:shade val="50000"/>
+              </a:schemeClr>
+            </a:lnRef>
+            <a:fillRef idx="1">
+              <a:schemeClr val="accent1"/>
+            </a:fillRef>
+            <a:effectRef idx="0">
+              <a:schemeClr val="accent1"/>
+            </a:effectRef>
+            <a:fontRef idx="minor">
+              <a:schemeClr val="lt1"/>
+            </a:fontRef>
+          </p:style>
+          <p:txBody>
+            <a:bodyPr rtlCol="0" anchor="ctr"/>
+            <a:lstStyle/>
+            <a:p>
+              <a:pPr algn="ctr"/>
+              <a:endParaRPr lang="zh-CN" altLang="en-US"/>
+            </a:p>
+          </p:txBody>
+        </p:sp>
+        <p:sp>
+          <p:nvSpPr>
+            <p:cNvPr id="6" name="文本框 5"/>
+            <p:cNvSpPr txBox="1"/>
+            <p:nvPr/>
+          </p:nvSpPr>
+          <p:spPr>
+            <a:xfrm>
+              <a:off x="41088" y="371403"/>
+              <a:ext cx="2109786" cy="461665"/>
+            </a:xfrm>
+            <a:prstGeom prst="rect">
+              <a:avLst/>
+            </a:prstGeom>
+            <a:grpFill/>
+          </p:spPr>
+          <p:txBody>
+            <a:bodyPr wrap="square" rtlCol="0" anchor="ctr">
+              <a:spAutoFit/>
+            </a:bodyPr>
+            <a:lstStyle/>
+            <a:p>
+              <a:r>
+                <a:rPr lang="zh-CN" altLang="en-US" sz="2400" b="1" dirty="0">
+                  <a:solidFill>
+                    <a:schemeClr val="bg1"/>
+                  </a:solidFill>
+                  <a:latin typeface="微软雅黑" panose="020B0503020204020204" pitchFamily="34" charset="-122"/>
+                  <a:ea typeface="微软雅黑" panose="020B0503020204020204" pitchFamily="34" charset="-122"/>
+                  <a:sym typeface="+mn-ea"/>
+                </a:rPr>
+                <a:t>习惯用法</a:t>
+              </a:r>
+              <a:endParaRPr lang="zh-CN" altLang="en-US" sz="2400" b="1" dirty="0">
+                <a:solidFill>
+                  <a:schemeClr val="bg1"/>
+                </a:solidFill>
+                <a:latin typeface="微软雅黑" panose="020B0503020204020204" pitchFamily="34" charset="-122"/>
+                <a:ea typeface="微软雅黑" panose="020B0503020204020204" pitchFamily="34" charset="-122"/>
+              </a:endParaRPr>
+            </a:p>
+          </p:txBody>
+        </p:sp>
+      </p:grpSp>
+      <p:sp>
+        <p:nvSpPr>
+          <p:cNvPr id="2" name="文本框 1"/>
+          <p:cNvSpPr txBox="1"/>
+          <p:nvPr/>
+        </p:nvSpPr>
+        <p:spPr>
+          <a:xfrm>
+            <a:off x="1628775" y="2129790"/>
+            <a:ext cx="9109710" cy="3139321"/>
+          </a:xfrm>
+          <a:prstGeom prst="rect">
+            <a:avLst/>
+          </a:prstGeom>
+          <a:noFill/>
+        </p:spPr>
+        <p:txBody>
+          <a:bodyPr wrap="square" rtlCol="0">
+            <a:spAutoFit/>
+          </a:bodyPr>
+          <a:lstStyle/>
+          <a:p>
+            <a:r>
+              <a:rPr lang="en-US" altLang="zh-CN" dirty="0"/>
+              <a:t>“try/catch”</a:t>
+            </a:r>
+            <a:r>
+              <a:rPr lang="zh-CN" altLang="en-US" dirty="0" smtClean="0"/>
+              <a:t>表达式</a:t>
+            </a:r>
+            <a:endParaRPr lang="en-US" altLang="zh-CN" dirty="0" smtClean="0"/>
+          </a:p>
+          <a:p>
+            <a:endParaRPr lang="zh-CN" altLang="en-US" dirty="0"/>
+          </a:p>
+          <a:p>
+            <a:r>
+              <a:rPr lang="en-US" altLang="zh-CN" dirty="0"/>
+              <a:t>fun test() {</a:t>
+            </a:r>
+          </a:p>
+          <a:p>
+            <a:r>
+              <a:rPr lang="en-US" altLang="zh-CN" dirty="0"/>
+              <a:t>    </a:t>
+            </a:r>
+            <a:r>
+              <a:rPr lang="en-US" altLang="zh-CN" dirty="0" err="1"/>
+              <a:t>val</a:t>
+            </a:r>
+            <a:r>
+              <a:rPr lang="en-US" altLang="zh-CN" dirty="0"/>
+              <a:t> result = try {</a:t>
+            </a:r>
+          </a:p>
+          <a:p>
+            <a:r>
+              <a:rPr lang="en-US" altLang="zh-CN" dirty="0"/>
+              <a:t>        count()</a:t>
+            </a:r>
+          </a:p>
+          <a:p>
+            <a:r>
+              <a:rPr lang="en-US" altLang="zh-CN" dirty="0"/>
+              <a:t>    } catch (e: </a:t>
+            </a:r>
+            <a:r>
+              <a:rPr lang="en-US" altLang="zh-CN" dirty="0" err="1"/>
+              <a:t>ArithmeticException</a:t>
+            </a:r>
+            <a:r>
+              <a:rPr lang="en-US" altLang="zh-CN" dirty="0"/>
+              <a:t>) {</a:t>
+            </a:r>
+          </a:p>
+          <a:p>
+            <a:r>
+              <a:rPr lang="en-US" altLang="zh-CN" dirty="0"/>
+              <a:t>        throw </a:t>
+            </a:r>
+            <a:r>
+              <a:rPr lang="en-US" altLang="zh-CN" dirty="0" err="1"/>
+              <a:t>IllegalStateException</a:t>
+            </a:r>
+            <a:r>
+              <a:rPr lang="en-US" altLang="zh-CN" dirty="0"/>
+              <a:t>(e)</a:t>
+            </a:r>
+          </a:p>
+          <a:p>
+            <a:r>
+              <a:rPr lang="en-US" altLang="zh-CN" dirty="0"/>
+              <a:t>    }</a:t>
+            </a:r>
+          </a:p>
+          <a:p>
+            <a:endParaRPr lang="en-US" altLang="zh-CN" dirty="0"/>
+          </a:p>
+          <a:p>
+            <a:r>
+              <a:rPr lang="en-US" altLang="zh-CN" dirty="0"/>
+              <a:t>    // </a:t>
+            </a:r>
+            <a:r>
+              <a:rPr lang="zh-CN" altLang="en-US" dirty="0"/>
+              <a:t>使用 </a:t>
+            </a:r>
+            <a:r>
+              <a:rPr lang="en-US" altLang="zh-CN" dirty="0"/>
+              <a:t>result</a:t>
+            </a:r>
+          </a:p>
+          <a:p>
+            <a:r>
+              <a:rPr lang="en-US" altLang="zh-CN" dirty="0"/>
+              <a:t>}</a:t>
+            </a:r>
+            <a:endParaRPr lang="zh-CN" altLang="en-US" dirty="0"/>
+          </a:p>
+        </p:txBody>
+      </p:sp>
+    </p:spTree>
+    <p:extLst>
+      <p:ext uri="{BB962C8B-B14F-4D97-AF65-F5344CB8AC3E}">
+        <p14:creationId xmlns:p14="http://schemas.microsoft.com/office/powerpoint/2010/main" val="1197637882"/>
+      </p:ext>
+    </p:extLst>
+  </p:cSld>
+  <p:clrMapOvr>
+    <a:masterClrMapping/>
+  </p:clrMapOvr>
+  <p:transition spd="slow">
+    <p:fade/>
+  </p:transition>
+  <p:timing>
+    <p:tnLst>
+      <p:par>
+        <p:cTn id="1" dur="indefinite" restart="never" nodeType="tmRoot"/>
+      </p:par>
+    </p:tnLst>
+  </p:timing>
+</p:sld>
+</file>
+
+<file path=ppt/slides/slide24.xml><?xml version="1.0" encoding="utf-8"?>
+<p:sld xmlns:a="http://schemas.openxmlformats.org/drawingml/2006/main" xmlns:r="http://schemas.openxmlformats.org/officeDocument/2006/relationships" xmlns:p="http://schemas.openxmlformats.org/presentationml/2006/main">
+  <p:cSld>
+    <p:spTree>
+      <p:nvGrpSpPr>
+        <p:cNvPr id="1" name=""/>
+        <p:cNvGrpSpPr/>
+        <p:nvPr/>
+      </p:nvGrpSpPr>
+      <p:grpSpPr>
+        <a:xfrm>
+          <a:off x="0" y="0"/>
+          <a:ext cx="0" cy="0"/>
+          <a:chOff x="0" y="0"/>
+          <a:chExt cx="0" cy="0"/>
+        </a:xfrm>
+      </p:grpSpPr>
+      <p:grpSp>
+        <p:nvGrpSpPr>
+          <p:cNvPr id="178" name="组合 177"/>
+          <p:cNvGrpSpPr/>
+          <p:nvPr/>
+        </p:nvGrpSpPr>
+        <p:grpSpPr>
+          <a:xfrm>
+            <a:off x="-1" y="161856"/>
+            <a:ext cx="5652656" cy="923996"/>
+            <a:chOff x="-1" y="161856"/>
+            <a:chExt cx="2466975" cy="923996"/>
+          </a:xfrm>
+          <a:solidFill>
+            <a:srgbClr val="339966"/>
+          </a:solidFill>
+        </p:grpSpPr>
+        <p:sp>
+          <p:nvSpPr>
+            <p:cNvPr id="4" name="矩形: 圆顶角 3"/>
+            <p:cNvSpPr/>
+            <p:nvPr/>
+          </p:nvSpPr>
+          <p:spPr>
+            <a:xfrm rot="5400000">
+              <a:off x="771489" y="-609634"/>
+              <a:ext cx="923996" cy="2466975"/>
+            </a:xfrm>
+            <a:prstGeom prst="round2SameRect">
+              <a:avLst>
+                <a:gd name="adj1" fmla="val 50000"/>
+                <a:gd name="adj2" fmla="val 0"/>
+              </a:avLst>
+            </a:prstGeom>
+            <a:grpFill/>
+            <a:ln>
+              <a:noFill/>
+            </a:ln>
+          </p:spPr>
+          <p:style>
+            <a:lnRef idx="2">
+              <a:schemeClr val="accent1">
+                <a:shade val="50000"/>
+              </a:schemeClr>
+            </a:lnRef>
+            <a:fillRef idx="1">
+              <a:schemeClr val="accent1"/>
+            </a:fillRef>
+            <a:effectRef idx="0">
+              <a:schemeClr val="accent1"/>
+            </a:effectRef>
+            <a:fontRef idx="minor">
+              <a:schemeClr val="lt1"/>
+            </a:fontRef>
+          </p:style>
+          <p:txBody>
+            <a:bodyPr rtlCol="0" anchor="ctr"/>
+            <a:lstStyle/>
+            <a:p>
+              <a:pPr algn="ctr"/>
+              <a:endParaRPr lang="zh-CN" altLang="en-US"/>
+            </a:p>
+          </p:txBody>
+        </p:sp>
+        <p:sp>
+          <p:nvSpPr>
+            <p:cNvPr id="6" name="文本框 5"/>
+            <p:cNvSpPr txBox="1"/>
+            <p:nvPr/>
+          </p:nvSpPr>
+          <p:spPr>
+            <a:xfrm>
+              <a:off x="41088" y="371403"/>
+              <a:ext cx="2109786" cy="461665"/>
+            </a:xfrm>
+            <a:prstGeom prst="rect">
+              <a:avLst/>
+            </a:prstGeom>
+            <a:grpFill/>
+          </p:spPr>
+          <p:txBody>
+            <a:bodyPr wrap="square" rtlCol="0" anchor="ctr">
+              <a:spAutoFit/>
+            </a:bodyPr>
+            <a:lstStyle/>
+            <a:p>
+              <a:r>
+                <a:rPr lang="zh-CN" altLang="en-US" sz="2400" b="1" dirty="0">
+                  <a:solidFill>
+                    <a:schemeClr val="bg1"/>
+                  </a:solidFill>
+                  <a:latin typeface="微软雅黑" panose="020B0503020204020204" pitchFamily="34" charset="-122"/>
+                  <a:ea typeface="微软雅黑" panose="020B0503020204020204" pitchFamily="34" charset="-122"/>
+                  <a:sym typeface="+mn-ea"/>
+                </a:rPr>
+                <a:t>习惯用法</a:t>
+              </a:r>
+              <a:endParaRPr lang="zh-CN" altLang="en-US" sz="2400" b="1" dirty="0">
+                <a:solidFill>
+                  <a:schemeClr val="bg1"/>
+                </a:solidFill>
+                <a:latin typeface="微软雅黑" panose="020B0503020204020204" pitchFamily="34" charset="-122"/>
+                <a:ea typeface="微软雅黑" panose="020B0503020204020204" pitchFamily="34" charset="-122"/>
+              </a:endParaRPr>
+            </a:p>
+          </p:txBody>
+        </p:sp>
+      </p:grpSp>
+      <p:sp>
+        <p:nvSpPr>
+          <p:cNvPr id="2" name="文本框 1"/>
+          <p:cNvSpPr txBox="1"/>
+          <p:nvPr/>
+        </p:nvSpPr>
+        <p:spPr>
+          <a:xfrm>
+            <a:off x="1628775" y="2129790"/>
+            <a:ext cx="9109710" cy="3139321"/>
+          </a:xfrm>
+          <a:prstGeom prst="rect">
+            <a:avLst/>
+          </a:prstGeom>
+          <a:noFill/>
+        </p:spPr>
+        <p:txBody>
+          <a:bodyPr wrap="square" rtlCol="0">
+            <a:spAutoFit/>
+          </a:bodyPr>
+          <a:lstStyle/>
+          <a:p>
+            <a:r>
+              <a:rPr lang="en-US" altLang="zh-CN" dirty="0"/>
+              <a:t>“if”</a:t>
+            </a:r>
+            <a:r>
+              <a:rPr lang="zh-CN" altLang="en-US" dirty="0" smtClean="0"/>
+              <a:t>表达式</a:t>
+            </a:r>
+            <a:endParaRPr lang="en-US" altLang="zh-CN" dirty="0" smtClean="0"/>
+          </a:p>
+          <a:p>
+            <a:endParaRPr lang="en-US" altLang="zh-CN" dirty="0" smtClean="0"/>
+          </a:p>
+          <a:p>
+            <a:r>
+              <a:rPr lang="en-US" altLang="zh-CN" dirty="0"/>
+              <a:t>fun foo(</a:t>
+            </a:r>
+            <a:r>
+              <a:rPr lang="en-US" altLang="zh-CN" dirty="0" err="1"/>
+              <a:t>param</a:t>
+            </a:r>
+            <a:r>
+              <a:rPr lang="en-US" altLang="zh-CN" dirty="0"/>
+              <a:t>: </a:t>
+            </a:r>
+            <a:r>
+              <a:rPr lang="en-US" altLang="zh-CN" dirty="0" err="1"/>
+              <a:t>Int</a:t>
+            </a:r>
+            <a:r>
+              <a:rPr lang="en-US" altLang="zh-CN" dirty="0"/>
+              <a:t>) {</a:t>
+            </a:r>
+          </a:p>
+          <a:p>
+            <a:r>
+              <a:rPr lang="en-US" altLang="zh-CN" dirty="0"/>
+              <a:t>    </a:t>
+            </a:r>
+            <a:r>
+              <a:rPr lang="en-US" altLang="zh-CN" dirty="0" err="1"/>
+              <a:t>val</a:t>
+            </a:r>
+            <a:r>
+              <a:rPr lang="en-US" altLang="zh-CN" dirty="0"/>
+              <a:t> result = if (</a:t>
+            </a:r>
+            <a:r>
+              <a:rPr lang="en-US" altLang="zh-CN" dirty="0" err="1"/>
+              <a:t>param</a:t>
+            </a:r>
+            <a:r>
+              <a:rPr lang="en-US" altLang="zh-CN" dirty="0"/>
+              <a:t> == 1) {</a:t>
+            </a:r>
+          </a:p>
+          <a:p>
+            <a:r>
+              <a:rPr lang="en-US" altLang="zh-CN" dirty="0"/>
+              <a:t>        "one"</a:t>
+            </a:r>
+          </a:p>
+          <a:p>
+            <a:r>
+              <a:rPr lang="en-US" altLang="zh-CN" dirty="0"/>
+              <a:t>    } else if (</a:t>
+            </a:r>
+            <a:r>
+              <a:rPr lang="en-US" altLang="zh-CN" dirty="0" err="1"/>
+              <a:t>param</a:t>
+            </a:r>
+            <a:r>
+              <a:rPr lang="en-US" altLang="zh-CN" dirty="0"/>
+              <a:t> == 2) {</a:t>
+            </a:r>
+          </a:p>
+          <a:p>
+            <a:r>
+              <a:rPr lang="en-US" altLang="zh-CN" dirty="0"/>
+              <a:t>        "two"</a:t>
+            </a:r>
+          </a:p>
+          <a:p>
+            <a:r>
+              <a:rPr lang="en-US" altLang="zh-CN" dirty="0"/>
+              <a:t>    } else {</a:t>
+            </a:r>
+          </a:p>
+          <a:p>
+            <a:r>
+              <a:rPr lang="en-US" altLang="zh-CN" dirty="0"/>
+              <a:t>        "three"</a:t>
+            </a:r>
+          </a:p>
+          <a:p>
+            <a:r>
+              <a:rPr lang="en-US" altLang="zh-CN" dirty="0"/>
+              <a:t>    }</a:t>
+            </a:r>
+          </a:p>
+          <a:p>
+            <a:r>
+              <a:rPr lang="en-US" altLang="zh-CN" dirty="0"/>
+              <a:t>}</a:t>
+            </a:r>
+            <a:endParaRPr lang="zh-CN" altLang="en-US" dirty="0"/>
+          </a:p>
+        </p:txBody>
+      </p:sp>
+    </p:spTree>
+    <p:extLst>
+      <p:ext uri="{BB962C8B-B14F-4D97-AF65-F5344CB8AC3E}">
+        <p14:creationId xmlns:p14="http://schemas.microsoft.com/office/powerpoint/2010/main" val="3698992571"/>
+      </p:ext>
+    </p:extLst>
+  </p:cSld>
+  <p:clrMapOvr>
+    <a:masterClrMapping/>
+  </p:clrMapOvr>
+  <p:transition spd="slow">
+    <p:fade/>
+  </p:transition>
+  <p:timing>
+    <p:tnLst>
+      <p:par>
+        <p:cTn id="1" dur="indefinite" restart="never" nodeType="tmRoot"/>
+      </p:par>
+    </p:tnLst>
+  </p:timing>
+</p:sld>
+</file>
+
+<file path=ppt/slides/slide25.xml><?xml version="1.0" encoding="utf-8"?>
+<p:sld xmlns:a="http://schemas.openxmlformats.org/drawingml/2006/main" xmlns:r="http://schemas.openxmlformats.org/officeDocument/2006/relationships" xmlns:p="http://schemas.openxmlformats.org/presentationml/2006/main">
+  <p:cSld>
+    <p:spTree>
+      <p:nvGrpSpPr>
+        <p:cNvPr id="1" name=""/>
+        <p:cNvGrpSpPr/>
+        <p:nvPr/>
+      </p:nvGrpSpPr>
+      <p:grpSpPr>
+        <a:xfrm>
+          <a:off x="0" y="0"/>
+          <a:ext cx="0" cy="0"/>
+          <a:chOff x="0" y="0"/>
+          <a:chExt cx="0" cy="0"/>
+        </a:xfrm>
+      </p:grpSpPr>
+      <p:grpSp>
+        <p:nvGrpSpPr>
+          <p:cNvPr id="178" name="组合 177"/>
+          <p:cNvGrpSpPr/>
+          <p:nvPr/>
+        </p:nvGrpSpPr>
+        <p:grpSpPr>
+          <a:xfrm>
+            <a:off x="-1" y="161856"/>
+            <a:ext cx="5652656" cy="923996"/>
+            <a:chOff x="-1" y="161856"/>
+            <a:chExt cx="2466975" cy="923996"/>
+          </a:xfrm>
+          <a:solidFill>
+            <a:srgbClr val="339966"/>
+          </a:solidFill>
+        </p:grpSpPr>
+        <p:sp>
+          <p:nvSpPr>
+            <p:cNvPr id="4" name="矩形: 圆顶角 3"/>
+            <p:cNvSpPr/>
+            <p:nvPr/>
+          </p:nvSpPr>
+          <p:spPr>
+            <a:xfrm rot="5400000">
+              <a:off x="771489" y="-609634"/>
+              <a:ext cx="923996" cy="2466975"/>
+            </a:xfrm>
+            <a:prstGeom prst="round2SameRect">
+              <a:avLst>
+                <a:gd name="adj1" fmla="val 50000"/>
+                <a:gd name="adj2" fmla="val 0"/>
+              </a:avLst>
+            </a:prstGeom>
+            <a:grpFill/>
+            <a:ln>
+              <a:noFill/>
+            </a:ln>
+          </p:spPr>
+          <p:style>
+            <a:lnRef idx="2">
+              <a:schemeClr val="accent1">
+                <a:shade val="50000"/>
+              </a:schemeClr>
+            </a:lnRef>
+            <a:fillRef idx="1">
+              <a:schemeClr val="accent1"/>
+            </a:fillRef>
+            <a:effectRef idx="0">
+              <a:schemeClr val="accent1"/>
+            </a:effectRef>
+            <a:fontRef idx="minor">
+              <a:schemeClr val="lt1"/>
+            </a:fontRef>
+          </p:style>
+          <p:txBody>
+            <a:bodyPr rtlCol="0" anchor="ctr"/>
+            <a:lstStyle/>
+            <a:p>
+              <a:pPr algn="ctr"/>
+              <a:endParaRPr lang="zh-CN" altLang="en-US"/>
+            </a:p>
+          </p:txBody>
+        </p:sp>
+        <p:sp>
+          <p:nvSpPr>
+            <p:cNvPr id="6" name="文本框 5"/>
+            <p:cNvSpPr txBox="1"/>
+            <p:nvPr/>
+          </p:nvSpPr>
+          <p:spPr>
+            <a:xfrm>
+              <a:off x="41088" y="371403"/>
+              <a:ext cx="2109786" cy="461665"/>
+            </a:xfrm>
+            <a:prstGeom prst="rect">
+              <a:avLst/>
+            </a:prstGeom>
+            <a:grpFill/>
+          </p:spPr>
+          <p:txBody>
+            <a:bodyPr wrap="square" rtlCol="0" anchor="ctr">
+              <a:spAutoFit/>
+            </a:bodyPr>
+            <a:lstStyle/>
+            <a:p>
+              <a:r>
+                <a:rPr lang="zh-CN" altLang="en-US" sz="2400" b="1" dirty="0">
+                  <a:solidFill>
+                    <a:schemeClr val="bg1"/>
+                  </a:solidFill>
+                  <a:latin typeface="微软雅黑" panose="020B0503020204020204" pitchFamily="34" charset="-122"/>
+                  <a:ea typeface="微软雅黑" panose="020B0503020204020204" pitchFamily="34" charset="-122"/>
+                  <a:sym typeface="+mn-ea"/>
+                </a:rPr>
+                <a:t>习惯用法</a:t>
+              </a:r>
+              <a:endParaRPr lang="zh-CN" altLang="en-US" sz="2400" b="1" dirty="0">
+                <a:solidFill>
+                  <a:schemeClr val="bg1"/>
+                </a:solidFill>
+                <a:latin typeface="微软雅黑" panose="020B0503020204020204" pitchFamily="34" charset="-122"/>
+                <a:ea typeface="微软雅黑" panose="020B0503020204020204" pitchFamily="34" charset="-122"/>
+              </a:endParaRPr>
+            </a:p>
+          </p:txBody>
+        </p:sp>
+      </p:grpSp>
+      <p:sp>
+        <p:nvSpPr>
+          <p:cNvPr id="2" name="文本框 1"/>
+          <p:cNvSpPr txBox="1"/>
+          <p:nvPr/>
+        </p:nvSpPr>
+        <p:spPr>
+          <a:xfrm>
+            <a:off x="1628775" y="2129790"/>
+            <a:ext cx="9109710" cy="4247317"/>
+          </a:xfrm>
+          <a:prstGeom prst="rect">
+            <a:avLst/>
+          </a:prstGeom>
+          <a:noFill/>
+        </p:spPr>
+        <p:txBody>
+          <a:bodyPr wrap="square" rtlCol="0">
+            <a:spAutoFit/>
+          </a:bodyPr>
+          <a:lstStyle/>
+          <a:p>
+            <a:r>
+              <a:rPr lang="zh-CN" altLang="en-US" dirty="0" smtClean="0"/>
+              <a:t>返回语句的</a:t>
+            </a:r>
+            <a:r>
+              <a:rPr lang="en-US" altLang="zh-CN" dirty="0"/>
+              <a:t> Builder </a:t>
+            </a:r>
+            <a:r>
+              <a:rPr lang="zh-CN" altLang="en-US" dirty="0"/>
+              <a:t>风格</a:t>
+            </a:r>
+            <a:r>
+              <a:rPr lang="zh-CN" altLang="en-US" dirty="0" smtClean="0"/>
+              <a:t>用法</a:t>
+            </a:r>
+            <a:endParaRPr lang="en-US" altLang="zh-CN" dirty="0"/>
+          </a:p>
+          <a:p>
+            <a:r>
+              <a:rPr lang="en-US" altLang="zh-CN" dirty="0"/>
+              <a:t>fun </a:t>
+            </a:r>
+            <a:r>
+              <a:rPr lang="en-US" altLang="zh-CN" dirty="0" err="1"/>
+              <a:t>arrayOfMinusOnes</a:t>
+            </a:r>
+            <a:r>
+              <a:rPr lang="en-US" altLang="zh-CN" dirty="0"/>
+              <a:t>(size: </a:t>
+            </a:r>
+            <a:r>
+              <a:rPr lang="en-US" altLang="zh-CN" dirty="0" err="1"/>
+              <a:t>Int</a:t>
+            </a:r>
+            <a:r>
+              <a:rPr lang="en-US" altLang="zh-CN" dirty="0"/>
+              <a:t>): </a:t>
+            </a:r>
+            <a:r>
+              <a:rPr lang="en-US" altLang="zh-CN" dirty="0" err="1"/>
+              <a:t>IntArray</a:t>
+            </a:r>
+            <a:r>
+              <a:rPr lang="en-US" altLang="zh-CN" dirty="0"/>
+              <a:t> {</a:t>
+            </a:r>
+          </a:p>
+          <a:p>
+            <a:r>
+              <a:rPr lang="en-US" altLang="zh-CN" dirty="0"/>
+              <a:t>    return </a:t>
+            </a:r>
+            <a:r>
+              <a:rPr lang="en-US" altLang="zh-CN" dirty="0" err="1"/>
+              <a:t>IntArray</a:t>
+            </a:r>
+            <a:r>
+              <a:rPr lang="en-US" altLang="zh-CN" dirty="0"/>
+              <a:t>(size).apply { fill(-1) }</a:t>
+            </a:r>
+          </a:p>
+          <a:p>
+            <a:r>
+              <a:rPr lang="en-US" altLang="zh-CN" dirty="0" smtClean="0"/>
+              <a:t>}</a:t>
+            </a:r>
+          </a:p>
+          <a:p>
+            <a:endParaRPr lang="en-US" altLang="zh-CN" dirty="0"/>
+          </a:p>
+          <a:p>
+            <a:r>
+              <a:rPr lang="zh-CN" altLang="en-US" dirty="0"/>
+              <a:t>单表达式函数</a:t>
+            </a:r>
+          </a:p>
+          <a:p>
+            <a:r>
+              <a:rPr lang="en-US" altLang="zh-CN" dirty="0"/>
+              <a:t>fun </a:t>
+            </a:r>
+            <a:r>
+              <a:rPr lang="en-US" altLang="zh-CN" dirty="0" err="1"/>
+              <a:t>theAnswer</a:t>
+            </a:r>
+            <a:r>
+              <a:rPr lang="en-US" altLang="zh-CN" dirty="0"/>
+              <a:t>() = </a:t>
+            </a:r>
+            <a:r>
+              <a:rPr lang="en-US" altLang="zh-CN" dirty="0" smtClean="0"/>
+              <a:t>42</a:t>
+            </a:r>
+          </a:p>
+          <a:p>
+            <a:endParaRPr lang="en-US" altLang="zh-CN" dirty="0"/>
+          </a:p>
+          <a:p>
+            <a:r>
+              <a:rPr lang="zh-CN" altLang="en-US" dirty="0"/>
+              <a:t>单表达式函数与其它惯用法一起使用能简化代码，例如和 </a:t>
+            </a:r>
+            <a:r>
+              <a:rPr lang="en-US" altLang="zh-CN" dirty="0"/>
+              <a:t>when</a:t>
+            </a:r>
+            <a:r>
+              <a:rPr lang="zh-CN" altLang="en-US" dirty="0"/>
+              <a:t> 表达式一起使用</a:t>
+            </a:r>
+            <a:r>
+              <a:rPr lang="zh-CN" altLang="en-US" dirty="0" smtClean="0"/>
+              <a:t>：</a:t>
+            </a:r>
+            <a:endParaRPr lang="en-US" altLang="zh-CN" dirty="0" smtClean="0"/>
+          </a:p>
+          <a:p>
+            <a:r>
+              <a:rPr lang="en-US" altLang="zh-CN" dirty="0"/>
+              <a:t>fun transform(color: String): </a:t>
+            </a:r>
+            <a:r>
+              <a:rPr lang="en-US" altLang="zh-CN" dirty="0" err="1"/>
+              <a:t>Int</a:t>
+            </a:r>
+            <a:r>
+              <a:rPr lang="en-US" altLang="zh-CN" dirty="0"/>
+              <a:t> = when (color) {</a:t>
+            </a:r>
+          </a:p>
+          <a:p>
+            <a:r>
+              <a:rPr lang="en-US" altLang="zh-CN" dirty="0"/>
+              <a:t>    "Red" -&gt; 0</a:t>
+            </a:r>
+          </a:p>
+          <a:p>
+            <a:r>
+              <a:rPr lang="en-US" altLang="zh-CN" dirty="0"/>
+              <a:t>    "Green" -&gt; 1</a:t>
+            </a:r>
+          </a:p>
+          <a:p>
+            <a:r>
+              <a:rPr lang="en-US" altLang="zh-CN" dirty="0"/>
+              <a:t>    "Blue" -&gt; 2</a:t>
+            </a:r>
+          </a:p>
+          <a:p>
+            <a:r>
+              <a:rPr lang="en-US" altLang="zh-CN" dirty="0"/>
+              <a:t>    else -&gt; throw </a:t>
+            </a:r>
+            <a:r>
+              <a:rPr lang="en-US" altLang="zh-CN" dirty="0" err="1"/>
+              <a:t>IllegalArgumentException</a:t>
+            </a:r>
+            <a:r>
+              <a:rPr lang="en-US" altLang="zh-CN" dirty="0"/>
+              <a:t>("Invalid color </a:t>
+            </a:r>
+            <a:r>
+              <a:rPr lang="en-US" altLang="zh-CN" dirty="0" err="1"/>
+              <a:t>param</a:t>
+            </a:r>
+            <a:r>
+              <a:rPr lang="en-US" altLang="zh-CN" dirty="0"/>
+              <a:t> value")</a:t>
+            </a:r>
+          </a:p>
+          <a:p>
+            <a:r>
+              <a:rPr lang="en-US" altLang="zh-CN" dirty="0"/>
+              <a:t>}</a:t>
+            </a:r>
+            <a:endParaRPr lang="zh-CN" altLang="en-US" dirty="0"/>
+          </a:p>
+        </p:txBody>
+      </p:sp>
+    </p:spTree>
+    <p:extLst>
+      <p:ext uri="{BB962C8B-B14F-4D97-AF65-F5344CB8AC3E}">
+        <p14:creationId xmlns:p14="http://schemas.microsoft.com/office/powerpoint/2010/main" val="1678948838"/>
+      </p:ext>
+    </p:extLst>
+  </p:cSld>
+  <p:clrMapOvr>
+    <a:masterClrMapping/>
+  </p:clrMapOvr>
+  <p:transition spd="slow">
+    <p:fade/>
+  </p:transition>
+  <p:timing>
+    <p:tnLst>
+      <p:par>
+        <p:cTn id="1" dur="indefinite" restart="never" nodeType="tmRoot"/>
+      </p:par>
+    </p:tnLst>
+  </p:timing>
+</p:sld>
+</file>
+
+<file path=ppt/slides/slide26.xml><?xml version="1.0" encoding="utf-8"?>
+<p:sld xmlns:a="http://schemas.openxmlformats.org/drawingml/2006/main" xmlns:r="http://schemas.openxmlformats.org/officeDocument/2006/relationships" xmlns:p="http://schemas.openxmlformats.org/presentationml/2006/main">
+  <p:cSld>
+    <p:spTree>
+      <p:nvGrpSpPr>
+        <p:cNvPr id="1" name=""/>
+        <p:cNvGrpSpPr/>
+        <p:nvPr/>
+      </p:nvGrpSpPr>
+      <p:grpSpPr>
+        <a:xfrm>
+          <a:off x="0" y="0"/>
+          <a:ext cx="0" cy="0"/>
+          <a:chOff x="0" y="0"/>
+          <a:chExt cx="0" cy="0"/>
+        </a:xfrm>
+      </p:grpSpPr>
+      <p:grpSp>
+        <p:nvGrpSpPr>
+          <p:cNvPr id="178" name="组合 177"/>
+          <p:cNvGrpSpPr/>
+          <p:nvPr/>
+        </p:nvGrpSpPr>
+        <p:grpSpPr>
+          <a:xfrm>
+            <a:off x="-1" y="161856"/>
+            <a:ext cx="5652656" cy="923996"/>
+            <a:chOff x="-1" y="161856"/>
+            <a:chExt cx="2466975" cy="923996"/>
+          </a:xfrm>
+          <a:solidFill>
+            <a:srgbClr val="339966"/>
+          </a:solidFill>
+        </p:grpSpPr>
+        <p:sp>
+          <p:nvSpPr>
+            <p:cNvPr id="4" name="矩形: 圆顶角 3"/>
+            <p:cNvSpPr/>
+            <p:nvPr/>
+          </p:nvSpPr>
+          <p:spPr>
+            <a:xfrm rot="5400000">
+              <a:off x="771489" y="-609634"/>
+              <a:ext cx="923996" cy="2466975"/>
+            </a:xfrm>
+            <a:prstGeom prst="round2SameRect">
+              <a:avLst>
+                <a:gd name="adj1" fmla="val 50000"/>
+                <a:gd name="adj2" fmla="val 0"/>
+              </a:avLst>
+            </a:prstGeom>
+            <a:grpFill/>
+            <a:ln>
+              <a:noFill/>
+            </a:ln>
+          </p:spPr>
+          <p:style>
+            <a:lnRef idx="2">
+              <a:schemeClr val="accent1">
+                <a:shade val="50000"/>
+              </a:schemeClr>
+            </a:lnRef>
+            <a:fillRef idx="1">
+              <a:schemeClr val="accent1"/>
+            </a:fillRef>
+            <a:effectRef idx="0">
+              <a:schemeClr val="accent1"/>
+            </a:effectRef>
+            <a:fontRef idx="minor">
+              <a:schemeClr val="lt1"/>
+            </a:fontRef>
+          </p:style>
+          <p:txBody>
+            <a:bodyPr rtlCol="0" anchor="ctr"/>
+            <a:lstStyle/>
+            <a:p>
+              <a:pPr algn="ctr"/>
+              <a:endParaRPr lang="zh-CN" altLang="en-US"/>
+            </a:p>
+          </p:txBody>
+        </p:sp>
+        <p:sp>
+          <p:nvSpPr>
+            <p:cNvPr id="6" name="文本框 5"/>
+            <p:cNvSpPr txBox="1"/>
+            <p:nvPr/>
+          </p:nvSpPr>
+          <p:spPr>
+            <a:xfrm>
+              <a:off x="41088" y="371403"/>
+              <a:ext cx="2109786" cy="461665"/>
+            </a:xfrm>
+            <a:prstGeom prst="rect">
+              <a:avLst/>
+            </a:prstGeom>
+            <a:grpFill/>
+          </p:spPr>
+          <p:txBody>
+            <a:bodyPr wrap="square" rtlCol="0" anchor="ctr">
+              <a:spAutoFit/>
+            </a:bodyPr>
+            <a:lstStyle/>
+            <a:p>
+              <a:r>
+                <a:rPr lang="zh-CN" altLang="en-US" sz="2400" b="1" dirty="0">
+                  <a:solidFill>
+                    <a:schemeClr val="bg1"/>
+                  </a:solidFill>
+                  <a:latin typeface="微软雅黑" panose="020B0503020204020204" pitchFamily="34" charset="-122"/>
+                  <a:ea typeface="微软雅黑" panose="020B0503020204020204" pitchFamily="34" charset="-122"/>
+                  <a:sym typeface="+mn-ea"/>
+                </a:rPr>
+                <a:t>习惯用法</a:t>
+              </a:r>
+              <a:endParaRPr lang="zh-CN" altLang="en-US" sz="2400" b="1" dirty="0">
+                <a:solidFill>
+                  <a:schemeClr val="bg1"/>
+                </a:solidFill>
+                <a:latin typeface="微软雅黑" panose="020B0503020204020204" pitchFamily="34" charset="-122"/>
+                <a:ea typeface="微软雅黑" panose="020B0503020204020204" pitchFamily="34" charset="-122"/>
+              </a:endParaRPr>
+            </a:p>
+          </p:txBody>
+        </p:sp>
+      </p:grpSp>
+      <p:sp>
+        <p:nvSpPr>
+          <p:cNvPr id="2" name="文本框 1"/>
+          <p:cNvSpPr txBox="1"/>
+          <p:nvPr/>
+        </p:nvSpPr>
+        <p:spPr>
+          <a:xfrm>
+            <a:off x="1628775" y="1481394"/>
+            <a:ext cx="9109710" cy="4801314"/>
+          </a:xfrm>
+          <a:prstGeom prst="rect">
+            <a:avLst/>
+          </a:prstGeom>
+          <a:noFill/>
+        </p:spPr>
+        <p:txBody>
+          <a:bodyPr wrap="square" rtlCol="0">
+            <a:spAutoFit/>
+          </a:bodyPr>
+          <a:lstStyle/>
+          <a:p>
+            <a:r>
+              <a:rPr lang="zh-CN" altLang="en-US" dirty="0" smtClean="0"/>
+              <a:t>对</a:t>
+            </a:r>
+            <a:r>
+              <a:rPr lang="zh-CN" altLang="en-US" dirty="0"/>
+              <a:t>一个对象实例调用多个方法 </a:t>
+            </a:r>
+          </a:p>
+          <a:p>
+            <a:r>
+              <a:rPr lang="en-US" altLang="zh-CN" dirty="0"/>
+              <a:t>class Turtle {</a:t>
+            </a:r>
+          </a:p>
+          <a:p>
+            <a:r>
+              <a:rPr lang="en-US" altLang="zh-CN" dirty="0"/>
+              <a:t>    fun </a:t>
+            </a:r>
+            <a:r>
+              <a:rPr lang="en-US" altLang="zh-CN" dirty="0" err="1"/>
+              <a:t>penDown</a:t>
+            </a:r>
+            <a:r>
+              <a:rPr lang="en-US" altLang="zh-CN" dirty="0"/>
+              <a:t>()</a:t>
+            </a:r>
+          </a:p>
+          <a:p>
+            <a:r>
+              <a:rPr lang="en-US" altLang="zh-CN" dirty="0"/>
+              <a:t>    fun </a:t>
+            </a:r>
+            <a:r>
+              <a:rPr lang="en-US" altLang="zh-CN" dirty="0" err="1"/>
+              <a:t>penUp</a:t>
+            </a:r>
+            <a:r>
+              <a:rPr lang="en-US" altLang="zh-CN" dirty="0"/>
+              <a:t>()</a:t>
+            </a:r>
+          </a:p>
+          <a:p>
+            <a:r>
+              <a:rPr lang="en-US" altLang="zh-CN" dirty="0"/>
+              <a:t>    fun turn(degrees: Double)</a:t>
+            </a:r>
+          </a:p>
+          <a:p>
+            <a:r>
+              <a:rPr lang="en-US" altLang="zh-CN" dirty="0"/>
+              <a:t>    fun forward(pixels: Double)</a:t>
+            </a:r>
+          </a:p>
+          <a:p>
+            <a:r>
+              <a:rPr lang="en-US" altLang="zh-CN" dirty="0"/>
+              <a:t>}</a:t>
+            </a:r>
+          </a:p>
+          <a:p>
+            <a:endParaRPr lang="en-US" altLang="zh-CN" dirty="0"/>
+          </a:p>
+          <a:p>
+            <a:r>
+              <a:rPr lang="en-US" altLang="zh-CN" dirty="0" err="1"/>
+              <a:t>val</a:t>
+            </a:r>
+            <a:r>
+              <a:rPr lang="en-US" altLang="zh-CN" dirty="0"/>
+              <a:t> </a:t>
+            </a:r>
+            <a:r>
+              <a:rPr lang="en-US" altLang="zh-CN" dirty="0" err="1"/>
+              <a:t>myTurtle</a:t>
+            </a:r>
+            <a:r>
+              <a:rPr lang="en-US" altLang="zh-CN" dirty="0"/>
+              <a:t> = Turtle()</a:t>
+            </a:r>
+          </a:p>
+          <a:p>
+            <a:r>
+              <a:rPr lang="en-US" altLang="zh-CN" dirty="0"/>
+              <a:t>with(</a:t>
+            </a:r>
+            <a:r>
+              <a:rPr lang="en-US" altLang="zh-CN" dirty="0" err="1"/>
+              <a:t>myTurtle</a:t>
+            </a:r>
+            <a:r>
+              <a:rPr lang="en-US" altLang="zh-CN" dirty="0"/>
+              <a:t>) { // </a:t>
+            </a:r>
+            <a:r>
+              <a:rPr lang="zh-CN" altLang="en-US" dirty="0"/>
+              <a:t>画一个 </a:t>
+            </a:r>
+            <a:r>
+              <a:rPr lang="en-US" altLang="zh-CN" dirty="0"/>
+              <a:t>100 </a:t>
+            </a:r>
+            <a:r>
+              <a:rPr lang="zh-CN" altLang="en-US" dirty="0"/>
+              <a:t>像素的正方形</a:t>
+            </a:r>
+          </a:p>
+          <a:p>
+            <a:r>
+              <a:rPr lang="zh-CN" altLang="en-US" dirty="0"/>
+              <a:t>    </a:t>
+            </a:r>
+            <a:r>
+              <a:rPr lang="en-US" altLang="zh-CN" dirty="0" err="1"/>
+              <a:t>penDown</a:t>
+            </a:r>
+            <a:r>
+              <a:rPr lang="en-US" altLang="zh-CN" dirty="0"/>
+              <a:t>()</a:t>
+            </a:r>
+          </a:p>
+          <a:p>
+            <a:r>
+              <a:rPr lang="en-US" altLang="zh-CN" dirty="0"/>
+              <a:t>    for(</a:t>
+            </a:r>
+            <a:r>
+              <a:rPr lang="en-US" altLang="zh-CN" dirty="0" err="1"/>
+              <a:t>i</a:t>
+            </a:r>
+            <a:r>
+              <a:rPr lang="en-US" altLang="zh-CN" dirty="0"/>
+              <a:t> in 1..4) {</a:t>
+            </a:r>
+          </a:p>
+          <a:p>
+            <a:r>
+              <a:rPr lang="en-US" altLang="zh-CN" dirty="0"/>
+              <a:t>        forward(100.0)</a:t>
+            </a:r>
+          </a:p>
+          <a:p>
+            <a:r>
+              <a:rPr lang="en-US" altLang="zh-CN" dirty="0"/>
+              <a:t>        turn(90.0)</a:t>
+            </a:r>
+          </a:p>
+          <a:p>
+            <a:r>
+              <a:rPr lang="en-US" altLang="zh-CN" dirty="0"/>
+              <a:t>    }</a:t>
+            </a:r>
+          </a:p>
+          <a:p>
+            <a:r>
+              <a:rPr lang="en-US" altLang="zh-CN" dirty="0"/>
+              <a:t>    </a:t>
+            </a:r>
+            <a:r>
+              <a:rPr lang="en-US" altLang="zh-CN" dirty="0" err="1"/>
+              <a:t>penUp</a:t>
+            </a:r>
+            <a:r>
+              <a:rPr lang="en-US" altLang="zh-CN" dirty="0"/>
+              <a:t>()</a:t>
+            </a:r>
+          </a:p>
+          <a:p>
+            <a:r>
+              <a:rPr lang="en-US" altLang="zh-CN" dirty="0"/>
+              <a:t>}</a:t>
+            </a:r>
+            <a:endParaRPr lang="zh-CN" altLang="en-US" dirty="0"/>
+          </a:p>
+        </p:txBody>
+      </p:sp>
+    </p:spTree>
+    <p:extLst>
+      <p:ext uri="{BB962C8B-B14F-4D97-AF65-F5344CB8AC3E}">
+        <p14:creationId xmlns:p14="http://schemas.microsoft.com/office/powerpoint/2010/main" val="2084287837"/>
+      </p:ext>
+    </p:extLst>
+  </p:cSld>
+  <p:clrMapOvr>
+    <a:masterClrMapping/>
+  </p:clrMapOvr>
+  <p:transition spd="slow">
+    <p:fade/>
+  </p:transition>
+  <p:timing>
+    <p:tnLst>
+      <p:par>
+        <p:cTn id="1" dur="indefinite" restart="never" nodeType="tmRoot"/>
+      </p:par>
+    </p:tnLst>
+  </p:timing>
+</p:sld>
+</file>
+
+<file path=ppt/slides/slide27.xml><?xml version="1.0" encoding="utf-8"?>
+<p:sld xmlns:a="http://schemas.openxmlformats.org/drawingml/2006/main" xmlns:r="http://schemas.openxmlformats.org/officeDocument/2006/relationships" xmlns:p="http://schemas.openxmlformats.org/presentationml/2006/main">
+  <p:cSld>
+    <p:spTree>
+      <p:nvGrpSpPr>
+        <p:cNvPr id="1" name=""/>
+        <p:cNvGrpSpPr/>
+        <p:nvPr/>
+      </p:nvGrpSpPr>
+      <p:grpSpPr>
+        <a:xfrm>
+          <a:off x="0" y="0"/>
+          <a:ext cx="0" cy="0"/>
+          <a:chOff x="0" y="0"/>
+          <a:chExt cx="0" cy="0"/>
+        </a:xfrm>
+      </p:grpSpPr>
+      <p:grpSp>
+        <p:nvGrpSpPr>
+          <p:cNvPr id="178" name="组合 177"/>
+          <p:cNvGrpSpPr/>
+          <p:nvPr/>
+        </p:nvGrpSpPr>
+        <p:grpSpPr>
+          <a:xfrm>
+            <a:off x="-1" y="161856"/>
+            <a:ext cx="5652656" cy="923996"/>
+            <a:chOff x="-1" y="161856"/>
+            <a:chExt cx="2466975" cy="923996"/>
+          </a:xfrm>
+          <a:solidFill>
+            <a:srgbClr val="339966"/>
+          </a:solidFill>
+        </p:grpSpPr>
+        <p:sp>
+          <p:nvSpPr>
+            <p:cNvPr id="4" name="矩形: 圆顶角 3"/>
+            <p:cNvSpPr/>
+            <p:nvPr/>
+          </p:nvSpPr>
+          <p:spPr>
+            <a:xfrm rot="5400000">
+              <a:off x="771489" y="-609634"/>
+              <a:ext cx="923996" cy="2466975"/>
+            </a:xfrm>
+            <a:prstGeom prst="round2SameRect">
+              <a:avLst>
+                <a:gd name="adj1" fmla="val 50000"/>
+                <a:gd name="adj2" fmla="val 0"/>
+              </a:avLst>
+            </a:prstGeom>
+            <a:grpFill/>
+            <a:ln>
+              <a:noFill/>
+            </a:ln>
+          </p:spPr>
+          <p:style>
+            <a:lnRef idx="2">
+              <a:schemeClr val="accent1">
+                <a:shade val="50000"/>
+              </a:schemeClr>
+            </a:lnRef>
+            <a:fillRef idx="1">
+              <a:schemeClr val="accent1"/>
+            </a:fillRef>
+            <a:effectRef idx="0">
+              <a:schemeClr val="accent1"/>
+            </a:effectRef>
+            <a:fontRef idx="minor">
+              <a:schemeClr val="lt1"/>
+            </a:fontRef>
+          </p:style>
+          <p:txBody>
+            <a:bodyPr rtlCol="0" anchor="ctr"/>
+            <a:lstStyle/>
+            <a:p>
+              <a:pPr algn="ctr"/>
+              <a:endParaRPr lang="zh-CN" altLang="en-US"/>
+            </a:p>
+          </p:txBody>
+        </p:sp>
+        <p:sp>
+          <p:nvSpPr>
+            <p:cNvPr id="6" name="文本框 5"/>
+            <p:cNvSpPr txBox="1"/>
+            <p:nvPr/>
+          </p:nvSpPr>
+          <p:spPr>
+            <a:xfrm>
+              <a:off x="41088" y="371403"/>
+              <a:ext cx="2109786" cy="461665"/>
+            </a:xfrm>
+            <a:prstGeom prst="rect">
+              <a:avLst/>
+            </a:prstGeom>
+            <a:grpFill/>
+          </p:spPr>
+          <p:txBody>
+            <a:bodyPr wrap="square" rtlCol="0" anchor="ctr">
+              <a:spAutoFit/>
+            </a:bodyPr>
+            <a:lstStyle/>
+            <a:p>
+              <a:r>
+                <a:rPr lang="zh-CN" altLang="en-US" sz="2400" b="1" dirty="0">
+                  <a:solidFill>
+                    <a:schemeClr val="bg1"/>
+                  </a:solidFill>
+                  <a:latin typeface="微软雅黑" panose="020B0503020204020204" pitchFamily="34" charset="-122"/>
+                  <a:ea typeface="微软雅黑" panose="020B0503020204020204" pitchFamily="34" charset="-122"/>
+                  <a:sym typeface="+mn-ea"/>
+                </a:rPr>
+                <a:t>习惯用法</a:t>
+              </a:r>
+              <a:endParaRPr lang="zh-CN" altLang="en-US" sz="2400" b="1" dirty="0">
+                <a:solidFill>
+                  <a:schemeClr val="bg1"/>
+                </a:solidFill>
+                <a:latin typeface="微软雅黑" panose="020B0503020204020204" pitchFamily="34" charset="-122"/>
+                <a:ea typeface="微软雅黑" panose="020B0503020204020204" pitchFamily="34" charset="-122"/>
+              </a:endParaRPr>
+            </a:p>
+          </p:txBody>
+        </p:sp>
+      </p:grpSp>
+      <p:sp>
+        <p:nvSpPr>
+          <p:cNvPr id="2" name="文本框 1"/>
+          <p:cNvSpPr txBox="1"/>
+          <p:nvPr/>
+        </p:nvSpPr>
+        <p:spPr>
+          <a:xfrm>
+            <a:off x="1628775" y="2129790"/>
+            <a:ext cx="9109710" cy="2862322"/>
+          </a:xfrm>
+          <a:prstGeom prst="rect">
+            <a:avLst/>
+          </a:prstGeom>
+          <a:noFill/>
+        </p:spPr>
+        <p:txBody>
+          <a:bodyPr wrap="square" rtlCol="0">
+            <a:spAutoFit/>
+          </a:bodyPr>
+          <a:lstStyle/>
+          <a:p>
+            <a:r>
+              <a:rPr lang="zh-CN" altLang="en-US" dirty="0"/>
+              <a:t>对于需要泛型信息的泛型函数的适宜</a:t>
+            </a:r>
+            <a:r>
+              <a:rPr lang="zh-CN" altLang="en-US" dirty="0" smtClean="0"/>
+              <a:t>形式</a:t>
+            </a:r>
+            <a:endParaRPr lang="en-US" altLang="zh-CN" dirty="0" smtClean="0"/>
+          </a:p>
+          <a:p>
+            <a:endParaRPr lang="en-US" altLang="zh-CN" dirty="0"/>
+          </a:p>
+          <a:p>
+            <a:r>
+              <a:rPr lang="en-US" altLang="zh-CN" dirty="0"/>
+              <a:t>//  public final class </a:t>
+            </a:r>
+            <a:r>
+              <a:rPr lang="en-US" altLang="zh-CN" dirty="0" err="1"/>
+              <a:t>Gson</a:t>
+            </a:r>
+            <a:r>
+              <a:rPr lang="en-US" altLang="zh-CN" dirty="0"/>
+              <a:t> {</a:t>
+            </a:r>
+          </a:p>
+          <a:p>
+            <a:r>
+              <a:rPr lang="en-US" altLang="zh-CN" dirty="0"/>
+              <a:t>//     ……</a:t>
+            </a:r>
+          </a:p>
+          <a:p>
+            <a:r>
+              <a:rPr lang="en-US" altLang="zh-CN" dirty="0"/>
+              <a:t>//     public &lt;T&gt; T </a:t>
+            </a:r>
+            <a:r>
+              <a:rPr lang="en-US" altLang="zh-CN" dirty="0" err="1"/>
+              <a:t>fromJson</a:t>
+            </a:r>
+            <a:r>
+              <a:rPr lang="en-US" altLang="zh-CN" dirty="0"/>
+              <a:t>(</a:t>
+            </a:r>
+            <a:r>
+              <a:rPr lang="en-US" altLang="zh-CN" dirty="0" err="1"/>
+              <a:t>JsonElement</a:t>
+            </a:r>
+            <a:r>
+              <a:rPr lang="en-US" altLang="zh-CN" dirty="0"/>
+              <a:t> </a:t>
+            </a:r>
+            <a:r>
+              <a:rPr lang="en-US" altLang="zh-CN" dirty="0" err="1"/>
+              <a:t>json</a:t>
+            </a:r>
+            <a:r>
+              <a:rPr lang="en-US" altLang="zh-CN" dirty="0"/>
+              <a:t>, Class&lt;T&gt; </a:t>
+            </a:r>
+            <a:r>
+              <a:rPr lang="en-US" altLang="zh-CN" dirty="0" err="1"/>
+              <a:t>classOfT</a:t>
+            </a:r>
+            <a:r>
+              <a:rPr lang="en-US" altLang="zh-CN" dirty="0"/>
+              <a:t>) throws </a:t>
+            </a:r>
+            <a:r>
+              <a:rPr lang="en-US" altLang="zh-CN" dirty="0" err="1"/>
+              <a:t>JsonSyntaxException</a:t>
+            </a:r>
+            <a:r>
+              <a:rPr lang="en-US" altLang="zh-CN" dirty="0"/>
+              <a:t> {</a:t>
+            </a:r>
+          </a:p>
+          <a:p>
+            <a:r>
+              <a:rPr lang="en-US" altLang="zh-CN" dirty="0"/>
+              <a:t>//     ……</a:t>
+            </a:r>
+          </a:p>
+          <a:p>
+            <a:endParaRPr lang="en-US" altLang="zh-CN" dirty="0"/>
+          </a:p>
+          <a:p>
+            <a:r>
+              <a:rPr lang="en-US" altLang="zh-CN" dirty="0"/>
+              <a:t>inline fun &lt;reified T: Any&gt; </a:t>
+            </a:r>
+            <a:r>
+              <a:rPr lang="en-US" altLang="zh-CN" dirty="0" err="1"/>
+              <a:t>Gson.fromJson</a:t>
+            </a:r>
+            <a:r>
+              <a:rPr lang="en-US" altLang="zh-CN" dirty="0"/>
+              <a:t>(</a:t>
+            </a:r>
+            <a:r>
+              <a:rPr lang="en-US" altLang="zh-CN" dirty="0" err="1"/>
+              <a:t>json</a:t>
+            </a:r>
+            <a:r>
+              <a:rPr lang="en-US" altLang="zh-CN" dirty="0"/>
+              <a:t>: </a:t>
+            </a:r>
+            <a:r>
+              <a:rPr lang="en-US" altLang="zh-CN" dirty="0" err="1"/>
+              <a:t>JsonElement</a:t>
+            </a:r>
+            <a:r>
+              <a:rPr lang="en-US" altLang="zh-CN" dirty="0"/>
+              <a:t>): T = </a:t>
+            </a:r>
+            <a:r>
+              <a:rPr lang="en-US" altLang="zh-CN" dirty="0" err="1"/>
+              <a:t>this.fromJson</a:t>
+            </a:r>
+            <a:r>
+              <a:rPr lang="en-US" altLang="zh-CN" dirty="0"/>
+              <a:t>(</a:t>
+            </a:r>
+            <a:r>
+              <a:rPr lang="en-US" altLang="zh-CN" dirty="0" err="1"/>
+              <a:t>json</a:t>
+            </a:r>
+            <a:r>
+              <a:rPr lang="en-US" altLang="zh-CN" dirty="0"/>
+              <a:t>, T::class.java)</a:t>
+            </a:r>
+            <a:endParaRPr lang="zh-CN" altLang="en-US" dirty="0"/>
+          </a:p>
+        </p:txBody>
+      </p:sp>
+    </p:spTree>
+    <p:extLst>
+      <p:ext uri="{BB962C8B-B14F-4D97-AF65-F5344CB8AC3E}">
+        <p14:creationId xmlns:p14="http://schemas.microsoft.com/office/powerpoint/2010/main" val="3704068909"/>
+      </p:ext>
+    </p:extLst>
+  </p:cSld>
+  <p:clrMapOvr>
+    <a:masterClrMapping/>
+  </p:clrMapOvr>
+  <p:transition spd="slow">
+    <p:fade/>
+  </p:transition>
+  <p:timing>
+    <p:tnLst>
+      <p:par>
+        <p:cTn id="1" dur="indefinite" restart="never" nodeType="tmRoot"/>
+      </p:par>
+    </p:tnLst>
+  </p:timing>
+</p:sld>
+</file>
+
+<file path=ppt/slides/slide28.xml><?xml version="1.0" encoding="utf-8"?>
+<p:sld xmlns:a="http://schemas.openxmlformats.org/drawingml/2006/main" xmlns:r="http://schemas.openxmlformats.org/officeDocument/2006/relationships" xmlns:p="http://schemas.openxmlformats.org/presentationml/2006/main">
+  <p:cSld>
+    <p:spTree>
+      <p:nvGrpSpPr>
+        <p:cNvPr id="1" name=""/>
+        <p:cNvGrpSpPr/>
+        <p:nvPr/>
+      </p:nvGrpSpPr>
+      <p:grpSpPr>
+        <a:xfrm>
+          <a:off x="0" y="0"/>
+          <a:ext cx="0" cy="0"/>
+          <a:chOff x="0" y="0"/>
+          <a:chExt cx="0" cy="0"/>
+        </a:xfrm>
+      </p:grpSpPr>
+      <p:grpSp>
+        <p:nvGrpSpPr>
+          <p:cNvPr id="178" name="组合 177"/>
+          <p:cNvGrpSpPr/>
+          <p:nvPr/>
+        </p:nvGrpSpPr>
+        <p:grpSpPr>
+          <a:xfrm>
+            <a:off x="-1" y="161856"/>
+            <a:ext cx="5652656" cy="923996"/>
+            <a:chOff x="-1" y="161856"/>
+            <a:chExt cx="2466975" cy="923996"/>
+          </a:xfrm>
+          <a:solidFill>
+            <a:srgbClr val="339966"/>
+          </a:solidFill>
+        </p:grpSpPr>
+        <p:sp>
+          <p:nvSpPr>
+            <p:cNvPr id="4" name="矩形: 圆顶角 3"/>
+            <p:cNvSpPr/>
+            <p:nvPr/>
+          </p:nvSpPr>
+          <p:spPr>
+            <a:xfrm rot="5400000">
+              <a:off x="771489" y="-609634"/>
+              <a:ext cx="923996" cy="2466975"/>
+            </a:xfrm>
+            <a:prstGeom prst="round2SameRect">
+              <a:avLst>
+                <a:gd name="adj1" fmla="val 50000"/>
+                <a:gd name="adj2" fmla="val 0"/>
+              </a:avLst>
+            </a:prstGeom>
+            <a:grpFill/>
+            <a:ln>
+              <a:noFill/>
+            </a:ln>
+          </p:spPr>
+          <p:style>
+            <a:lnRef idx="2">
+              <a:schemeClr val="accent1">
+                <a:shade val="50000"/>
+              </a:schemeClr>
+            </a:lnRef>
+            <a:fillRef idx="1">
+              <a:schemeClr val="accent1"/>
+            </a:fillRef>
+            <a:effectRef idx="0">
+              <a:schemeClr val="accent1"/>
+            </a:effectRef>
+            <a:fontRef idx="minor">
+              <a:schemeClr val="lt1"/>
+            </a:fontRef>
+          </p:style>
+          <p:txBody>
+            <a:bodyPr rtlCol="0" anchor="ctr"/>
+            <a:lstStyle/>
+            <a:p>
+              <a:pPr algn="ctr"/>
+              <a:endParaRPr lang="zh-CN" altLang="en-US"/>
+            </a:p>
+          </p:txBody>
+        </p:sp>
+        <p:sp>
+          <p:nvSpPr>
+            <p:cNvPr id="6" name="文本框 5"/>
+            <p:cNvSpPr txBox="1"/>
+            <p:nvPr/>
+          </p:nvSpPr>
+          <p:spPr>
+            <a:xfrm>
+              <a:off x="41088" y="371403"/>
+              <a:ext cx="2109786" cy="461665"/>
+            </a:xfrm>
+            <a:prstGeom prst="rect">
+              <a:avLst/>
+            </a:prstGeom>
+            <a:grpFill/>
+          </p:spPr>
+          <p:txBody>
+            <a:bodyPr wrap="square" rtlCol="0" anchor="ctr">
+              <a:spAutoFit/>
+            </a:bodyPr>
+            <a:lstStyle/>
+            <a:p>
+              <a:r>
+                <a:rPr lang="zh-CN" altLang="en-US" sz="2400" b="1" dirty="0">
+                  <a:solidFill>
+                    <a:schemeClr val="bg1"/>
+                  </a:solidFill>
+                  <a:latin typeface="微软雅黑" panose="020B0503020204020204" pitchFamily="34" charset="-122"/>
+                  <a:ea typeface="微软雅黑" panose="020B0503020204020204" pitchFamily="34" charset="-122"/>
+                  <a:sym typeface="+mn-ea"/>
+                </a:rPr>
+                <a:t>习惯用法</a:t>
+              </a:r>
+              <a:endParaRPr lang="zh-CN" altLang="en-US" sz="2400" b="1" dirty="0">
+                <a:solidFill>
+                  <a:schemeClr val="bg1"/>
+                </a:solidFill>
+                <a:latin typeface="微软雅黑" panose="020B0503020204020204" pitchFamily="34" charset="-122"/>
+                <a:ea typeface="微软雅黑" panose="020B0503020204020204" pitchFamily="34" charset="-122"/>
+              </a:endParaRPr>
+            </a:p>
+          </p:txBody>
+        </p:sp>
+      </p:grpSp>
+      <p:sp>
+        <p:nvSpPr>
+          <p:cNvPr id="2" name="文本框 1"/>
+          <p:cNvSpPr txBox="1"/>
+          <p:nvPr/>
+        </p:nvSpPr>
+        <p:spPr>
+          <a:xfrm>
+            <a:off x="1628775" y="2129790"/>
+            <a:ext cx="9109710" cy="2308324"/>
+          </a:xfrm>
+          <a:prstGeom prst="rect">
+            <a:avLst/>
+          </a:prstGeom>
+          <a:noFill/>
+        </p:spPr>
+        <p:txBody>
+          <a:bodyPr wrap="square" rtlCol="0">
+            <a:spAutoFit/>
+          </a:bodyPr>
+          <a:lstStyle/>
+          <a:p>
+            <a:r>
+              <a:rPr lang="zh-CN" altLang="en-US" dirty="0"/>
+              <a:t>使用可空</a:t>
+            </a:r>
+            <a:r>
+              <a:rPr lang="zh-CN" altLang="en-US" dirty="0" smtClean="0"/>
+              <a:t>布尔</a:t>
+            </a:r>
+            <a:endParaRPr lang="en-US" altLang="zh-CN" dirty="0" smtClean="0"/>
+          </a:p>
+          <a:p>
+            <a:endParaRPr lang="en-US" altLang="zh-CN" dirty="0"/>
+          </a:p>
+          <a:p>
+            <a:r>
+              <a:rPr lang="en-US" altLang="zh-CN" dirty="0" err="1"/>
+              <a:t>val</a:t>
+            </a:r>
+            <a:r>
+              <a:rPr lang="en-US" altLang="zh-CN" dirty="0"/>
+              <a:t> b: Boolean? = ……</a:t>
+            </a:r>
+          </a:p>
+          <a:p>
+            <a:r>
+              <a:rPr lang="en-US" altLang="zh-CN" dirty="0"/>
+              <a:t>if (b == true) {</a:t>
+            </a:r>
+          </a:p>
+          <a:p>
+            <a:r>
+              <a:rPr lang="en-US" altLang="zh-CN" dirty="0"/>
+              <a:t>    ……</a:t>
+            </a:r>
+          </a:p>
+          <a:p>
+            <a:r>
+              <a:rPr lang="en-US" altLang="zh-CN" dirty="0"/>
+              <a:t>} else {</a:t>
+            </a:r>
+          </a:p>
+          <a:p>
+            <a:r>
+              <a:rPr lang="en-US" altLang="zh-CN" dirty="0"/>
+              <a:t>    // `b` </a:t>
+            </a:r>
+            <a:r>
+              <a:rPr lang="zh-CN" altLang="en-US" dirty="0"/>
+              <a:t>是 </a:t>
+            </a:r>
+            <a:r>
+              <a:rPr lang="en-US" altLang="zh-CN" dirty="0"/>
+              <a:t>false </a:t>
+            </a:r>
+            <a:r>
+              <a:rPr lang="zh-CN" altLang="en-US" dirty="0"/>
+              <a:t>或者 </a:t>
+            </a:r>
+            <a:r>
+              <a:rPr lang="en-US" altLang="zh-CN" dirty="0"/>
+              <a:t>null</a:t>
+            </a:r>
+          </a:p>
+          <a:p>
+            <a:r>
+              <a:rPr lang="en-US" altLang="zh-CN" dirty="0"/>
+              <a:t>}</a:t>
+            </a:r>
+            <a:endParaRPr lang="zh-CN" altLang="en-US" dirty="0"/>
+          </a:p>
+        </p:txBody>
+      </p:sp>
+    </p:spTree>
+    <p:extLst>
+      <p:ext uri="{BB962C8B-B14F-4D97-AF65-F5344CB8AC3E}">
+        <p14:creationId xmlns:p14="http://schemas.microsoft.com/office/powerpoint/2010/main" val="3411664390"/>
+      </p:ext>
+    </p:extLst>
+  </p:cSld>
+  <p:clrMapOvr>
+    <a:masterClrMapping/>
+  </p:clrMapOvr>
+  <p:transition spd="slow">
+    <p:fade/>
+  </p:transition>
+  <p:timing>
+    <p:tnLst>
+      <p:par>
+        <p:cTn id="1" dur="indefinite" restart="never" nodeType="tmRoot"/>
+      </p:par>
+    </p:tnLst>
+  </p:timing>
+</p:sld>
+</file>
+
+<file path=ppt/slides/slide29.xml><?xml version="1.0" encoding="utf-8"?>
 <p:sld xmlns:a="http://schemas.openxmlformats.org/drawingml/2006/main" xmlns:r="http://schemas.openxmlformats.org/officeDocument/2006/relationships" xmlns:p="http://schemas.openxmlformats.org/presentationml/2006/main">
   <p:cSld>
     <p:spTree>
@@ -11326,15 +13334,6 @@
               </a:rPr>
               <a:t>前世今生</a:t>
             </a:r>
-            <a:endParaRPr sz="2000" b="1" dirty="0" smtClean="0">
-              <a:solidFill>
-                <a:schemeClr val="bg1"/>
-              </a:solidFill>
-              <a:latin typeface="微软雅黑" panose="020B0503020204020204" pitchFamily="34" charset="-122"/>
-              <a:ea typeface="微软雅黑" panose="020B0503020204020204" pitchFamily="34" charset="-122"/>
-              <a:cs typeface="+mn-ea"/>
-              <a:sym typeface="+mn-lt"/>
-            </a:endParaRPr>
           </a:p>
         </p:txBody>
       </p:sp>
@@ -11547,15 +13546,6 @@
               </a:rPr>
               <a:t>特色 </a:t>
             </a:r>
-            <a:endParaRPr sz="2000" b="1" dirty="0">
-              <a:solidFill>
-                <a:schemeClr val="bg1"/>
-              </a:solidFill>
-              <a:latin typeface="微软雅黑" panose="020B0503020204020204" pitchFamily="34" charset="-122"/>
-              <a:ea typeface="微软雅黑" panose="020B0503020204020204" pitchFamily="34" charset="-122"/>
-              <a:cs typeface="+mn-ea"/>
-              <a:sym typeface="+mn-lt"/>
-            </a:endParaRPr>
           </a:p>
         </p:txBody>
       </p:sp>
@@ -11726,6 +13716,7 @@
         </p:style>
         <p:txBody>
           <a:bodyPr rtlCol="0" anchor="ctr"/>
+          <a:lstStyle/>
           <a:p>
             <a:pPr algn="ctr"/>
             <a:endParaRPr lang="zh-CN" altLang="en-US" sz="1400">
@@ -11756,6 +13747,7 @@
           <a:bodyPr wrap="none">
             <a:spAutoFit/>
           </a:bodyPr>
+          <a:lstStyle/>
           <a:p>
             <a:pPr algn="ctr">
               <a:lnSpc>
@@ -11832,6 +13824,7 @@
         </p:style>
         <p:txBody>
           <a:bodyPr anchor="ctr"/>
+          <a:lstStyle/>
           <a:p>
             <a:pPr algn="ctr" fontAlgn="auto">
               <a:spcBef>
@@ -11878,6 +13871,7 @@
           <a:bodyPr wrap="none" rtlCol="0" anchor="t">
             <a:spAutoFit/>
           </a:bodyPr>
+          <a:lstStyle/>
           <a:p>
             <a:r>
               <a:rPr lang="zh-CN" altLang="en-US" b="1" dirty="0" smtClean="0">
@@ -11900,13 +13894,13 @@
   <p:clrMapOvr>
     <a:masterClrMapping/>
   </p:clrMapOvr>
-  <mc:AlternateContent xmlns:mc="http://schemas.openxmlformats.org/markup-compatibility/2006">
-    <mc:Choice xmlns:p14="http://schemas.microsoft.com/office/powerpoint/2010/main" Requires="p14">
+  <mc:AlternateContent xmlns:mc="http://schemas.openxmlformats.org/markup-compatibility/2006" xmlns:p14="http://schemas.microsoft.com/office/powerpoint/2010/main">
+    <mc:Choice Requires="p14">
       <p:transition spd="med" p14:dur="700">
         <p:fade/>
       </p:transition>
     </mc:Choice>
-    <mc:Fallback>
+    <mc:Fallback xmlns="">
       <p:transition spd="med">
         <p:fade/>
       </p:transition>
@@ -12146,7 +14140,385 @@
 </p:sld>
 </file>
 
-<file path=ppt/slides/slide24.xml><?xml version="1.0" encoding="utf-8"?>
+<file path=ppt/slides/slide3.xml><?xml version="1.0" encoding="utf-8"?>
+<p:sld xmlns:a="http://schemas.openxmlformats.org/drawingml/2006/main" xmlns:r="http://schemas.openxmlformats.org/officeDocument/2006/relationships" xmlns:p="http://schemas.openxmlformats.org/presentationml/2006/main">
+  <p:cSld>
+    <p:spTree>
+      <p:nvGrpSpPr>
+        <p:cNvPr id="1" name=""/>
+        <p:cNvGrpSpPr/>
+        <p:nvPr/>
+      </p:nvGrpSpPr>
+      <p:grpSpPr>
+        <a:xfrm>
+          <a:off x="0" y="0"/>
+          <a:ext cx="0" cy="0"/>
+          <a:chOff x="0" y="0"/>
+          <a:chExt cx="0" cy="0"/>
+        </a:xfrm>
+      </p:grpSpPr>
+      <p:grpSp>
+        <p:nvGrpSpPr>
+          <p:cNvPr id="178" name="组合 177"/>
+          <p:cNvGrpSpPr/>
+          <p:nvPr/>
+        </p:nvGrpSpPr>
+        <p:grpSpPr>
+          <a:xfrm>
+            <a:off x="-1" y="161856"/>
+            <a:ext cx="5652656" cy="923996"/>
+            <a:chOff x="-1" y="161856"/>
+            <a:chExt cx="2466975" cy="923996"/>
+          </a:xfrm>
+          <a:solidFill>
+            <a:srgbClr val="339966"/>
+          </a:solidFill>
+        </p:grpSpPr>
+        <p:sp>
+          <p:nvSpPr>
+            <p:cNvPr id="4" name="矩形: 圆顶角 3"/>
+            <p:cNvSpPr/>
+            <p:nvPr/>
+          </p:nvSpPr>
+          <p:spPr>
+            <a:xfrm rot="5400000">
+              <a:off x="771489" y="-609634"/>
+              <a:ext cx="923996" cy="2466975"/>
+            </a:xfrm>
+            <a:prstGeom prst="round2SameRect">
+              <a:avLst>
+                <a:gd name="adj1" fmla="val 50000"/>
+                <a:gd name="adj2" fmla="val 0"/>
+              </a:avLst>
+            </a:prstGeom>
+            <a:grpFill/>
+            <a:ln>
+              <a:noFill/>
+            </a:ln>
+          </p:spPr>
+          <p:style>
+            <a:lnRef idx="2">
+              <a:schemeClr val="accent1">
+                <a:shade val="50000"/>
+              </a:schemeClr>
+            </a:lnRef>
+            <a:fillRef idx="1">
+              <a:schemeClr val="accent1"/>
+            </a:fillRef>
+            <a:effectRef idx="0">
+              <a:schemeClr val="accent1"/>
+            </a:effectRef>
+            <a:fontRef idx="minor">
+              <a:schemeClr val="lt1"/>
+            </a:fontRef>
+          </p:style>
+          <p:txBody>
+            <a:bodyPr rtlCol="0" anchor="ctr"/>
+            <a:lstStyle/>
+            <a:p>
+              <a:pPr algn="ctr"/>
+              <a:endParaRPr lang="zh-CN" altLang="en-US"/>
+            </a:p>
+          </p:txBody>
+        </p:sp>
+        <p:sp>
+          <p:nvSpPr>
+            <p:cNvPr id="6" name="文本框 5"/>
+            <p:cNvSpPr txBox="1"/>
+            <p:nvPr/>
+          </p:nvSpPr>
+          <p:spPr>
+            <a:xfrm>
+              <a:off x="41088" y="360618"/>
+              <a:ext cx="2109786" cy="483235"/>
+            </a:xfrm>
+            <a:prstGeom prst="rect">
+              <a:avLst/>
+            </a:prstGeom>
+            <a:grpFill/>
+          </p:spPr>
+          <p:txBody>
+            <a:bodyPr wrap="square" rtlCol="0" anchor="ctr">
+              <a:spAutoFit/>
+            </a:bodyPr>
+            <a:lstStyle/>
+            <a:p>
+              <a:r>
+                <a:rPr lang="zh-CN" altLang="en-US" sz="2400" b="1" dirty="0" smtClean="0">
+                  <a:solidFill>
+                    <a:schemeClr val="bg1"/>
+                  </a:solidFill>
+                  <a:latin typeface="微软雅黑" panose="020B0503020204020204" pitchFamily="34" charset="-122"/>
+                  <a:ea typeface="微软雅黑" panose="020B0503020204020204" pitchFamily="34" charset="-122"/>
+                </a:rPr>
+                <a:t>前世今生</a:t>
+              </a:r>
+            </a:p>
+          </p:txBody>
+        </p:sp>
+      </p:grpSp>
+      <p:sp>
+        <p:nvSpPr>
+          <p:cNvPr id="3" name="文本框 2"/>
+          <p:cNvSpPr txBox="1"/>
+          <p:nvPr/>
+        </p:nvSpPr>
+        <p:spPr>
+          <a:xfrm>
+            <a:off x="319405" y="1378585"/>
+            <a:ext cx="10724515" cy="4375785"/>
+          </a:xfrm>
+          <a:prstGeom prst="rect">
+            <a:avLst/>
+          </a:prstGeom>
+          <a:noFill/>
+        </p:spPr>
+        <p:txBody>
+          <a:bodyPr wrap="square" rtlCol="0" anchor="t">
+            <a:spAutoFit/>
+          </a:bodyPr>
+          <a:lstStyle/>
+          <a:p>
+            <a:r>
+              <a:rPr sz="1600" b="1" dirty="0">
+                <a:solidFill>
+                  <a:srgbClr val="339966"/>
+                </a:solidFill>
+                <a:latin typeface="微软雅黑" panose="020B0503020204020204" pitchFamily="34" charset="-122"/>
+                <a:ea typeface="微软雅黑" panose="020B0503020204020204" pitchFamily="34" charset="-122"/>
+                <a:sym typeface="+mn-ea"/>
+              </a:rPr>
+              <a:t>1、</a:t>
+            </a:r>
+            <a:r>
+              <a:rPr lang="zh-CN" sz="1600" b="1" dirty="0">
+                <a:solidFill>
+                  <a:srgbClr val="339966"/>
+                </a:solidFill>
+                <a:latin typeface="微软雅黑" panose="020B0503020204020204" pitchFamily="34" charset="-122"/>
+                <a:ea typeface="微软雅黑" panose="020B0503020204020204" pitchFamily="34" charset="-122"/>
+                <a:sym typeface="+mn-ea"/>
+              </a:rPr>
+              <a:t>对外公布</a:t>
+            </a:r>
+          </a:p>
+          <a:p>
+            <a:pPr lvl="1" algn="l">
+              <a:lnSpc>
+                <a:spcPct val="150000"/>
+              </a:lnSpc>
+            </a:pPr>
+            <a:r>
+              <a:rPr sz="1600" dirty="0">
+                <a:latin typeface="微软雅黑" panose="020B0503020204020204" pitchFamily="34" charset="-122"/>
+                <a:ea typeface="微软雅黑" panose="020B0503020204020204" pitchFamily="34" charset="-122"/>
+              </a:rPr>
+              <a:t>Hello World</a:t>
+            </a:r>
+          </a:p>
+          <a:p>
+            <a:pPr lvl="1" algn="l">
+              <a:lnSpc>
+                <a:spcPct val="150000"/>
+              </a:lnSpc>
+            </a:pPr>
+            <a:r>
+              <a:rPr sz="1600" dirty="0">
+                <a:latin typeface="微软雅黑" panose="020B0503020204020204" pitchFamily="34" charset="-122"/>
+                <a:ea typeface="微软雅黑" panose="020B0503020204020204" pitchFamily="34" charset="-122"/>
+              </a:rPr>
+              <a:t>Posted on July 19, 2011 by Dmitry Jemerov</a:t>
+            </a:r>
+          </a:p>
+          <a:p>
+            <a:pPr lvl="1" algn="l">
+              <a:lnSpc>
+                <a:spcPct val="150000"/>
+              </a:lnSpc>
+            </a:pPr>
+            <a:r>
+              <a:rPr sz="1600" dirty="0">
+                <a:latin typeface="微软雅黑" panose="020B0503020204020204" pitchFamily="34" charset="-122"/>
+                <a:ea typeface="微软雅黑" panose="020B0503020204020204" pitchFamily="34" charset="-122"/>
+              </a:rPr>
+              <a:t>Today at the JVM Language Summit, JetBrains is unveiling the new project we’ve been working on for almost a year now. The project is Kotlin, a new statically typed programming language for the JVM.</a:t>
+            </a:r>
+          </a:p>
+          <a:p>
+            <a:pPr marL="0" lvl="1" algn="l">
+              <a:lnSpc>
+                <a:spcPct val="150000"/>
+              </a:lnSpc>
+            </a:pPr>
+            <a:endParaRPr sz="1600" dirty="0">
+              <a:latin typeface="微软雅黑" panose="020B0503020204020204" pitchFamily="34" charset="-122"/>
+              <a:ea typeface="微软雅黑" panose="020B0503020204020204" pitchFamily="34" charset="-122"/>
+            </a:endParaRPr>
+          </a:p>
+          <a:p>
+            <a:pPr algn="l">
+              <a:lnSpc>
+                <a:spcPct val="150000"/>
+              </a:lnSpc>
+            </a:pPr>
+            <a:r>
+              <a:rPr lang="en-US" sz="1600" b="1" dirty="0">
+                <a:solidFill>
+                  <a:srgbClr val="339966"/>
+                </a:solidFill>
+                <a:latin typeface="微软雅黑" panose="020B0503020204020204" pitchFamily="34" charset="-122"/>
+                <a:ea typeface="微软雅黑" panose="020B0503020204020204" pitchFamily="34" charset="-122"/>
+                <a:sym typeface="+mn-ea"/>
+              </a:rPr>
+              <a:t>2</a:t>
+            </a:r>
+            <a:r>
+              <a:rPr sz="1600" b="1" dirty="0">
+                <a:solidFill>
+                  <a:srgbClr val="339966"/>
+                </a:solidFill>
+                <a:latin typeface="微软雅黑" panose="020B0503020204020204" pitchFamily="34" charset="-122"/>
+                <a:ea typeface="微软雅黑" panose="020B0503020204020204" pitchFamily="34" charset="-122"/>
+                <a:sym typeface="+mn-ea"/>
+              </a:rPr>
+              <a:t>、</a:t>
+            </a:r>
+            <a:r>
+              <a:rPr lang="en-US" sz="1600" b="1" dirty="0">
+                <a:solidFill>
+                  <a:srgbClr val="339966"/>
+                </a:solidFill>
+                <a:latin typeface="微软雅黑" panose="020B0503020204020204" pitchFamily="34" charset="-122"/>
+                <a:ea typeface="微软雅黑" panose="020B0503020204020204" pitchFamily="34" charset="-122"/>
+                <a:sym typeface="+mn-ea"/>
+              </a:rPr>
+              <a:t>google</a:t>
+            </a:r>
+            <a:r>
+              <a:rPr lang="zh-CN" altLang="en-US" sz="1600" b="1" dirty="0">
+                <a:solidFill>
+                  <a:srgbClr val="339966"/>
+                </a:solidFill>
+                <a:latin typeface="微软雅黑" panose="020B0503020204020204" pitchFamily="34" charset="-122"/>
+                <a:ea typeface="微软雅黑" panose="020B0503020204020204" pitchFamily="34" charset="-122"/>
+                <a:sym typeface="+mn-ea"/>
+              </a:rPr>
+              <a:t>认领</a:t>
+            </a:r>
+          </a:p>
+          <a:p>
+            <a:pPr lvl="1" algn="l">
+              <a:lnSpc>
+                <a:spcPct val="150000"/>
+              </a:lnSpc>
+              <a:buNone/>
+            </a:pPr>
+            <a:r>
+              <a:rPr sz="1600" dirty="0">
+                <a:latin typeface="微软雅黑" panose="020B0503020204020204" pitchFamily="34" charset="-122"/>
+                <a:ea typeface="微软雅黑" panose="020B0503020204020204" pitchFamily="34" charset="-122"/>
+              </a:rPr>
+              <a:t>Google I/O 2017</a:t>
+            </a:r>
+          </a:p>
+          <a:p>
+            <a:pPr lvl="1" algn="l">
+              <a:lnSpc>
+                <a:spcPct val="150000"/>
+              </a:lnSpc>
+              <a:buNone/>
+            </a:pPr>
+            <a:r>
+              <a:rPr sz="1600" dirty="0">
+                <a:latin typeface="微软雅黑" panose="020B0503020204020204" pitchFamily="34" charset="-122"/>
+                <a:ea typeface="微软雅黑" panose="020B0503020204020204" pitchFamily="34" charset="-122"/>
+              </a:rPr>
+              <a:t>Google makes Kotlin a first-class language for writing Android apps</a:t>
+            </a:r>
+          </a:p>
+          <a:p>
+            <a:endParaRPr sz="1600" dirty="0">
+              <a:latin typeface="微软雅黑" panose="020B0503020204020204" pitchFamily="34" charset="-122"/>
+              <a:ea typeface="微软雅黑" panose="020B0503020204020204" pitchFamily="34" charset="-122"/>
+            </a:endParaRPr>
+          </a:p>
+          <a:p>
+            <a:endParaRPr sz="1600" dirty="0">
+              <a:latin typeface="微软雅黑" panose="020B0503020204020204" pitchFamily="34" charset="-122"/>
+              <a:ea typeface="微软雅黑" panose="020B0503020204020204" pitchFamily="34" charset="-122"/>
+            </a:endParaRPr>
+          </a:p>
+          <a:p>
+            <a:r>
+              <a:rPr lang="en-US" sz="1600" b="1" dirty="0">
+                <a:solidFill>
+                  <a:srgbClr val="339966"/>
+                </a:solidFill>
+                <a:latin typeface="微软雅黑" panose="020B0503020204020204" pitchFamily="34" charset="-122"/>
+                <a:ea typeface="微软雅黑" panose="020B0503020204020204" pitchFamily="34" charset="-122"/>
+                <a:sym typeface="+mn-ea"/>
+              </a:rPr>
+              <a:t>3</a:t>
+            </a:r>
+            <a:r>
+              <a:rPr sz="1600" b="1" dirty="0">
+                <a:solidFill>
+                  <a:srgbClr val="339966"/>
+                </a:solidFill>
+                <a:latin typeface="微软雅黑" panose="020B0503020204020204" pitchFamily="34" charset="-122"/>
+                <a:ea typeface="微软雅黑" panose="020B0503020204020204" pitchFamily="34" charset="-122"/>
+                <a:sym typeface="+mn-ea"/>
+              </a:rPr>
+              <a:t>、</a:t>
+            </a:r>
+            <a:r>
+              <a:rPr lang="zh-CN" sz="1600" b="1" dirty="0">
+                <a:solidFill>
+                  <a:srgbClr val="339966"/>
+                </a:solidFill>
+                <a:latin typeface="微软雅黑" panose="020B0503020204020204" pitchFamily="34" charset="-122"/>
+                <a:ea typeface="微软雅黑" panose="020B0503020204020204" pitchFamily="34" charset="-122"/>
+                <a:sym typeface="+mn-ea"/>
+              </a:rPr>
+              <a:t>排名</a:t>
+            </a:r>
+          </a:p>
+          <a:p>
+            <a:pPr lvl="0" algn="l">
+              <a:lnSpc>
+                <a:spcPct val="150000"/>
+              </a:lnSpc>
+              <a:buNone/>
+            </a:pPr>
+            <a:r>
+              <a:rPr sz="1600" dirty="0">
+                <a:latin typeface="微软雅黑" panose="020B0503020204020204" pitchFamily="34" charset="-122"/>
+                <a:ea typeface="微软雅黑" panose="020B0503020204020204" pitchFamily="34" charset="-122"/>
+              </a:rPr>
+              <a:t>       TIOBE 2018.8  43  Kotlin</a:t>
+            </a:r>
+          </a:p>
+        </p:txBody>
+      </p:sp>
+    </p:spTree>
+  </p:cSld>
+  <p:clrMapOvr>
+    <a:masterClrMapping/>
+  </p:clrMapOvr>
+  <p:transition spd="slow">
+    <p:fade/>
+  </p:transition>
+  <p:timing>
+    <p:tnLst>
+      <p:par>
+        <p:cTn id="1" dur="indefinite" restart="never" nodeType="tmRoot"/>
+      </p:par>
+    </p:tnLst>
+  </p:timing>
+</p:sld>
+</file>
+
+<file path=ppt/slides/slide30.xml><?xml version="1.0" encoding="utf-8"?>
 <p:sld xmlns:a="http://schemas.openxmlformats.org/drawingml/2006/main" xmlns:r="http://schemas.openxmlformats.org/officeDocument/2006/relationships" xmlns:p="http://schemas.openxmlformats.org/presentationml/2006/main">
   <p:cSld>
     <p:spTree>
@@ -12259,13 +14631,6 @@
                 </a:rPr>
                 <a:t>参考资料</a:t>
               </a:r>
-              <a:endParaRPr lang="zh-CN" altLang="en-US" sz="2400" b="1" dirty="0" smtClean="0">
-                <a:solidFill>
-                  <a:schemeClr val="bg1"/>
-                </a:solidFill>
-                <a:latin typeface="微软雅黑" panose="020B0503020204020204" pitchFamily="34" charset="-122"/>
-                <a:ea typeface="微软雅黑" panose="020B0503020204020204" pitchFamily="34" charset="-122"/>
-              </a:endParaRPr>
             </a:p>
           </p:txBody>
         </p:sp>
@@ -12303,13 +14668,6 @@
               </a:rPr>
               <a:t>https://kotlinlang.org/</a:t>
             </a:r>
-            <a:endParaRPr sz="1600" b="1" dirty="0">
-              <a:solidFill>
-                <a:srgbClr val="339966"/>
-              </a:solidFill>
-              <a:latin typeface="微软雅黑" panose="020B0503020204020204" pitchFamily="34" charset="-122"/>
-              <a:ea typeface="微软雅黑" panose="020B0503020204020204" pitchFamily="34" charset="-122"/>
-            </a:endParaRPr>
           </a:p>
           <a:p>
             <a:pPr lvl="1"/>
@@ -12323,13 +14681,6 @@
               </a:rPr>
               <a:t>https://www.kotlincn.net/</a:t>
             </a:r>
-            <a:endParaRPr sz="1600" b="1" dirty="0">
-              <a:solidFill>
-                <a:srgbClr val="339966"/>
-              </a:solidFill>
-              <a:latin typeface="微软雅黑" panose="020B0503020204020204" pitchFamily="34" charset="-122"/>
-              <a:ea typeface="微软雅黑" panose="020B0503020204020204" pitchFamily="34" charset="-122"/>
-            </a:endParaRPr>
           </a:p>
           <a:p>
             <a:pPr lvl="1"/>
@@ -12343,13 +14694,6 @@
               </a:rPr>
               <a:t>https://blog.jetbrains.com/kotlin</a:t>
             </a:r>
-            <a:endParaRPr sz="1600" b="1" dirty="0">
-              <a:solidFill>
-                <a:srgbClr val="339966"/>
-              </a:solidFill>
-              <a:latin typeface="微软雅黑" panose="020B0503020204020204" pitchFamily="34" charset="-122"/>
-              <a:ea typeface="微软雅黑" panose="020B0503020204020204" pitchFamily="34" charset="-122"/>
-            </a:endParaRPr>
           </a:p>
           <a:p>
             <a:pPr lvl="1" algn="l"/>
@@ -12363,13 +14707,6 @@
               </a:rPr>
               <a:t>https://github.com/Kotlin/kotlin-koans</a:t>
             </a:r>
-            <a:endParaRPr sz="1600" b="1" dirty="0">
-              <a:solidFill>
-                <a:srgbClr val="339966"/>
-              </a:solidFill>
-              <a:latin typeface="微软雅黑" panose="020B0503020204020204" pitchFamily="34" charset="-122"/>
-              <a:ea typeface="微软雅黑" panose="020B0503020204020204" pitchFamily="34" charset="-122"/>
-            </a:endParaRPr>
           </a:p>
           <a:p>
             <a:pPr lvl="1"/>
@@ -12401,7 +14738,7 @@
 </p:sld>
 </file>
 
-<file path=ppt/slides/slide25.xml><?xml version="1.0" encoding="utf-8"?>
+<file path=ppt/slides/slide31.xml><?xml version="1.0" encoding="utf-8"?>
 <p:sld xmlns:a="http://schemas.openxmlformats.org/drawingml/2006/main" xmlns:r="http://schemas.openxmlformats.org/officeDocument/2006/relationships" xmlns:p="http://schemas.openxmlformats.org/presentationml/2006/main">
   <p:cSld>
     <p:spTree>
@@ -14508,13 +16845,13 @@
   <p:clrMapOvr>
     <a:masterClrMapping/>
   </p:clrMapOvr>
-  <mc:AlternateContent xmlns:mc="http://schemas.openxmlformats.org/markup-compatibility/2006">
-    <mc:Choice xmlns:p14="http://schemas.microsoft.com/office/powerpoint/2010/main" Requires="p14">
+  <mc:AlternateContent xmlns:mc="http://schemas.openxmlformats.org/markup-compatibility/2006" xmlns:p14="http://schemas.microsoft.com/office/powerpoint/2010/main">
+    <mc:Choice Requires="p14">
       <p:transition spd="med" p14:dur="700">
         <p:fade/>
       </p:transition>
     </mc:Choice>
-    <mc:Fallback>
+    <mc:Fallback xmlns="">
       <p:transition spd="med">
         <p:fade/>
       </p:transition>
@@ -14914,439 +17251,6 @@
 </p:sld>
 </file>
 
-<file path=ppt/slides/slide3.xml><?xml version="1.0" encoding="utf-8"?>
-<p:sld xmlns:a="http://schemas.openxmlformats.org/drawingml/2006/main" xmlns:r="http://schemas.openxmlformats.org/officeDocument/2006/relationships" xmlns:p="http://schemas.openxmlformats.org/presentationml/2006/main">
-  <p:cSld>
-    <p:spTree>
-      <p:nvGrpSpPr>
-        <p:cNvPr id="1" name=""/>
-        <p:cNvGrpSpPr/>
-        <p:nvPr/>
-      </p:nvGrpSpPr>
-      <p:grpSpPr>
-        <a:xfrm>
-          <a:off x="0" y="0"/>
-          <a:ext cx="0" cy="0"/>
-          <a:chOff x="0" y="0"/>
-          <a:chExt cx="0" cy="0"/>
-        </a:xfrm>
-      </p:grpSpPr>
-      <p:grpSp>
-        <p:nvGrpSpPr>
-          <p:cNvPr id="178" name="组合 177"/>
-          <p:cNvGrpSpPr/>
-          <p:nvPr/>
-        </p:nvGrpSpPr>
-        <p:grpSpPr>
-          <a:xfrm>
-            <a:off x="-1" y="161856"/>
-            <a:ext cx="5652656" cy="923996"/>
-            <a:chOff x="-1" y="161856"/>
-            <a:chExt cx="2466975" cy="923996"/>
-          </a:xfrm>
-          <a:solidFill>
-            <a:srgbClr val="339966"/>
-          </a:solidFill>
-        </p:grpSpPr>
-        <p:sp>
-          <p:nvSpPr>
-            <p:cNvPr id="4" name="矩形: 圆顶角 3"/>
-            <p:cNvSpPr/>
-            <p:nvPr/>
-          </p:nvSpPr>
-          <p:spPr>
-            <a:xfrm rot="5400000">
-              <a:off x="771489" y="-609634"/>
-              <a:ext cx="923996" cy="2466975"/>
-            </a:xfrm>
-            <a:prstGeom prst="round2SameRect">
-              <a:avLst>
-                <a:gd name="adj1" fmla="val 50000"/>
-                <a:gd name="adj2" fmla="val 0"/>
-              </a:avLst>
-            </a:prstGeom>
-            <a:grpFill/>
-            <a:ln>
-              <a:noFill/>
-            </a:ln>
-          </p:spPr>
-          <p:style>
-            <a:lnRef idx="2">
-              <a:schemeClr val="accent1">
-                <a:shade val="50000"/>
-              </a:schemeClr>
-            </a:lnRef>
-            <a:fillRef idx="1">
-              <a:schemeClr val="accent1"/>
-            </a:fillRef>
-            <a:effectRef idx="0">
-              <a:schemeClr val="accent1"/>
-            </a:effectRef>
-            <a:fontRef idx="minor">
-              <a:schemeClr val="lt1"/>
-            </a:fontRef>
-          </p:style>
-          <p:txBody>
-            <a:bodyPr rtlCol="0" anchor="ctr"/>
-            <a:lstStyle/>
-            <a:p>
-              <a:pPr algn="ctr"/>
-              <a:endParaRPr lang="zh-CN" altLang="en-US"/>
-            </a:p>
-          </p:txBody>
-        </p:sp>
-        <p:sp>
-          <p:nvSpPr>
-            <p:cNvPr id="6" name="文本框 5"/>
-            <p:cNvSpPr txBox="1"/>
-            <p:nvPr/>
-          </p:nvSpPr>
-          <p:spPr>
-            <a:xfrm>
-              <a:off x="41088" y="360618"/>
-              <a:ext cx="2109786" cy="483235"/>
-            </a:xfrm>
-            <a:prstGeom prst="rect">
-              <a:avLst/>
-            </a:prstGeom>
-            <a:grpFill/>
-          </p:spPr>
-          <p:txBody>
-            <a:bodyPr wrap="square" rtlCol="0" anchor="ctr">
-              <a:spAutoFit/>
-            </a:bodyPr>
-            <a:lstStyle/>
-            <a:p>
-              <a:r>
-                <a:rPr lang="zh-CN" altLang="en-US" sz="2400" b="1" dirty="0" smtClean="0">
-                  <a:solidFill>
-                    <a:schemeClr val="bg1"/>
-                  </a:solidFill>
-                  <a:latin typeface="微软雅黑" panose="020B0503020204020204" pitchFamily="34" charset="-122"/>
-                  <a:ea typeface="微软雅黑" panose="020B0503020204020204" pitchFamily="34" charset="-122"/>
-                </a:rPr>
-                <a:t>前世今生</a:t>
-              </a:r>
-              <a:endParaRPr lang="zh-CN" altLang="en-US" sz="2400" b="1" dirty="0" smtClean="0">
-                <a:solidFill>
-                  <a:schemeClr val="bg1"/>
-                </a:solidFill>
-                <a:latin typeface="微软雅黑" panose="020B0503020204020204" pitchFamily="34" charset="-122"/>
-                <a:ea typeface="微软雅黑" panose="020B0503020204020204" pitchFamily="34" charset="-122"/>
-              </a:endParaRPr>
-            </a:p>
-          </p:txBody>
-        </p:sp>
-      </p:grpSp>
-      <p:sp>
-        <p:nvSpPr>
-          <p:cNvPr id="3" name="文本框 2"/>
-          <p:cNvSpPr txBox="1"/>
-          <p:nvPr/>
-        </p:nvSpPr>
-        <p:spPr>
-          <a:xfrm>
-            <a:off x="319405" y="1378585"/>
-            <a:ext cx="10724515" cy="4375785"/>
-          </a:xfrm>
-          <a:prstGeom prst="rect">
-            <a:avLst/>
-          </a:prstGeom>
-          <a:noFill/>
-        </p:spPr>
-        <p:txBody>
-          <a:bodyPr wrap="square" rtlCol="0" anchor="t">
-            <a:spAutoFit/>
-          </a:bodyPr>
-          <a:lstStyle/>
-          <a:p>
-            <a:r>
-              <a:rPr sz="1600" b="1" dirty="0">
-                <a:solidFill>
-                  <a:srgbClr val="339966"/>
-                </a:solidFill>
-                <a:latin typeface="微软雅黑" panose="020B0503020204020204" pitchFamily="34" charset="-122"/>
-                <a:ea typeface="微软雅黑" panose="020B0503020204020204" pitchFamily="34" charset="-122"/>
-                <a:sym typeface="+mn-ea"/>
-              </a:rPr>
-              <a:t>1、</a:t>
-            </a:r>
-            <a:r>
-              <a:rPr lang="zh-CN" sz="1600" b="1" dirty="0">
-                <a:solidFill>
-                  <a:srgbClr val="339966"/>
-                </a:solidFill>
-                <a:latin typeface="微软雅黑" panose="020B0503020204020204" pitchFamily="34" charset="-122"/>
-                <a:ea typeface="微软雅黑" panose="020B0503020204020204" pitchFamily="34" charset="-122"/>
-                <a:sym typeface="+mn-ea"/>
-              </a:rPr>
-              <a:t>对外公布</a:t>
-            </a:r>
-            <a:endParaRPr lang="zh-CN" sz="1600" b="1" dirty="0">
-              <a:solidFill>
-                <a:srgbClr val="339966"/>
-              </a:solidFill>
-              <a:latin typeface="微软雅黑" panose="020B0503020204020204" pitchFamily="34" charset="-122"/>
-              <a:ea typeface="微软雅黑" panose="020B0503020204020204" pitchFamily="34" charset="-122"/>
-              <a:sym typeface="+mn-ea"/>
-            </a:endParaRPr>
-          </a:p>
-          <a:p>
-            <a:pPr lvl="1" algn="l">
-              <a:lnSpc>
-                <a:spcPct val="150000"/>
-              </a:lnSpc>
-            </a:pPr>
-            <a:r>
-              <a:rPr sz="1600" dirty="0">
-                <a:latin typeface="微软雅黑" panose="020B0503020204020204" pitchFamily="34" charset="-122"/>
-                <a:ea typeface="微软雅黑" panose="020B0503020204020204" pitchFamily="34" charset="-122"/>
-              </a:rPr>
-              <a:t>Hello World</a:t>
-            </a:r>
-            <a:endParaRPr sz="1600" dirty="0">
-              <a:latin typeface="微软雅黑" panose="020B0503020204020204" pitchFamily="34" charset="-122"/>
-              <a:ea typeface="微软雅黑" panose="020B0503020204020204" pitchFamily="34" charset="-122"/>
-            </a:endParaRPr>
-          </a:p>
-          <a:p>
-            <a:pPr lvl="1" algn="l">
-              <a:lnSpc>
-                <a:spcPct val="150000"/>
-              </a:lnSpc>
-            </a:pPr>
-            <a:r>
-              <a:rPr sz="1600" dirty="0">
-                <a:latin typeface="微软雅黑" panose="020B0503020204020204" pitchFamily="34" charset="-122"/>
-                <a:ea typeface="微软雅黑" panose="020B0503020204020204" pitchFamily="34" charset="-122"/>
-              </a:rPr>
-              <a:t>Posted on July 19, 2011 by Dmitry Jemerov</a:t>
-            </a:r>
-            <a:endParaRPr sz="1600" dirty="0">
-              <a:latin typeface="微软雅黑" panose="020B0503020204020204" pitchFamily="34" charset="-122"/>
-              <a:ea typeface="微软雅黑" panose="020B0503020204020204" pitchFamily="34" charset="-122"/>
-            </a:endParaRPr>
-          </a:p>
-          <a:p>
-            <a:pPr lvl="1" algn="l">
-              <a:lnSpc>
-                <a:spcPct val="150000"/>
-              </a:lnSpc>
-            </a:pPr>
-            <a:r>
-              <a:rPr sz="1600" dirty="0">
-                <a:latin typeface="微软雅黑" panose="020B0503020204020204" pitchFamily="34" charset="-122"/>
-                <a:ea typeface="微软雅黑" panose="020B0503020204020204" pitchFamily="34" charset="-122"/>
-              </a:rPr>
-              <a:t>Today at the JVM Language Summit, JetBrains is unveiling the new project we’ve been working on for almost a year now. The project is Kotlin, a new statically typed programming language for the JVM.</a:t>
-            </a:r>
-            <a:endParaRPr sz="1600" dirty="0">
-              <a:latin typeface="微软雅黑" panose="020B0503020204020204" pitchFamily="34" charset="-122"/>
-              <a:ea typeface="微软雅黑" panose="020B0503020204020204" pitchFamily="34" charset="-122"/>
-            </a:endParaRPr>
-          </a:p>
-          <a:p>
-            <a:pPr marL="0" lvl="1" algn="l">
-              <a:lnSpc>
-                <a:spcPct val="150000"/>
-              </a:lnSpc>
-            </a:pPr>
-            <a:endParaRPr sz="1600" dirty="0">
-              <a:latin typeface="微软雅黑" panose="020B0503020204020204" pitchFamily="34" charset="-122"/>
-              <a:ea typeface="微软雅黑" panose="020B0503020204020204" pitchFamily="34" charset="-122"/>
-            </a:endParaRPr>
-          </a:p>
-          <a:p>
-            <a:pPr algn="l">
-              <a:lnSpc>
-                <a:spcPct val="150000"/>
-              </a:lnSpc>
-            </a:pPr>
-            <a:r>
-              <a:rPr lang="en-US" sz="1600" b="1" dirty="0">
-                <a:solidFill>
-                  <a:srgbClr val="339966"/>
-                </a:solidFill>
-                <a:latin typeface="微软雅黑" panose="020B0503020204020204" pitchFamily="34" charset="-122"/>
-                <a:ea typeface="微软雅黑" panose="020B0503020204020204" pitchFamily="34" charset="-122"/>
-                <a:sym typeface="+mn-ea"/>
-              </a:rPr>
-              <a:t>2</a:t>
-            </a:r>
-            <a:r>
-              <a:rPr sz="1600" b="1" dirty="0">
-                <a:solidFill>
-                  <a:srgbClr val="339966"/>
-                </a:solidFill>
-                <a:latin typeface="微软雅黑" panose="020B0503020204020204" pitchFamily="34" charset="-122"/>
-                <a:ea typeface="微软雅黑" panose="020B0503020204020204" pitchFamily="34" charset="-122"/>
-                <a:sym typeface="+mn-ea"/>
-              </a:rPr>
-              <a:t>、</a:t>
-            </a:r>
-            <a:r>
-              <a:rPr lang="en-US" sz="1600" b="1" dirty="0">
-                <a:solidFill>
-                  <a:srgbClr val="339966"/>
-                </a:solidFill>
-                <a:latin typeface="微软雅黑" panose="020B0503020204020204" pitchFamily="34" charset="-122"/>
-                <a:ea typeface="微软雅黑" panose="020B0503020204020204" pitchFamily="34" charset="-122"/>
-                <a:sym typeface="+mn-ea"/>
-              </a:rPr>
-              <a:t>google</a:t>
-            </a:r>
-            <a:r>
-              <a:rPr lang="zh-CN" altLang="en-US" sz="1600" b="1" dirty="0">
-                <a:solidFill>
-                  <a:srgbClr val="339966"/>
-                </a:solidFill>
-                <a:latin typeface="微软雅黑" panose="020B0503020204020204" pitchFamily="34" charset="-122"/>
-                <a:ea typeface="微软雅黑" panose="020B0503020204020204" pitchFamily="34" charset="-122"/>
-                <a:sym typeface="+mn-ea"/>
-              </a:rPr>
-              <a:t>认领</a:t>
-            </a:r>
-            <a:endParaRPr lang="zh-CN" altLang="en-US" sz="1600" b="1" dirty="0">
-              <a:solidFill>
-                <a:srgbClr val="339966"/>
-              </a:solidFill>
-              <a:latin typeface="微软雅黑" panose="020B0503020204020204" pitchFamily="34" charset="-122"/>
-              <a:ea typeface="微软雅黑" panose="020B0503020204020204" pitchFamily="34" charset="-122"/>
-              <a:sym typeface="+mn-ea"/>
-            </a:endParaRPr>
-          </a:p>
-          <a:p>
-            <a:pPr lvl="1" algn="l">
-              <a:lnSpc>
-                <a:spcPct val="150000"/>
-              </a:lnSpc>
-              <a:buNone/>
-            </a:pPr>
-            <a:r>
-              <a:rPr sz="1600" dirty="0">
-                <a:latin typeface="微软雅黑" panose="020B0503020204020204" pitchFamily="34" charset="-122"/>
-                <a:ea typeface="微软雅黑" panose="020B0503020204020204" pitchFamily="34" charset="-122"/>
-              </a:rPr>
-              <a:t>Google I/O 2017</a:t>
-            </a:r>
-            <a:endParaRPr sz="1600" dirty="0">
-              <a:latin typeface="微软雅黑" panose="020B0503020204020204" pitchFamily="34" charset="-122"/>
-              <a:ea typeface="微软雅黑" panose="020B0503020204020204" pitchFamily="34" charset="-122"/>
-            </a:endParaRPr>
-          </a:p>
-          <a:p>
-            <a:pPr lvl="1" algn="l">
-              <a:lnSpc>
-                <a:spcPct val="150000"/>
-              </a:lnSpc>
-              <a:buNone/>
-            </a:pPr>
-            <a:r>
-              <a:rPr sz="1600" dirty="0">
-                <a:latin typeface="微软雅黑" panose="020B0503020204020204" pitchFamily="34" charset="-122"/>
-                <a:ea typeface="微软雅黑" panose="020B0503020204020204" pitchFamily="34" charset="-122"/>
-              </a:rPr>
-              <a:t>Google makes Kotlin a first-class language for writing Android apps</a:t>
-            </a:r>
-            <a:endParaRPr sz="1600" dirty="0">
-              <a:latin typeface="微软雅黑" panose="020B0503020204020204" pitchFamily="34" charset="-122"/>
-              <a:ea typeface="微软雅黑" panose="020B0503020204020204" pitchFamily="34" charset="-122"/>
-            </a:endParaRPr>
-          </a:p>
-          <a:p>
-            <a:endParaRPr sz="1600" dirty="0">
-              <a:latin typeface="微软雅黑" panose="020B0503020204020204" pitchFamily="34" charset="-122"/>
-              <a:ea typeface="微软雅黑" panose="020B0503020204020204" pitchFamily="34" charset="-122"/>
-            </a:endParaRPr>
-          </a:p>
-          <a:p>
-            <a:endParaRPr sz="1600" dirty="0">
-              <a:latin typeface="微软雅黑" panose="020B0503020204020204" pitchFamily="34" charset="-122"/>
-              <a:ea typeface="微软雅黑" panose="020B0503020204020204" pitchFamily="34" charset="-122"/>
-            </a:endParaRPr>
-          </a:p>
-          <a:p>
-            <a:r>
-              <a:rPr lang="en-US" sz="1600" b="1" dirty="0">
-                <a:solidFill>
-                  <a:srgbClr val="339966"/>
-                </a:solidFill>
-                <a:latin typeface="微软雅黑" panose="020B0503020204020204" pitchFamily="34" charset="-122"/>
-                <a:ea typeface="微软雅黑" panose="020B0503020204020204" pitchFamily="34" charset="-122"/>
-                <a:sym typeface="+mn-ea"/>
-              </a:rPr>
-              <a:t>3</a:t>
-            </a:r>
-            <a:r>
-              <a:rPr sz="1600" b="1" dirty="0">
-                <a:solidFill>
-                  <a:srgbClr val="339966"/>
-                </a:solidFill>
-                <a:latin typeface="微软雅黑" panose="020B0503020204020204" pitchFamily="34" charset="-122"/>
-                <a:ea typeface="微软雅黑" panose="020B0503020204020204" pitchFamily="34" charset="-122"/>
-                <a:sym typeface="+mn-ea"/>
-              </a:rPr>
-              <a:t>、</a:t>
-            </a:r>
-            <a:r>
-              <a:rPr lang="zh-CN" sz="1600" b="1" dirty="0">
-                <a:solidFill>
-                  <a:srgbClr val="339966"/>
-                </a:solidFill>
-                <a:latin typeface="微软雅黑" panose="020B0503020204020204" pitchFamily="34" charset="-122"/>
-                <a:ea typeface="微软雅黑" panose="020B0503020204020204" pitchFamily="34" charset="-122"/>
-                <a:sym typeface="+mn-ea"/>
-              </a:rPr>
-              <a:t>排名</a:t>
-            </a:r>
-            <a:endParaRPr lang="zh-CN" sz="1600" b="1" dirty="0">
-              <a:solidFill>
-                <a:srgbClr val="339966"/>
-              </a:solidFill>
-              <a:latin typeface="微软雅黑" panose="020B0503020204020204" pitchFamily="34" charset="-122"/>
-              <a:ea typeface="微软雅黑" panose="020B0503020204020204" pitchFamily="34" charset="-122"/>
-              <a:sym typeface="+mn-ea"/>
-            </a:endParaRPr>
-          </a:p>
-          <a:p>
-            <a:pPr lvl="0" algn="l">
-              <a:lnSpc>
-                <a:spcPct val="150000"/>
-              </a:lnSpc>
-              <a:buNone/>
-            </a:pPr>
-            <a:r>
-              <a:rPr sz="1600" dirty="0">
-                <a:latin typeface="微软雅黑" panose="020B0503020204020204" pitchFamily="34" charset="-122"/>
-                <a:ea typeface="微软雅黑" panose="020B0503020204020204" pitchFamily="34" charset="-122"/>
-              </a:rPr>
-              <a:t>       TIOBE 2018.8  43  Kotlin</a:t>
-            </a:r>
-            <a:endParaRPr sz="1600" dirty="0">
-              <a:latin typeface="微软雅黑" panose="020B0503020204020204" pitchFamily="34" charset="-122"/>
-              <a:ea typeface="微软雅黑" panose="020B0503020204020204" pitchFamily="34" charset="-122"/>
-            </a:endParaRPr>
-          </a:p>
-        </p:txBody>
-      </p:sp>
-    </p:spTree>
-  </p:cSld>
-  <p:clrMapOvr>
-    <a:masterClrMapping/>
-  </p:clrMapOvr>
-  <p:transition spd="slow">
-    <p:fade/>
-  </p:transition>
-  <p:timing>
-    <p:tnLst>
-      <p:par>
-        <p:cTn id="1" dur="indefinite" restart="never" nodeType="tmRoot"/>
-      </p:par>
-    </p:tnLst>
-  </p:timing>
-</p:sld>
-</file>
-
 <file path=ppt/slides/slide4.xml><?xml version="1.0" encoding="utf-8"?>
 <p:sld xmlns:a="http://schemas.openxmlformats.org/drawingml/2006/main" xmlns:r="http://schemas.openxmlformats.org/officeDocument/2006/relationships" xmlns:p="http://schemas.openxmlformats.org/presentationml/2006/main">
   <p:cSld>
@@ -15706,15 +17610,6 @@
               </a:rPr>
               <a:t>前世今生</a:t>
             </a:r>
-            <a:endParaRPr sz="2000" b="1" dirty="0" smtClean="0">
-              <a:solidFill>
-                <a:schemeClr val="bg1"/>
-              </a:solidFill>
-              <a:latin typeface="微软雅黑" panose="020B0503020204020204" pitchFamily="34" charset="-122"/>
-              <a:ea typeface="微软雅黑" panose="020B0503020204020204" pitchFamily="34" charset="-122"/>
-              <a:cs typeface="+mn-ea"/>
-              <a:sym typeface="+mn-lt"/>
-            </a:endParaRPr>
           </a:p>
         </p:txBody>
       </p:sp>
@@ -15927,15 +17822,6 @@
               </a:rPr>
               <a:t>特色 </a:t>
             </a:r>
-            <a:endParaRPr sz="2000" b="1" dirty="0">
-              <a:solidFill>
-                <a:schemeClr val="bg1"/>
-              </a:solidFill>
-              <a:latin typeface="微软雅黑" panose="020B0503020204020204" pitchFamily="34" charset="-122"/>
-              <a:ea typeface="微软雅黑" panose="020B0503020204020204" pitchFamily="34" charset="-122"/>
-              <a:cs typeface="+mn-ea"/>
-              <a:sym typeface="+mn-lt"/>
-            </a:endParaRPr>
           </a:p>
         </p:txBody>
       </p:sp>
@@ -16106,6 +17992,7 @@
         </p:style>
         <p:txBody>
           <a:bodyPr rtlCol="0" anchor="ctr"/>
+          <a:lstStyle/>
           <a:p>
             <a:pPr algn="ctr"/>
             <a:endParaRPr lang="zh-CN" altLang="en-US" sz="1400">
@@ -16136,6 +18023,7 @@
           <a:bodyPr wrap="none">
             <a:spAutoFit/>
           </a:bodyPr>
+          <a:lstStyle/>
           <a:p>
             <a:pPr algn="ctr">
               <a:lnSpc>
@@ -16212,6 +18100,7 @@
         </p:style>
         <p:txBody>
           <a:bodyPr anchor="ctr"/>
+          <a:lstStyle/>
           <a:p>
             <a:pPr algn="ctr" fontAlgn="auto">
               <a:spcBef>
@@ -16243,13 +18132,13 @@
   <p:clrMapOvr>
     <a:masterClrMapping/>
   </p:clrMapOvr>
-  <mc:AlternateContent xmlns:mc="http://schemas.openxmlformats.org/markup-compatibility/2006">
-    <mc:Choice xmlns:p14="http://schemas.microsoft.com/office/powerpoint/2010/main" Requires="p14">
+  <mc:AlternateContent xmlns:mc="http://schemas.openxmlformats.org/markup-compatibility/2006" xmlns:p14="http://schemas.microsoft.com/office/powerpoint/2010/main">
+    <mc:Choice Requires="p14">
       <p:transition spd="med" p14:dur="700">
         <p:fade/>
       </p:transition>
     </mc:Choice>
-    <mc:Fallback>
+    <mc:Fallback xmlns="">
       <p:transition spd="med">
         <p:fade/>
       </p:transition>
@@ -16602,13 +18491,6 @@
                 </a:rPr>
                 <a:t>理念</a:t>
               </a:r>
-              <a:endParaRPr lang="zh-CN" altLang="en-US" sz="2400" b="1" dirty="0" smtClean="0">
-                <a:solidFill>
-                  <a:schemeClr val="bg1"/>
-                </a:solidFill>
-                <a:latin typeface="微软雅黑" panose="020B0503020204020204" pitchFamily="34" charset="-122"/>
-                <a:ea typeface="微软雅黑" panose="020B0503020204020204" pitchFamily="34" charset="-122"/>
-              </a:endParaRPr>
             </a:p>
           </p:txBody>
         </p:sp>
@@ -16685,11 +18567,6 @@
               </a:rPr>
               <a:t>Kotlin的另一个优势就是可以100%的兼容Java，Kotlin和Java之间可以相互调用。使用Kotlin进行Android或者Java服务端开发，可以导入任意的Java库。</a:t>
             </a:r>
-            <a:endParaRPr lang="zh-CN" sz="1600" dirty="0">
-              <a:latin typeface="微软雅黑" panose="020B0503020204020204" pitchFamily="34" charset="-122"/>
-              <a:ea typeface="微软雅黑" panose="020B0503020204020204" pitchFamily="34" charset="-122"/>
-              <a:sym typeface="+mn-ea"/>
-            </a:endParaRPr>
           </a:p>
           <a:p>
             <a:pPr fontAlgn="auto">
@@ -16718,13 +18595,6 @@
               </a:rPr>
               <a:t>2、性能</a:t>
             </a:r>
-            <a:endParaRPr sz="1600" b="1" dirty="0">
-              <a:solidFill>
-                <a:srgbClr val="339966"/>
-              </a:solidFill>
-              <a:latin typeface="微软雅黑" panose="020B0503020204020204" pitchFamily="34" charset="-122"/>
-              <a:ea typeface="微软雅黑" panose="020B0503020204020204" pitchFamily="34" charset="-122"/>
-            </a:endParaRPr>
           </a:p>
           <a:p>
             <a:pPr fontAlgn="auto">
@@ -16739,10 +18609,6 @@
               </a:rPr>
               <a:t>       由于非常相似的位元组码结构，Kotlin 应用程式的运行速度与Java 类似。随着Kotlin 对内联函数的支持，使用lambda表达式的代码通常比用Java 写的代码运行得更快。</a:t>
             </a:r>
-            <a:endParaRPr sz="1600" dirty="0">
-              <a:latin typeface="微软雅黑" panose="020B0503020204020204" pitchFamily="34" charset="-122"/>
-              <a:ea typeface="微软雅黑" panose="020B0503020204020204" pitchFamily="34" charset="-122"/>
-            </a:endParaRPr>
           </a:p>
           <a:p>
             <a:pPr fontAlgn="auto">
@@ -16771,13 +18637,6 @@
               </a:rPr>
               <a:t>3、相互操作性</a:t>
             </a:r>
-            <a:endParaRPr sz="1600" b="1" dirty="0">
-              <a:solidFill>
-                <a:srgbClr val="339966"/>
-              </a:solidFill>
-              <a:latin typeface="微软雅黑" panose="020B0503020204020204" pitchFamily="34" charset="-122"/>
-              <a:ea typeface="微软雅黑" panose="020B0503020204020204" pitchFamily="34" charset="-122"/>
-            </a:endParaRPr>
           </a:p>
           <a:p>
             <a:pPr fontAlgn="auto">
@@ -16792,10 +18651,6 @@
               </a:rPr>
               <a:t>       Kotlin可与Java进行100％的相互操作，允许在Kotlin应用程式中使用所有现有的Android类别库。</a:t>
             </a:r>
-            <a:endParaRPr sz="1600" dirty="0">
-              <a:latin typeface="微软雅黑" panose="020B0503020204020204" pitchFamily="34" charset="-122"/>
-              <a:ea typeface="微软雅黑" panose="020B0503020204020204" pitchFamily="34" charset="-122"/>
-            </a:endParaRPr>
           </a:p>
           <a:p>
             <a:pPr fontAlgn="auto">
@@ -16824,13 +18679,6 @@
               </a:rPr>
               <a:t>4、学习曲线</a:t>
             </a:r>
-            <a:endParaRPr sz="1600" b="1" dirty="0">
-              <a:solidFill>
-                <a:srgbClr val="339966"/>
-              </a:solidFill>
-              <a:latin typeface="微软雅黑" panose="020B0503020204020204" pitchFamily="34" charset="-122"/>
-              <a:ea typeface="微软雅黑" panose="020B0503020204020204" pitchFamily="34" charset="-122"/>
-            </a:endParaRPr>
           </a:p>
           <a:p>
             <a:pPr fontAlgn="auto">
@@ -16845,10 +18693,6 @@
               </a:rPr>
               <a:t>       对于Java开发人员而言，Kotlin入门容易。Kotlin Koans 透过一系列互动练习提供了主要功能的指南。</a:t>
             </a:r>
-            <a:endParaRPr sz="1600" dirty="0">
-              <a:latin typeface="微软雅黑" panose="020B0503020204020204" pitchFamily="34" charset="-122"/>
-              <a:ea typeface="微软雅黑" panose="020B0503020204020204" pitchFamily="34" charset="-122"/>
-            </a:endParaRPr>
           </a:p>
         </p:txBody>
       </p:sp>
@@ -16983,13 +18827,6 @@
                 </a:rPr>
                 <a:t>特色</a:t>
               </a:r>
-              <a:endParaRPr sz="2400" b="1" dirty="0" smtClean="0">
-                <a:solidFill>
-                  <a:schemeClr val="bg1"/>
-                </a:solidFill>
-                <a:latin typeface="微软雅黑" panose="020B0503020204020204" pitchFamily="34" charset="-122"/>
-                <a:ea typeface="微软雅黑" panose="020B0503020204020204" pitchFamily="34" charset="-122"/>
-              </a:endParaRPr>
             </a:p>
           </p:txBody>
         </p:sp>
@@ -17026,13 +18863,6 @@
               </a:rPr>
               <a:t>1、语法简洁</a:t>
             </a:r>
-            <a:endParaRPr sz="1600" b="1" dirty="0">
-              <a:solidFill>
-                <a:srgbClr val="339966"/>
-              </a:solidFill>
-              <a:latin typeface="微软雅黑" panose="020B0503020204020204" pitchFamily="34" charset="-122"/>
-              <a:ea typeface="微软雅黑" panose="020B0503020204020204" pitchFamily="34" charset="-122"/>
-            </a:endParaRPr>
           </a:p>
           <a:p>
             <a:pPr fontAlgn="auto">
@@ -17047,10 +18877,6 @@
               </a:rPr>
               <a:t>      Kotlin提供了大量的语法糖（有函数声明，类的创建，集合相关，范围运算符等等大量简洁的语法）、 Lambda表达式（Java8支持），简洁的函数表示法。并吸收了其他语言的优点：模板字符串，运算符重载，方法扩展，命名参数等。</a:t>
             </a:r>
-            <a:endParaRPr sz="1600" dirty="0">
-              <a:latin typeface="微软雅黑" panose="020B0503020204020204" pitchFamily="34" charset="-122"/>
-              <a:ea typeface="微软雅黑" panose="020B0503020204020204" pitchFamily="34" charset="-122"/>
-            </a:endParaRPr>
           </a:p>
           <a:p>
             <a:pPr fontAlgn="auto">
@@ -17079,13 +18905,6 @@
               </a:rPr>
               <a:t>2、安全性</a:t>
             </a:r>
-            <a:endParaRPr sz="1600" b="1" dirty="0">
-              <a:solidFill>
-                <a:srgbClr val="339966"/>
-              </a:solidFill>
-              <a:latin typeface="微软雅黑" panose="020B0503020204020204" pitchFamily="34" charset="-122"/>
-              <a:ea typeface="微软雅黑" panose="020B0503020204020204" pitchFamily="34" charset="-122"/>
-            </a:endParaRPr>
           </a:p>
           <a:p>
             <a:pPr fontAlgn="auto">
@@ -17107,10 +18926,6 @@
               </a:rPr>
               <a:t>Kotlin提供了安全符“？”，当变量可以为null时，必须使用可空安全符？进行声明，否则会出现编译错误。并且，Kotlin还提供了智能的类型判断功能，使用is类型判断后，编译器自动进行类型转换。</a:t>
             </a:r>
-            <a:endParaRPr lang="zh-CN" sz="1600" dirty="0">
-              <a:latin typeface="微软雅黑" panose="020B0503020204020204" pitchFamily="34" charset="-122"/>
-              <a:ea typeface="微软雅黑" panose="020B0503020204020204" pitchFamily="34" charset="-122"/>
-            </a:endParaRPr>
           </a:p>
           <a:p>
             <a:pPr fontAlgn="auto">
@@ -17151,14 +18966,6 @@
               </a:rPr>
               <a:t>、IDE工具支持</a:t>
             </a:r>
-            <a:endParaRPr sz="1600" b="1" dirty="0">
-              <a:solidFill>
-                <a:srgbClr val="339966"/>
-              </a:solidFill>
-              <a:latin typeface="微软雅黑" panose="020B0503020204020204" pitchFamily="34" charset="-122"/>
-              <a:ea typeface="微软雅黑" panose="020B0503020204020204" pitchFamily="34" charset="-122"/>
-              <a:sym typeface="+mn-ea"/>
-            </a:endParaRPr>
           </a:p>
           <a:p>
             <a:pPr fontAlgn="auto">
@@ -17174,11 +18981,6 @@
               </a:rPr>
               <a:t>　  在Google官方发布的最新版本的Android Studio 3.0上，已经默认集成了Kotlin，对于一些老版本，也可以通过插件的方式来集成Kotlin。所以，使用JetBrains提供的IDE，可以为Kotlin开发提供最佳的环境支持。就像JetBrains所说：一门语言需要工具化，而在 JetBrains，这正是我们做得最好的地方！</a:t>
             </a:r>
-            <a:endParaRPr lang="zh-CN" sz="1600" dirty="0">
-              <a:latin typeface="微软雅黑" panose="020B0503020204020204" pitchFamily="34" charset="-122"/>
-              <a:ea typeface="微软雅黑" panose="020B0503020204020204" pitchFamily="34" charset="-122"/>
-              <a:sym typeface="+mn-ea"/>
-            </a:endParaRPr>
           </a:p>
           <a:p>
             <a:pPr lvl="0" fontAlgn="auto">
@@ -17194,11 +18996,6 @@
               </a:rPr>
               <a:t>　  在IDE中可以一键转换Java代码为Kotlin代码，同时Kotlin代码也可以反编译成Java代码。</a:t>
             </a:r>
-            <a:endParaRPr lang="zh-CN" sz="1600" dirty="0">
-              <a:latin typeface="微软雅黑" panose="020B0503020204020204" pitchFamily="34" charset="-122"/>
-              <a:ea typeface="微软雅黑" panose="020B0503020204020204" pitchFamily="34" charset="-122"/>
-              <a:sym typeface="+mn-ea"/>
-            </a:endParaRPr>
           </a:p>
         </p:txBody>
       </p:sp>
@@ -17333,13 +19130,6 @@
                 </a:rPr>
                 <a:t>跨平台开发</a:t>
               </a:r>
-              <a:endParaRPr sz="2400" b="1" dirty="0" smtClean="0">
-                <a:solidFill>
-                  <a:schemeClr val="bg1"/>
-                </a:solidFill>
-                <a:latin typeface="微软雅黑" panose="020B0503020204020204" pitchFamily="34" charset="-122"/>
-                <a:ea typeface="微软雅黑" panose="020B0503020204020204" pitchFamily="34" charset="-122"/>
-              </a:endParaRPr>
             </a:p>
           </p:txBody>
         </p:sp>
@@ -17376,13 +19166,6 @@
               </a:rPr>
               <a:t>1、Kotlin 用于服务器端</a:t>
             </a:r>
-            <a:endParaRPr sz="1600" b="1" dirty="0">
-              <a:solidFill>
-                <a:srgbClr val="339966"/>
-              </a:solidFill>
-              <a:latin typeface="微软雅黑" panose="020B0503020204020204" pitchFamily="34" charset="-122"/>
-              <a:ea typeface="微软雅黑" panose="020B0503020204020204" pitchFamily="34" charset="-122"/>
-            </a:endParaRPr>
           </a:p>
           <a:p>
             <a:pPr fontAlgn="auto">
@@ -17397,10 +19180,6 @@
               </a:rPr>
               <a:t>      Kotlin 非常适合开发服务器端应用程序，允许编写简明且表现力强的代码， 同时保持与现有基于 Java 的技术栈的完全兼容性以及平滑的学习曲线</a:t>
             </a:r>
-            <a:endParaRPr sz="1600" dirty="0">
-              <a:latin typeface="微软雅黑" panose="020B0503020204020204" pitchFamily="34" charset="-122"/>
-              <a:ea typeface="微软雅黑" panose="020B0503020204020204" pitchFamily="34" charset="-122"/>
-            </a:endParaRPr>
           </a:p>
           <a:p>
             <a:pPr fontAlgn="auto">
@@ -17429,13 +19208,6 @@
               </a:rPr>
               <a:t>2、Kotlin 用于 Android</a:t>
             </a:r>
-            <a:endParaRPr sz="1600" b="1" dirty="0">
-              <a:solidFill>
-                <a:srgbClr val="339966"/>
-              </a:solidFill>
-              <a:latin typeface="微软雅黑" panose="020B0503020204020204" pitchFamily="34" charset="-122"/>
-              <a:ea typeface="微软雅黑" panose="020B0503020204020204" pitchFamily="34" charset="-122"/>
-            </a:endParaRPr>
           </a:p>
           <a:p>
             <a:pPr fontAlgn="auto">
@@ -17457,10 +19229,6 @@
               </a:rPr>
               <a:t>Kotlin 非常适合开发 Android 应用程序，将现代语言的所有优势带入 Android 平台而不会引入任何新的限制。</a:t>
             </a:r>
-            <a:endParaRPr lang="zh-CN" sz="1600" dirty="0">
-              <a:latin typeface="微软雅黑" panose="020B0503020204020204" pitchFamily="34" charset="-122"/>
-              <a:ea typeface="微软雅黑" panose="020B0503020204020204" pitchFamily="34" charset="-122"/>
-            </a:endParaRPr>
           </a:p>
           <a:p>
             <a:pPr fontAlgn="auto">
@@ -17501,14 +19269,6 @@
               </a:rPr>
               <a:t>、Kotlin 用于 JavaScript</a:t>
             </a:r>
-            <a:endParaRPr sz="1600" b="1" dirty="0">
-              <a:solidFill>
-                <a:srgbClr val="339966"/>
-              </a:solidFill>
-              <a:latin typeface="微软雅黑" panose="020B0503020204020204" pitchFamily="34" charset="-122"/>
-              <a:ea typeface="微软雅黑" panose="020B0503020204020204" pitchFamily="34" charset="-122"/>
-              <a:sym typeface="+mn-ea"/>
-            </a:endParaRPr>
           </a:p>
           <a:p>
             <a:pPr fontAlgn="auto">
@@ -17524,11 +19284,6 @@
               </a:rPr>
               <a:t>　  Kotlin 提供了 JavaScript 作为目标平台的能力。它通过将 Kotlin 转换为 JavaScript 来实现。目前的实现目标是 ECMAScript 5.1，但也有最终目标为 ECMAScript 2015 的计划。</a:t>
             </a:r>
-            <a:endParaRPr lang="zh-CN" sz="1600" dirty="0">
-              <a:latin typeface="微软雅黑" panose="020B0503020204020204" pitchFamily="34" charset="-122"/>
-              <a:ea typeface="微软雅黑" panose="020B0503020204020204" pitchFamily="34" charset="-122"/>
-              <a:sym typeface="+mn-ea"/>
-            </a:endParaRPr>
           </a:p>
           <a:p>
             <a:pPr fontAlgn="auto">
@@ -17570,14 +19325,6 @@
               </a:rPr>
               <a:t>、Kotlin/Native</a:t>
             </a:r>
-            <a:endParaRPr sz="1600" b="1" dirty="0">
-              <a:solidFill>
-                <a:srgbClr val="339966"/>
-              </a:solidFill>
-              <a:latin typeface="微软雅黑" panose="020B0503020204020204" pitchFamily="34" charset="-122"/>
-              <a:ea typeface="微软雅黑" panose="020B0503020204020204" pitchFamily="34" charset="-122"/>
-              <a:sym typeface="+mn-ea"/>
-            </a:endParaRPr>
           </a:p>
           <a:p>
             <a:pPr fontAlgn="auto">
@@ -17593,11 +19340,6 @@
               </a:rPr>
               <a:t>　  Kotlin/Native 是一种将 Kotlin 编译为没有任何虚拟机的原生二进制文件的技术。 它包含基于 LLVM 的 Kotlin 编译器后端以及 Kotlin 运行时库的原生实现。Kotlin/Native 主要为允许在不希望或不可能使用虚拟机的平台（如 iOS、嵌入式领域等）编译、 或者开发人员需要生成不需要额外运行时的合理大小的独立程序而设计的。（还在开发中）</a:t>
             </a:r>
-            <a:endParaRPr lang="zh-CN" sz="1600" dirty="0">
-              <a:latin typeface="微软雅黑" panose="020B0503020204020204" pitchFamily="34" charset="-122"/>
-              <a:ea typeface="微软雅黑" panose="020B0503020204020204" pitchFamily="34" charset="-122"/>
-              <a:sym typeface="+mn-ea"/>
-            </a:endParaRPr>
           </a:p>
           <a:p>
             <a:pPr fontAlgn="auto">
@@ -17990,15 +19732,6 @@
               </a:rPr>
               <a:t>前世今生</a:t>
             </a:r>
-            <a:endParaRPr sz="2000" b="1" dirty="0" smtClean="0">
-              <a:solidFill>
-                <a:schemeClr val="bg1"/>
-              </a:solidFill>
-              <a:latin typeface="微软雅黑" panose="020B0503020204020204" pitchFamily="34" charset="-122"/>
-              <a:ea typeface="微软雅黑" panose="020B0503020204020204" pitchFamily="34" charset="-122"/>
-              <a:cs typeface="+mn-ea"/>
-              <a:sym typeface="+mn-lt"/>
-            </a:endParaRPr>
           </a:p>
         </p:txBody>
       </p:sp>
@@ -18211,15 +19944,6 @@
               </a:rPr>
               <a:t>特色 </a:t>
             </a:r>
-            <a:endParaRPr sz="2000" b="1" dirty="0">
-              <a:solidFill>
-                <a:schemeClr val="bg1"/>
-              </a:solidFill>
-              <a:latin typeface="微软雅黑" panose="020B0503020204020204" pitchFamily="34" charset="-122"/>
-              <a:ea typeface="微软雅黑" panose="020B0503020204020204" pitchFamily="34" charset="-122"/>
-              <a:cs typeface="+mn-ea"/>
-              <a:sym typeface="+mn-lt"/>
-            </a:endParaRPr>
           </a:p>
         </p:txBody>
       </p:sp>
@@ -18390,6 +20114,7 @@
         </p:style>
         <p:txBody>
           <a:bodyPr rtlCol="0" anchor="ctr"/>
+          <a:lstStyle/>
           <a:p>
             <a:pPr algn="ctr"/>
             <a:endParaRPr lang="zh-CN" altLang="en-US" sz="1400">
@@ -18420,6 +20145,7 @@
           <a:bodyPr wrap="none">
             <a:spAutoFit/>
           </a:bodyPr>
+          <a:lstStyle/>
           <a:p>
             <a:pPr algn="ctr">
               <a:lnSpc>
@@ -18496,6 +20222,7 @@
         </p:style>
         <p:txBody>
           <a:bodyPr anchor="ctr"/>
+          <a:lstStyle/>
           <a:p>
             <a:pPr algn="ctr" fontAlgn="auto">
               <a:spcBef>
@@ -18527,13 +20254,13 @@
   <p:clrMapOvr>
     <a:masterClrMapping/>
   </p:clrMapOvr>
-  <mc:AlternateContent xmlns:mc="http://schemas.openxmlformats.org/markup-compatibility/2006">
-    <mc:Choice xmlns:p14="http://schemas.microsoft.com/office/powerpoint/2010/main" Requires="p14">
+  <mc:AlternateContent xmlns:mc="http://schemas.openxmlformats.org/markup-compatibility/2006" xmlns:p14="http://schemas.microsoft.com/office/powerpoint/2010/main">
+    <mc:Choice Requires="p14">
       <p:transition spd="med" p14:dur="700">
         <p:fade/>
       </p:transition>
     </mc:Choice>
-    <mc:Fallback>
+    <mc:Fallback xmlns="">
       <p:transition spd="med">
         <p:fade/>
       </p:transition>
@@ -18886,13 +20613,6 @@
                 </a:rPr>
                 <a:t>定义包</a:t>
               </a:r>
-              <a:endParaRPr lang="zh-CN" altLang="en-US" sz="2400" b="1" dirty="0" smtClean="0">
-                <a:solidFill>
-                  <a:schemeClr val="bg1"/>
-                </a:solidFill>
-                <a:latin typeface="微软雅黑" panose="020B0503020204020204" pitchFamily="34" charset="-122"/>
-                <a:ea typeface="微软雅黑" panose="020B0503020204020204" pitchFamily="34" charset="-122"/>
-              </a:endParaRPr>
             </a:p>
           </p:txBody>
         </p:sp>
@@ -18917,13 +20637,13 @@
           <a:bodyPr wrap="square" rtlCol="0">
             <a:spAutoFit/>
           </a:bodyPr>
+          <a:lstStyle/>
           <a:p>
             <a:pPr algn="l"/>
             <a:r>
               <a:rPr lang="zh-CN" altLang="en-US"/>
               <a:t>package my.demo</a:t>
             </a:r>
-            <a:endParaRPr lang="zh-CN" altLang="en-US"/>
           </a:p>
           <a:p>
             <a:pPr algn="l"/>
@@ -18935,7 +20655,6 @@
               <a:rPr lang="zh-CN" altLang="en-US"/>
               <a:t>import java.util.*</a:t>
             </a:r>
-            <a:endParaRPr lang="zh-CN" altLang="en-US"/>
           </a:p>
           <a:p>
             <a:pPr algn="l"/>
@@ -18947,7 +20666,6 @@
               <a:rPr lang="zh-CN" altLang="en-US"/>
               <a:t>// ……</a:t>
             </a:r>
-            <a:endParaRPr lang="zh-CN" altLang="en-US"/>
           </a:p>
           <a:p>
             <a:pPr algn="l"/>
@@ -18959,7 +20677,6 @@
               <a:rPr lang="zh-CN" altLang="en-US"/>
               <a:t>目录与包的结构无需匹配：源代码可以在文件系统的任意位置。</a:t>
             </a:r>
-            <a:endParaRPr lang="zh-CN" altLang="en-US"/>
           </a:p>
         </p:txBody>
       </p:sp>
